--- a/1821005_yoshioka_sotuken.pptx
+++ b/1821005_yoshioka_sotuken.pptx
@@ -106,11 +106,6 @@
       </a:defRPr>
     </a:lvl9pPr>
   </p:defaultTextStyle>
-  <p:extLst>
-    <p:ext uri="{EFAFB233-063F-42B5-8137-9DF3F51BA10A}">
-      <p15:sldGuideLst xmlns:p15="http://schemas.microsoft.com/office/powerpoint/2012/main"/>
-    </p:ext>
-  </p:extLst>
 </p:presentation>
 </file>
 
@@ -243,9 +238,9 @@
           <a:bodyPr/>
           <a:lstStyle/>
           <a:p>
-            <a:fld id="{4428302E-F8BE-4E6C-8B9E-412271E10EF9}" type="datetimeFigureOut">
-              <a:rPr kumimoji="1" lang="ja-JP" altLang="en-US" smtClean="0"/>
-              <a:t>2021/4/21</a:t>
+            <a:fld id="{80D73B06-1F8F-4F1F-A43F-36245BD6E61F}" type="datetimeFigureOut">
+              <a:rPr kumimoji="1" lang="ja-JP" altLang="en-US" smtClean="0"/>
+              <a:t>2021/5/12</a:t>
             </a:fld>
             <a:endParaRPr kumimoji="1" lang="ja-JP" altLang="en-US"/>
           </a:p>
@@ -285,7 +280,7 @@
           <a:bodyPr/>
           <a:lstStyle/>
           <a:p>
-            <a:fld id="{E81DB459-472C-4FCC-B5CE-124A9474122D}" type="slidenum">
+            <a:fld id="{BCFEE6ED-AA2C-49EB-A172-8063C2D7D298}" type="slidenum">
               <a:rPr kumimoji="1" lang="ja-JP" altLang="en-US" smtClean="0"/>
               <a:t>‹#›</a:t>
             </a:fld>
@@ -296,7 +291,7 @@
     </p:spTree>
     <p:extLst>
       <p:ext uri="{BB962C8B-B14F-4D97-AF65-F5344CB8AC3E}">
-        <p14:creationId xmlns:p14="http://schemas.microsoft.com/office/powerpoint/2010/main" val="1275746675"/>
+        <p14:creationId xmlns:p14="http://schemas.microsoft.com/office/powerpoint/2010/main" val="4081765688"/>
       </p:ext>
     </p:extLst>
   </p:cSld>
@@ -445,9 +440,9 @@
           <a:bodyPr/>
           <a:lstStyle/>
           <a:p>
-            <a:fld id="{4428302E-F8BE-4E6C-8B9E-412271E10EF9}" type="datetimeFigureOut">
-              <a:rPr kumimoji="1" lang="ja-JP" altLang="en-US" smtClean="0"/>
-              <a:t>2021/4/21</a:t>
+            <a:fld id="{80D73B06-1F8F-4F1F-A43F-36245BD6E61F}" type="datetimeFigureOut">
+              <a:rPr kumimoji="1" lang="ja-JP" altLang="en-US" smtClean="0"/>
+              <a:t>2021/5/12</a:t>
             </a:fld>
             <a:endParaRPr kumimoji="1" lang="ja-JP" altLang="en-US"/>
           </a:p>
@@ -487,7 +482,7 @@
           <a:bodyPr/>
           <a:lstStyle/>
           <a:p>
-            <a:fld id="{E81DB459-472C-4FCC-B5CE-124A9474122D}" type="slidenum">
+            <a:fld id="{BCFEE6ED-AA2C-49EB-A172-8063C2D7D298}" type="slidenum">
               <a:rPr kumimoji="1" lang="ja-JP" altLang="en-US" smtClean="0"/>
               <a:t>‹#›</a:t>
             </a:fld>
@@ -498,7 +493,7 @@
     </p:spTree>
     <p:extLst>
       <p:ext uri="{BB962C8B-B14F-4D97-AF65-F5344CB8AC3E}">
-        <p14:creationId xmlns:p14="http://schemas.microsoft.com/office/powerpoint/2010/main" val="3098388002"/>
+        <p14:creationId xmlns:p14="http://schemas.microsoft.com/office/powerpoint/2010/main" val="2275751302"/>
       </p:ext>
     </p:extLst>
   </p:cSld>
@@ -657,9 +652,9 @@
           <a:bodyPr/>
           <a:lstStyle/>
           <a:p>
-            <a:fld id="{4428302E-F8BE-4E6C-8B9E-412271E10EF9}" type="datetimeFigureOut">
-              <a:rPr kumimoji="1" lang="ja-JP" altLang="en-US" smtClean="0"/>
-              <a:t>2021/4/21</a:t>
+            <a:fld id="{80D73B06-1F8F-4F1F-A43F-36245BD6E61F}" type="datetimeFigureOut">
+              <a:rPr kumimoji="1" lang="ja-JP" altLang="en-US" smtClean="0"/>
+              <a:t>2021/5/12</a:t>
             </a:fld>
             <a:endParaRPr kumimoji="1" lang="ja-JP" altLang="en-US"/>
           </a:p>
@@ -699,7 +694,7 @@
           <a:bodyPr/>
           <a:lstStyle/>
           <a:p>
-            <a:fld id="{E81DB459-472C-4FCC-B5CE-124A9474122D}" type="slidenum">
+            <a:fld id="{BCFEE6ED-AA2C-49EB-A172-8063C2D7D298}" type="slidenum">
               <a:rPr kumimoji="1" lang="ja-JP" altLang="en-US" smtClean="0"/>
               <a:t>‹#›</a:t>
             </a:fld>
@@ -710,7 +705,7 @@
     </p:spTree>
     <p:extLst>
       <p:ext uri="{BB962C8B-B14F-4D97-AF65-F5344CB8AC3E}">
-        <p14:creationId xmlns:p14="http://schemas.microsoft.com/office/powerpoint/2010/main" val="2887171624"/>
+        <p14:creationId xmlns:p14="http://schemas.microsoft.com/office/powerpoint/2010/main" val="1729244506"/>
       </p:ext>
     </p:extLst>
   </p:cSld>
@@ -859,9 +854,9 @@
           <a:bodyPr/>
           <a:lstStyle/>
           <a:p>
-            <a:fld id="{4428302E-F8BE-4E6C-8B9E-412271E10EF9}" type="datetimeFigureOut">
-              <a:rPr kumimoji="1" lang="ja-JP" altLang="en-US" smtClean="0"/>
-              <a:t>2021/4/21</a:t>
+            <a:fld id="{80D73B06-1F8F-4F1F-A43F-36245BD6E61F}" type="datetimeFigureOut">
+              <a:rPr kumimoji="1" lang="ja-JP" altLang="en-US" smtClean="0"/>
+              <a:t>2021/5/12</a:t>
             </a:fld>
             <a:endParaRPr kumimoji="1" lang="ja-JP" altLang="en-US"/>
           </a:p>
@@ -901,7 +896,7 @@
           <a:bodyPr/>
           <a:lstStyle/>
           <a:p>
-            <a:fld id="{E81DB459-472C-4FCC-B5CE-124A9474122D}" type="slidenum">
+            <a:fld id="{BCFEE6ED-AA2C-49EB-A172-8063C2D7D298}" type="slidenum">
               <a:rPr kumimoji="1" lang="ja-JP" altLang="en-US" smtClean="0"/>
               <a:t>‹#›</a:t>
             </a:fld>
@@ -912,7 +907,7 @@
     </p:spTree>
     <p:extLst>
       <p:ext uri="{BB962C8B-B14F-4D97-AF65-F5344CB8AC3E}">
-        <p14:creationId xmlns:p14="http://schemas.microsoft.com/office/powerpoint/2010/main" val="2736994804"/>
+        <p14:creationId xmlns:p14="http://schemas.microsoft.com/office/powerpoint/2010/main" val="3110919886"/>
       </p:ext>
     </p:extLst>
   </p:cSld>
@@ -1105,9 +1100,9 @@
           <a:bodyPr/>
           <a:lstStyle/>
           <a:p>
-            <a:fld id="{4428302E-F8BE-4E6C-8B9E-412271E10EF9}" type="datetimeFigureOut">
-              <a:rPr kumimoji="1" lang="ja-JP" altLang="en-US" smtClean="0"/>
-              <a:t>2021/4/21</a:t>
+            <a:fld id="{80D73B06-1F8F-4F1F-A43F-36245BD6E61F}" type="datetimeFigureOut">
+              <a:rPr kumimoji="1" lang="ja-JP" altLang="en-US" smtClean="0"/>
+              <a:t>2021/5/12</a:t>
             </a:fld>
             <a:endParaRPr kumimoji="1" lang="ja-JP" altLang="en-US"/>
           </a:p>
@@ -1147,7 +1142,7 @@
           <a:bodyPr/>
           <a:lstStyle/>
           <a:p>
-            <a:fld id="{E81DB459-472C-4FCC-B5CE-124A9474122D}" type="slidenum">
+            <a:fld id="{BCFEE6ED-AA2C-49EB-A172-8063C2D7D298}" type="slidenum">
               <a:rPr kumimoji="1" lang="ja-JP" altLang="en-US" smtClean="0"/>
               <a:t>‹#›</a:t>
             </a:fld>
@@ -1158,7 +1153,7 @@
     </p:spTree>
     <p:extLst>
       <p:ext uri="{BB962C8B-B14F-4D97-AF65-F5344CB8AC3E}">
-        <p14:creationId xmlns:p14="http://schemas.microsoft.com/office/powerpoint/2010/main" val="82133132"/>
+        <p14:creationId xmlns:p14="http://schemas.microsoft.com/office/powerpoint/2010/main" val="799642334"/>
       </p:ext>
     </p:extLst>
   </p:cSld>
@@ -1401,9 +1396,9 @@
           <a:bodyPr/>
           <a:lstStyle/>
           <a:p>
-            <a:fld id="{4428302E-F8BE-4E6C-8B9E-412271E10EF9}" type="datetimeFigureOut">
-              <a:rPr kumimoji="1" lang="ja-JP" altLang="en-US" smtClean="0"/>
-              <a:t>2021/4/21</a:t>
+            <a:fld id="{80D73B06-1F8F-4F1F-A43F-36245BD6E61F}" type="datetimeFigureOut">
+              <a:rPr kumimoji="1" lang="ja-JP" altLang="en-US" smtClean="0"/>
+              <a:t>2021/5/12</a:t>
             </a:fld>
             <a:endParaRPr kumimoji="1" lang="ja-JP" altLang="en-US"/>
           </a:p>
@@ -1443,7 +1438,7 @@
           <a:bodyPr/>
           <a:lstStyle/>
           <a:p>
-            <a:fld id="{E81DB459-472C-4FCC-B5CE-124A9474122D}" type="slidenum">
+            <a:fld id="{BCFEE6ED-AA2C-49EB-A172-8063C2D7D298}" type="slidenum">
               <a:rPr kumimoji="1" lang="ja-JP" altLang="en-US" smtClean="0"/>
               <a:t>‹#›</a:t>
             </a:fld>
@@ -1454,7 +1449,7 @@
     </p:spTree>
     <p:extLst>
       <p:ext uri="{BB962C8B-B14F-4D97-AF65-F5344CB8AC3E}">
-        <p14:creationId xmlns:p14="http://schemas.microsoft.com/office/powerpoint/2010/main" val="2446031384"/>
+        <p14:creationId xmlns:p14="http://schemas.microsoft.com/office/powerpoint/2010/main" val="758171363"/>
       </p:ext>
     </p:extLst>
   </p:cSld>
@@ -1832,9 +1827,9 @@
           <a:bodyPr/>
           <a:lstStyle/>
           <a:p>
-            <a:fld id="{4428302E-F8BE-4E6C-8B9E-412271E10EF9}" type="datetimeFigureOut">
-              <a:rPr kumimoji="1" lang="ja-JP" altLang="en-US" smtClean="0"/>
-              <a:t>2021/4/21</a:t>
+            <a:fld id="{80D73B06-1F8F-4F1F-A43F-36245BD6E61F}" type="datetimeFigureOut">
+              <a:rPr kumimoji="1" lang="ja-JP" altLang="en-US" smtClean="0"/>
+              <a:t>2021/5/12</a:t>
             </a:fld>
             <a:endParaRPr kumimoji="1" lang="ja-JP" altLang="en-US"/>
           </a:p>
@@ -1874,7 +1869,7 @@
           <a:bodyPr/>
           <a:lstStyle/>
           <a:p>
-            <a:fld id="{E81DB459-472C-4FCC-B5CE-124A9474122D}" type="slidenum">
+            <a:fld id="{BCFEE6ED-AA2C-49EB-A172-8063C2D7D298}" type="slidenum">
               <a:rPr kumimoji="1" lang="ja-JP" altLang="en-US" smtClean="0"/>
               <a:t>‹#›</a:t>
             </a:fld>
@@ -1885,7 +1880,7 @@
     </p:spTree>
     <p:extLst>
       <p:ext uri="{BB962C8B-B14F-4D97-AF65-F5344CB8AC3E}">
-        <p14:creationId xmlns:p14="http://schemas.microsoft.com/office/powerpoint/2010/main" val="4271212817"/>
+        <p14:creationId xmlns:p14="http://schemas.microsoft.com/office/powerpoint/2010/main" val="3980768130"/>
       </p:ext>
     </p:extLst>
   </p:cSld>
@@ -1950,9 +1945,9 @@
           <a:bodyPr/>
           <a:lstStyle/>
           <a:p>
-            <a:fld id="{4428302E-F8BE-4E6C-8B9E-412271E10EF9}" type="datetimeFigureOut">
-              <a:rPr kumimoji="1" lang="ja-JP" altLang="en-US" smtClean="0"/>
-              <a:t>2021/4/21</a:t>
+            <a:fld id="{80D73B06-1F8F-4F1F-A43F-36245BD6E61F}" type="datetimeFigureOut">
+              <a:rPr kumimoji="1" lang="ja-JP" altLang="en-US" smtClean="0"/>
+              <a:t>2021/5/12</a:t>
             </a:fld>
             <a:endParaRPr kumimoji="1" lang="ja-JP" altLang="en-US"/>
           </a:p>
@@ -1992,7 +1987,7 @@
           <a:bodyPr/>
           <a:lstStyle/>
           <a:p>
-            <a:fld id="{E81DB459-472C-4FCC-B5CE-124A9474122D}" type="slidenum">
+            <a:fld id="{BCFEE6ED-AA2C-49EB-A172-8063C2D7D298}" type="slidenum">
               <a:rPr kumimoji="1" lang="ja-JP" altLang="en-US" smtClean="0"/>
               <a:t>‹#›</a:t>
             </a:fld>
@@ -2003,7 +1998,7 @@
     </p:spTree>
     <p:extLst>
       <p:ext uri="{BB962C8B-B14F-4D97-AF65-F5344CB8AC3E}">
-        <p14:creationId xmlns:p14="http://schemas.microsoft.com/office/powerpoint/2010/main" val="2958956791"/>
+        <p14:creationId xmlns:p14="http://schemas.microsoft.com/office/powerpoint/2010/main" val="2161240417"/>
       </p:ext>
     </p:extLst>
   </p:cSld>
@@ -2045,9 +2040,9 @@
           <a:bodyPr/>
           <a:lstStyle/>
           <a:p>
-            <a:fld id="{4428302E-F8BE-4E6C-8B9E-412271E10EF9}" type="datetimeFigureOut">
-              <a:rPr kumimoji="1" lang="ja-JP" altLang="en-US" smtClean="0"/>
-              <a:t>2021/4/21</a:t>
+            <a:fld id="{80D73B06-1F8F-4F1F-A43F-36245BD6E61F}" type="datetimeFigureOut">
+              <a:rPr kumimoji="1" lang="ja-JP" altLang="en-US" smtClean="0"/>
+              <a:t>2021/5/12</a:t>
             </a:fld>
             <a:endParaRPr kumimoji="1" lang="ja-JP" altLang="en-US"/>
           </a:p>
@@ -2087,7 +2082,7 @@
           <a:bodyPr/>
           <a:lstStyle/>
           <a:p>
-            <a:fld id="{E81DB459-472C-4FCC-B5CE-124A9474122D}" type="slidenum">
+            <a:fld id="{BCFEE6ED-AA2C-49EB-A172-8063C2D7D298}" type="slidenum">
               <a:rPr kumimoji="1" lang="ja-JP" altLang="en-US" smtClean="0"/>
               <a:t>‹#›</a:t>
             </a:fld>
@@ -2098,7 +2093,7 @@
     </p:spTree>
     <p:extLst>
       <p:ext uri="{BB962C8B-B14F-4D97-AF65-F5344CB8AC3E}">
-        <p14:creationId xmlns:p14="http://schemas.microsoft.com/office/powerpoint/2010/main" val="2559496169"/>
+        <p14:creationId xmlns:p14="http://schemas.microsoft.com/office/powerpoint/2010/main" val="3947316665"/>
       </p:ext>
     </p:extLst>
   </p:cSld>
@@ -2354,9 +2349,9 @@
           <a:bodyPr/>
           <a:lstStyle/>
           <a:p>
-            <a:fld id="{4428302E-F8BE-4E6C-8B9E-412271E10EF9}" type="datetimeFigureOut">
-              <a:rPr kumimoji="1" lang="ja-JP" altLang="en-US" smtClean="0"/>
-              <a:t>2021/4/21</a:t>
+            <a:fld id="{80D73B06-1F8F-4F1F-A43F-36245BD6E61F}" type="datetimeFigureOut">
+              <a:rPr kumimoji="1" lang="ja-JP" altLang="en-US" smtClean="0"/>
+              <a:t>2021/5/12</a:t>
             </a:fld>
             <a:endParaRPr kumimoji="1" lang="ja-JP" altLang="en-US"/>
           </a:p>
@@ -2396,7 +2391,7 @@
           <a:bodyPr/>
           <a:lstStyle/>
           <a:p>
-            <a:fld id="{E81DB459-472C-4FCC-B5CE-124A9474122D}" type="slidenum">
+            <a:fld id="{BCFEE6ED-AA2C-49EB-A172-8063C2D7D298}" type="slidenum">
               <a:rPr kumimoji="1" lang="ja-JP" altLang="en-US" smtClean="0"/>
               <a:t>‹#›</a:t>
             </a:fld>
@@ -2407,7 +2402,7 @@
     </p:spTree>
     <p:extLst>
       <p:ext uri="{BB962C8B-B14F-4D97-AF65-F5344CB8AC3E}">
-        <p14:creationId xmlns:p14="http://schemas.microsoft.com/office/powerpoint/2010/main" val="1542900784"/>
+        <p14:creationId xmlns:p14="http://schemas.microsoft.com/office/powerpoint/2010/main" val="1424781727"/>
       </p:ext>
     </p:extLst>
   </p:cSld>
@@ -2607,9 +2602,9 @@
           <a:bodyPr/>
           <a:lstStyle/>
           <a:p>
-            <a:fld id="{4428302E-F8BE-4E6C-8B9E-412271E10EF9}" type="datetimeFigureOut">
-              <a:rPr kumimoji="1" lang="ja-JP" altLang="en-US" smtClean="0"/>
-              <a:t>2021/4/21</a:t>
+            <a:fld id="{80D73B06-1F8F-4F1F-A43F-36245BD6E61F}" type="datetimeFigureOut">
+              <a:rPr kumimoji="1" lang="ja-JP" altLang="en-US" smtClean="0"/>
+              <a:t>2021/5/12</a:t>
             </a:fld>
             <a:endParaRPr kumimoji="1" lang="ja-JP" altLang="en-US"/>
           </a:p>
@@ -2649,7 +2644,7 @@
           <a:bodyPr/>
           <a:lstStyle/>
           <a:p>
-            <a:fld id="{E81DB459-472C-4FCC-B5CE-124A9474122D}" type="slidenum">
+            <a:fld id="{BCFEE6ED-AA2C-49EB-A172-8063C2D7D298}" type="slidenum">
               <a:rPr kumimoji="1" lang="ja-JP" altLang="en-US" smtClean="0"/>
               <a:t>‹#›</a:t>
             </a:fld>
@@ -2660,7 +2655,7 @@
     </p:spTree>
     <p:extLst>
       <p:ext uri="{BB962C8B-B14F-4D97-AF65-F5344CB8AC3E}">
-        <p14:creationId xmlns:p14="http://schemas.microsoft.com/office/powerpoint/2010/main" val="3889731441"/>
+        <p14:creationId xmlns:p14="http://schemas.microsoft.com/office/powerpoint/2010/main" val="3660666925"/>
       </p:ext>
     </p:extLst>
   </p:cSld>
@@ -2852,9 +2847,9 @@
             </a:lvl1pPr>
           </a:lstStyle>
           <a:p>
-            <a:fld id="{4428302E-F8BE-4E6C-8B9E-412271E10EF9}" type="datetimeFigureOut">
-              <a:rPr kumimoji="1" lang="ja-JP" altLang="en-US" smtClean="0"/>
-              <a:t>2021/4/21</a:t>
+            <a:fld id="{80D73B06-1F8F-4F1F-A43F-36245BD6E61F}" type="datetimeFigureOut">
+              <a:rPr kumimoji="1" lang="ja-JP" altLang="en-US" smtClean="0"/>
+              <a:t>2021/5/12</a:t>
             </a:fld>
             <a:endParaRPr kumimoji="1" lang="ja-JP" altLang="en-US"/>
           </a:p>
@@ -2930,7 +2925,7 @@
             </a:lvl1pPr>
           </a:lstStyle>
           <a:p>
-            <a:fld id="{E81DB459-472C-4FCC-B5CE-124A9474122D}" type="slidenum">
+            <a:fld id="{BCFEE6ED-AA2C-49EB-A172-8063C2D7D298}" type="slidenum">
               <a:rPr kumimoji="1" lang="ja-JP" altLang="en-US" smtClean="0"/>
               <a:t>‹#›</a:t>
             </a:fld>
@@ -2941,7 +2936,7 @@
     </p:spTree>
     <p:extLst>
       <p:ext uri="{BB962C8B-B14F-4D97-AF65-F5344CB8AC3E}">
-        <p14:creationId xmlns:p14="http://schemas.microsoft.com/office/powerpoint/2010/main" val="3166693703"/>
+        <p14:creationId xmlns:p14="http://schemas.microsoft.com/office/powerpoint/2010/main" val="1760873208"/>
       </p:ext>
     </p:extLst>
   </p:cSld>
@@ -3276,21 +3271,10 @@
           <a:p>
             <a:r>
               <a:rPr kumimoji="1" lang="ja-JP" altLang="en-US" dirty="0" smtClean="0"/>
-              <a:t>卒業研究</a:t>
-            </a:r>
-            <a:r>
-              <a:rPr kumimoji="1" lang="ja-JP" altLang="en-US" dirty="0" smtClean="0"/>
-              <a:t>テーマ　</a:t>
-            </a:r>
-            <a:r>
-              <a:rPr kumimoji="1" lang="en-US" altLang="ja-JP" smtClean="0"/>
-              <a:t/>
-            </a:r>
-            <a:br>
-              <a:rPr kumimoji="1" lang="en-US" altLang="ja-JP" smtClean="0"/>
-            </a:br>
-            <a:r>
-              <a:rPr kumimoji="1" lang="en-US" altLang="ja-JP" smtClean="0"/>
+              <a:t>卒研テーマ</a:t>
+            </a:r>
+            <a:r>
+              <a:rPr kumimoji="1" lang="en-US" altLang="ja-JP" dirty="0" smtClean="0"/>
               <a:t>(</a:t>
             </a:r>
             <a:r>
@@ -3324,11 +3308,13 @@
               <a:rPr kumimoji="1" lang="en-US" altLang="ja-JP" dirty="0" smtClean="0"/>
               <a:t>1821005</a:t>
             </a:r>
-            <a:r>
-              <a:rPr kumimoji="1" lang="ja-JP" altLang="en-US" dirty="0" smtClean="0"/>
-              <a:t>　吉岡拓郎</a:t>
-            </a:r>
-            <a:endParaRPr kumimoji="1" lang="en-US" altLang="ja-JP" dirty="0" smtClean="0"/>
+          </a:p>
+          <a:p>
+            <a:r>
+              <a:rPr lang="ja-JP" altLang="en-US" dirty="0" smtClean="0"/>
+              <a:t>吉岡拓郎</a:t>
+            </a:r>
+            <a:endParaRPr lang="en-US" altLang="ja-JP" dirty="0" smtClean="0"/>
           </a:p>
           <a:p>
             <a:endParaRPr kumimoji="1" lang="ja-JP" altLang="en-US" dirty="0"/>
@@ -3338,7 +3324,7 @@
     </p:spTree>
     <p:extLst>
       <p:ext uri="{BB962C8B-B14F-4D97-AF65-F5344CB8AC3E}">
-        <p14:creationId xmlns:p14="http://schemas.microsoft.com/office/powerpoint/2010/main" val="2122128026"/>
+        <p14:creationId xmlns:p14="http://schemas.microsoft.com/office/powerpoint/2010/main" val="90323595"/>
       </p:ext>
     </p:extLst>
   </p:cSld>
@@ -3381,8 +3367,12 @@
           <a:lstStyle/>
           <a:p>
             <a:r>
+              <a:rPr lang="ja-JP" altLang="en-US" dirty="0"/>
+              <a:t>ロードバランサを用いた</a:t>
+            </a:r>
+            <a:r>
               <a:rPr kumimoji="1" lang="ja-JP" altLang="en-US" dirty="0" smtClean="0"/>
-              <a:t>ロードバランサを用いた観光地推薦</a:t>
+              <a:t>観光地推薦</a:t>
             </a:r>
             <a:endParaRPr kumimoji="1" lang="ja-JP" altLang="en-US" dirty="0"/>
           </a:p>
@@ -3405,28 +3395,89 @@
           <a:p>
             <a:r>
               <a:rPr kumimoji="1" lang="ja-JP" altLang="en-US" dirty="0" smtClean="0"/>
-              <a:t>人気の観光地では、その検索も集中してしまい、通信が重くなってしまう可能性がある。</a:t>
+              <a:t>写真の場所へナビ</a:t>
+            </a:r>
+            <a:endParaRPr kumimoji="1" lang="en-US" altLang="ja-JP" dirty="0" smtClean="0"/>
+          </a:p>
+          <a:p>
+            <a:pPr lvl="1"/>
+            <a:r>
+              <a:rPr lang="ja-JP" altLang="en-US" dirty="0"/>
+              <a:t>最短</a:t>
             </a:r>
             <a:r>
               <a:rPr lang="ja-JP" altLang="en-US" dirty="0" smtClean="0"/>
-              <a:t>なの</a:t>
-            </a:r>
+              <a:t>経路</a:t>
+            </a:r>
+            <a:endParaRPr lang="en-US" altLang="ja-JP" dirty="0" smtClean="0"/>
+          </a:p>
+          <a:p>
+            <a:pPr lvl="1"/>
+            <a:endParaRPr lang="en-US" altLang="ja-JP" dirty="0"/>
+          </a:p>
+          <a:p>
+            <a:r>
+              <a:rPr lang="ja-JP" altLang="en-US" dirty="0" smtClean="0"/>
+              <a:t>行きたい場所を選択</a:t>
+            </a:r>
+            <a:r>
+              <a:rPr lang="ja-JP" altLang="en-US" dirty="0" err="1" smtClean="0"/>
+              <a:t>ー</a:t>
+            </a:r>
+            <a:r>
+              <a:rPr lang="ja-JP" altLang="en-US" dirty="0" smtClean="0"/>
+              <a:t>＞写真を選択</a:t>
+            </a:r>
+            <a:endParaRPr lang="en-US" altLang="ja-JP" dirty="0" smtClean="0"/>
+          </a:p>
+          <a:p>
+            <a:pPr marL="0" indent="0">
+              <a:buNone/>
+            </a:pPr>
             <a:r>
               <a:rPr lang="ja-JP" altLang="en-US" dirty="0"/>
-              <a:t>で</a:t>
+              <a:t>　</a:t>
+            </a:r>
+            <a:r>
+              <a:rPr lang="ja-JP" altLang="en-US" dirty="0" err="1" smtClean="0"/>
+              <a:t>ー</a:t>
             </a:r>
             <a:r>
               <a:rPr lang="ja-JP" altLang="en-US" dirty="0" smtClean="0"/>
-              <a:t>、アクセス数を分散させる必要がある</a:t>
-            </a:r>
-            <a:endParaRPr kumimoji="1" lang="ja-JP" altLang="en-US" dirty="0"/>
+              <a:t>＞その場所の情報＆周辺のおすすめスポットを推薦</a:t>
+            </a:r>
+            <a:endParaRPr lang="en-US" altLang="ja-JP" dirty="0" smtClean="0"/>
+          </a:p>
+          <a:p>
+            <a:pPr marL="0" indent="0">
+              <a:buNone/>
+            </a:pPr>
+            <a:endParaRPr lang="en-US" altLang="ja-JP" dirty="0"/>
+          </a:p>
+          <a:p>
+            <a:r>
+              <a:rPr lang="ja-JP" altLang="en-US" dirty="0" smtClean="0"/>
+              <a:t>ユーザが選んだ写真と似たような</a:t>
+            </a:r>
+            <a:r>
+              <a:rPr lang="ja-JP" altLang="en-US" dirty="0"/>
+              <a:t>場所を推薦</a:t>
+            </a:r>
+            <a:r>
+              <a:rPr lang="ja-JP" altLang="en-US" dirty="0" smtClean="0"/>
+              <a:t>する</a:t>
+            </a:r>
+            <a:endParaRPr lang="en-US" altLang="ja-JP" dirty="0" smtClean="0"/>
+          </a:p>
+          <a:p>
+            <a:endParaRPr lang="en-US" altLang="ja-JP" dirty="0" smtClean="0"/>
           </a:p>
         </p:txBody>
       </p:sp>
     </p:spTree>
     <p:extLst>
       <p:ext uri="{BB962C8B-B14F-4D97-AF65-F5344CB8AC3E}">
-        <p14:creationId xmlns:p14="http://schemas.microsoft.com/office/powerpoint/2010/main" val="2048065085"/>
+        <p14:creationId xmlns:p14="http://schemas.microsoft.com/office/powerpoint/2010/main" val="1900657431"/>
       </p:ext>
     </p:extLst>
   </p:cSld>
@@ -3463,21 +3514,14 @@
             <p:ph type="title"/>
           </p:nvPr>
         </p:nvSpPr>
-        <p:spPr>
-          <a:xfrm>
-            <a:off x="485775" y="365125"/>
-            <a:ext cx="10868025" cy="1325563"/>
-          </a:xfrm>
-        </p:spPr>
-        <p:txBody>
-          <a:bodyPr>
-            <a:normAutofit/>
-          </a:bodyPr>
+        <p:spPr/>
+        <p:txBody>
+          <a:bodyPr/>
           <a:lstStyle/>
           <a:p>
             <a:r>
               <a:rPr kumimoji="1" lang="ja-JP" altLang="en-US" dirty="0" smtClean="0"/>
-              <a:t>ロードバランサを用いたソースコード推薦</a:t>
+              <a:t>ユーザの趣味嗜好を考慮した観光地推薦</a:t>
             </a:r>
             <a:endParaRPr kumimoji="1" lang="ja-JP" altLang="en-US" dirty="0"/>
           </a:p>
@@ -3499,8 +3543,38 @@
           <a:lstStyle/>
           <a:p>
             <a:r>
-              <a:rPr kumimoji="1" lang="ja-JP" altLang="en-US" smtClean="0"/>
-              <a:t>処理が重くなりすぎないよう、スムーズにソースコードを推薦を行えるようにする。</a:t>
+              <a:rPr lang="ja-JP" altLang="en-US" dirty="0" smtClean="0"/>
+              <a:t>＜概要＞</a:t>
+            </a:r>
+            <a:endParaRPr lang="en-US" altLang="ja-JP" dirty="0" smtClean="0"/>
+          </a:p>
+          <a:p>
+            <a:pPr lvl="1"/>
+            <a:r>
+              <a:rPr lang="ja-JP" altLang="en-US" dirty="0" smtClean="0"/>
+              <a:t>ユーザが選んだ写真と似たような場所を推薦する</a:t>
+            </a:r>
+            <a:endParaRPr lang="en-US" altLang="ja-JP" dirty="0" smtClean="0"/>
+          </a:p>
+          <a:p>
+            <a:endParaRPr kumimoji="1" lang="en-US" altLang="ja-JP" dirty="0"/>
+          </a:p>
+          <a:p>
+            <a:r>
+              <a:rPr lang="ja-JP" altLang="en-US" dirty="0" smtClean="0"/>
+              <a:t>＜技術的課題＞</a:t>
+            </a:r>
+            <a:endParaRPr lang="en-US" altLang="ja-JP" dirty="0" smtClean="0"/>
+          </a:p>
+          <a:p>
+            <a:pPr lvl="1"/>
+            <a:r>
+              <a:rPr kumimoji="1" lang="ja-JP" altLang="en-US" dirty="0"/>
+              <a:t>観光地同士</a:t>
+            </a:r>
+            <a:r>
+              <a:rPr kumimoji="1" lang="ja-JP" altLang="en-US" dirty="0" smtClean="0"/>
+              <a:t>の共通する要因をどのように見つけ出すか。</a:t>
             </a:r>
             <a:endParaRPr kumimoji="1" lang="ja-JP" altLang="en-US" dirty="0"/>
           </a:p>
@@ -3509,7 +3583,7 @@
     </p:spTree>
     <p:extLst>
       <p:ext uri="{BB962C8B-B14F-4D97-AF65-F5344CB8AC3E}">
-        <p14:creationId xmlns:p14="http://schemas.microsoft.com/office/powerpoint/2010/main" val="1143487732"/>
+        <p14:creationId xmlns:p14="http://schemas.microsoft.com/office/powerpoint/2010/main" val="4094317005"/>
       </p:ext>
     </p:extLst>
   </p:cSld>

--- a/1821005_yoshioka_sotuken.pptx
+++ b/1821005_yoshioka_sotuken.pptx
@@ -2,14 +2,20 @@
 <file path=ppt/presentation.xml><?xml version="1.0" encoding="utf-8"?>
 <p:presentation xmlns:a="http://schemas.openxmlformats.org/drawingml/2006/main" xmlns:r="http://schemas.openxmlformats.org/officeDocument/2006/relationships" xmlns:p="http://schemas.openxmlformats.org/presentationml/2006/main" saveSubsetFonts="1">
   <p:sldMasterIdLst>
-    <p:sldMasterId id="2147483648" r:id="rId1"/>
+    <p:sldMasterId id="2147483660" r:id="rId1"/>
   </p:sldMasterIdLst>
+  <p:notesMasterIdLst>
+    <p:notesMasterId r:id="rId8"/>
+  </p:notesMasterIdLst>
   <p:sldIdLst>
     <p:sldId id="256" r:id="rId2"/>
     <p:sldId id="257" r:id="rId3"/>
     <p:sldId id="258" r:id="rId4"/>
+    <p:sldId id="260" r:id="rId5"/>
+    <p:sldId id="262" r:id="rId6"/>
+    <p:sldId id="261" r:id="rId7"/>
   </p:sldIdLst>
-  <p:sldSz cx="12192000" cy="6858000"/>
+  <p:sldSz cx="9144000" cy="6858000" type="screen4x3"/>
   <p:notesSz cx="6858000" cy="9144000"/>
   <p:defaultTextStyle>
     <a:defPPr>
@@ -106,7 +112,394 @@
       </a:defRPr>
     </a:lvl9pPr>
   </p:defaultTextStyle>
+  <p:extLst>
+    <p:ext uri="{EFAFB233-063F-42B5-8137-9DF3F51BA10A}">
+      <p15:sldGuideLst xmlns:p15="http://schemas.microsoft.com/office/powerpoint/2012/main"/>
+    </p:ext>
+  </p:extLst>
 </p:presentation>
+</file>
+
+<file path=ppt/notesMasters/notesMaster1.xml><?xml version="1.0" encoding="utf-8"?>
+<p:notesMaster xmlns:a="http://schemas.openxmlformats.org/drawingml/2006/main" xmlns:r="http://schemas.openxmlformats.org/officeDocument/2006/relationships" xmlns:p="http://schemas.openxmlformats.org/presentationml/2006/main">
+  <p:cSld>
+    <p:bg>
+      <p:bgRef idx="1001">
+        <a:schemeClr val="bg1"/>
+      </p:bgRef>
+    </p:bg>
+    <p:spTree>
+      <p:nvGrpSpPr>
+        <p:cNvPr id="1" name=""/>
+        <p:cNvGrpSpPr/>
+        <p:nvPr/>
+      </p:nvGrpSpPr>
+      <p:grpSpPr>
+        <a:xfrm>
+          <a:off x="0" y="0"/>
+          <a:ext cx="0" cy="0"/>
+          <a:chOff x="0" y="0"/>
+          <a:chExt cx="0" cy="0"/>
+        </a:xfrm>
+      </p:grpSpPr>
+      <p:sp>
+        <p:nvSpPr>
+          <p:cNvPr id="2" name="ヘッダー プレースホルダー 1"/>
+          <p:cNvSpPr>
+            <a:spLocks noGrp="1"/>
+          </p:cNvSpPr>
+          <p:nvPr>
+            <p:ph type="hdr" sz="quarter"/>
+          </p:nvPr>
+        </p:nvSpPr>
+        <p:spPr>
+          <a:xfrm>
+            <a:off x="0" y="0"/>
+            <a:ext cx="2971800" cy="458788"/>
+          </a:xfrm>
+          <a:prstGeom prst="rect">
+            <a:avLst/>
+          </a:prstGeom>
+        </p:spPr>
+        <p:txBody>
+          <a:bodyPr vert="horz" lIns="91440" tIns="45720" rIns="91440" bIns="45720" rtlCol="0"/>
+          <a:lstStyle>
+            <a:lvl1pPr algn="l">
+              <a:defRPr sz="1200"/>
+            </a:lvl1pPr>
+          </a:lstStyle>
+          <a:p>
+            <a:endParaRPr kumimoji="1" lang="ja-JP" altLang="en-US"/>
+          </a:p>
+        </p:txBody>
+      </p:sp>
+      <p:sp>
+        <p:nvSpPr>
+          <p:cNvPr id="3" name="日付プレースホルダー 2"/>
+          <p:cNvSpPr>
+            <a:spLocks noGrp="1"/>
+          </p:cNvSpPr>
+          <p:nvPr>
+            <p:ph type="dt" idx="1"/>
+          </p:nvPr>
+        </p:nvSpPr>
+        <p:spPr>
+          <a:xfrm>
+            <a:off x="3884613" y="0"/>
+            <a:ext cx="2971800" cy="458788"/>
+          </a:xfrm>
+          <a:prstGeom prst="rect">
+            <a:avLst/>
+          </a:prstGeom>
+        </p:spPr>
+        <p:txBody>
+          <a:bodyPr vert="horz" lIns="91440" tIns="45720" rIns="91440" bIns="45720" rtlCol="0"/>
+          <a:lstStyle>
+            <a:lvl1pPr algn="r">
+              <a:defRPr sz="1200"/>
+            </a:lvl1pPr>
+          </a:lstStyle>
+          <a:p>
+            <a:fld id="{53E08A37-27B0-48AE-881C-B823B94E0A37}" type="datetimeFigureOut">
+              <a:rPr kumimoji="1" lang="ja-JP" altLang="en-US" smtClean="0"/>
+              <a:t>2021/6/4</a:t>
+            </a:fld>
+            <a:endParaRPr kumimoji="1" lang="ja-JP" altLang="en-US"/>
+          </a:p>
+        </p:txBody>
+      </p:sp>
+      <p:sp>
+        <p:nvSpPr>
+          <p:cNvPr id="4" name="スライド イメージ プレースホルダー 3"/>
+          <p:cNvSpPr>
+            <a:spLocks noGrp="1" noRot="1" noChangeAspect="1"/>
+          </p:cNvSpPr>
+          <p:nvPr>
+            <p:ph type="sldImg" idx="2"/>
+          </p:nvPr>
+        </p:nvSpPr>
+        <p:spPr>
+          <a:xfrm>
+            <a:off x="1371600" y="1143000"/>
+            <a:ext cx="4114800" cy="3086100"/>
+          </a:xfrm>
+          <a:prstGeom prst="rect">
+            <a:avLst/>
+          </a:prstGeom>
+          <a:noFill/>
+          <a:ln w="12700">
+            <a:solidFill>
+              <a:prstClr val="black"/>
+            </a:solidFill>
+          </a:ln>
+        </p:spPr>
+        <p:txBody>
+          <a:bodyPr vert="horz" lIns="91440" tIns="45720" rIns="91440" bIns="45720" rtlCol="0" anchor="ctr"/>
+          <a:lstStyle/>
+          <a:p>
+            <a:endParaRPr lang="ja-JP" altLang="en-US"/>
+          </a:p>
+        </p:txBody>
+      </p:sp>
+      <p:sp>
+        <p:nvSpPr>
+          <p:cNvPr id="5" name="ノート プレースホルダー 4"/>
+          <p:cNvSpPr>
+            <a:spLocks noGrp="1"/>
+          </p:cNvSpPr>
+          <p:nvPr>
+            <p:ph type="body" sz="quarter" idx="3"/>
+          </p:nvPr>
+        </p:nvSpPr>
+        <p:spPr>
+          <a:xfrm>
+            <a:off x="685800" y="4400550"/>
+            <a:ext cx="5486400" cy="3600450"/>
+          </a:xfrm>
+          <a:prstGeom prst="rect">
+            <a:avLst/>
+          </a:prstGeom>
+        </p:spPr>
+        <p:txBody>
+          <a:bodyPr vert="horz" lIns="91440" tIns="45720" rIns="91440" bIns="45720" rtlCol="0"/>
+          <a:lstStyle/>
+          <a:p>
+            <a:pPr lvl="0"/>
+            <a:r>
+              <a:rPr kumimoji="1" lang="ja-JP" altLang="en-US" smtClean="0"/>
+              <a:t>マスター テキストの書式設定</a:t>
+            </a:r>
+          </a:p>
+          <a:p>
+            <a:pPr lvl="1"/>
+            <a:r>
+              <a:rPr kumimoji="1" lang="ja-JP" altLang="en-US" smtClean="0"/>
+              <a:t>第 </a:t>
+            </a:r>
+            <a:r>
+              <a:rPr kumimoji="1" lang="en-US" altLang="ja-JP" smtClean="0"/>
+              <a:t>2 </a:t>
+            </a:r>
+            <a:r>
+              <a:rPr kumimoji="1" lang="ja-JP" altLang="en-US" smtClean="0"/>
+              <a:t>レベル</a:t>
+            </a:r>
+          </a:p>
+          <a:p>
+            <a:pPr lvl="2"/>
+            <a:r>
+              <a:rPr kumimoji="1" lang="ja-JP" altLang="en-US" smtClean="0"/>
+              <a:t>第 </a:t>
+            </a:r>
+            <a:r>
+              <a:rPr kumimoji="1" lang="en-US" altLang="ja-JP" smtClean="0"/>
+              <a:t>3 </a:t>
+            </a:r>
+            <a:r>
+              <a:rPr kumimoji="1" lang="ja-JP" altLang="en-US" smtClean="0"/>
+              <a:t>レベル</a:t>
+            </a:r>
+          </a:p>
+          <a:p>
+            <a:pPr lvl="3"/>
+            <a:r>
+              <a:rPr kumimoji="1" lang="ja-JP" altLang="en-US" smtClean="0"/>
+              <a:t>第 </a:t>
+            </a:r>
+            <a:r>
+              <a:rPr kumimoji="1" lang="en-US" altLang="ja-JP" smtClean="0"/>
+              <a:t>4 </a:t>
+            </a:r>
+            <a:r>
+              <a:rPr kumimoji="1" lang="ja-JP" altLang="en-US" smtClean="0"/>
+              <a:t>レベル</a:t>
+            </a:r>
+          </a:p>
+          <a:p>
+            <a:pPr lvl="4"/>
+            <a:r>
+              <a:rPr kumimoji="1" lang="ja-JP" altLang="en-US" smtClean="0"/>
+              <a:t>第 </a:t>
+            </a:r>
+            <a:r>
+              <a:rPr kumimoji="1" lang="en-US" altLang="ja-JP" smtClean="0"/>
+              <a:t>5 </a:t>
+            </a:r>
+            <a:r>
+              <a:rPr kumimoji="1" lang="ja-JP" altLang="en-US" smtClean="0"/>
+              <a:t>レベル</a:t>
+            </a:r>
+            <a:endParaRPr kumimoji="1" lang="ja-JP" altLang="en-US"/>
+          </a:p>
+        </p:txBody>
+      </p:sp>
+      <p:sp>
+        <p:nvSpPr>
+          <p:cNvPr id="6" name="フッター プレースホルダー 5"/>
+          <p:cNvSpPr>
+            <a:spLocks noGrp="1"/>
+          </p:cNvSpPr>
+          <p:nvPr>
+            <p:ph type="ftr" sz="quarter" idx="4"/>
+          </p:nvPr>
+        </p:nvSpPr>
+        <p:spPr>
+          <a:xfrm>
+            <a:off x="0" y="8685213"/>
+            <a:ext cx="2971800" cy="458787"/>
+          </a:xfrm>
+          <a:prstGeom prst="rect">
+            <a:avLst/>
+          </a:prstGeom>
+        </p:spPr>
+        <p:txBody>
+          <a:bodyPr vert="horz" lIns="91440" tIns="45720" rIns="91440" bIns="45720" rtlCol="0" anchor="b"/>
+          <a:lstStyle>
+            <a:lvl1pPr algn="l">
+              <a:defRPr sz="1200"/>
+            </a:lvl1pPr>
+          </a:lstStyle>
+          <a:p>
+            <a:endParaRPr kumimoji="1" lang="ja-JP" altLang="en-US"/>
+          </a:p>
+        </p:txBody>
+      </p:sp>
+      <p:sp>
+        <p:nvSpPr>
+          <p:cNvPr id="7" name="スライド番号プレースホルダー 6"/>
+          <p:cNvSpPr>
+            <a:spLocks noGrp="1"/>
+          </p:cNvSpPr>
+          <p:nvPr>
+            <p:ph type="sldNum" sz="quarter" idx="5"/>
+          </p:nvPr>
+        </p:nvSpPr>
+        <p:spPr>
+          <a:xfrm>
+            <a:off x="3884613" y="8685213"/>
+            <a:ext cx="2971800" cy="458787"/>
+          </a:xfrm>
+          <a:prstGeom prst="rect">
+            <a:avLst/>
+          </a:prstGeom>
+        </p:spPr>
+        <p:txBody>
+          <a:bodyPr vert="horz" lIns="91440" tIns="45720" rIns="91440" bIns="45720" rtlCol="0" anchor="b"/>
+          <a:lstStyle>
+            <a:lvl1pPr algn="r">
+              <a:defRPr sz="1200"/>
+            </a:lvl1pPr>
+          </a:lstStyle>
+          <a:p>
+            <a:fld id="{8C6DA0D5-1B71-439D-9C83-03CB529BF812}" type="slidenum">
+              <a:rPr kumimoji="1" lang="ja-JP" altLang="en-US" smtClean="0"/>
+              <a:t>‹#›</a:t>
+            </a:fld>
+            <a:endParaRPr kumimoji="1" lang="ja-JP" altLang="en-US"/>
+          </a:p>
+        </p:txBody>
+      </p:sp>
+    </p:spTree>
+    <p:extLst>
+      <p:ext uri="{BB962C8B-B14F-4D97-AF65-F5344CB8AC3E}">
+        <p14:creationId xmlns:p14="http://schemas.microsoft.com/office/powerpoint/2010/main" val="798306902"/>
+      </p:ext>
+    </p:extLst>
+  </p:cSld>
+  <p:clrMap bg1="lt1" tx1="dk1" bg2="lt2" tx2="dk2" accent1="accent1" accent2="accent2" accent3="accent3" accent4="accent4" accent5="accent5" accent6="accent6" hlink="hlink" folHlink="folHlink"/>
+  <p:notesStyle>
+    <a:lvl1pPr marL="0" algn="l" defTabSz="914400" rtl="0" eaLnBrk="1" latinLnBrk="0" hangingPunct="1">
+      <a:defRPr kumimoji="1" sz="1200" kern="1200">
+        <a:solidFill>
+          <a:schemeClr val="tx1"/>
+        </a:solidFill>
+        <a:latin typeface="+mn-lt"/>
+        <a:ea typeface="+mn-ea"/>
+        <a:cs typeface="+mn-cs"/>
+      </a:defRPr>
+    </a:lvl1pPr>
+    <a:lvl2pPr marL="457200" algn="l" defTabSz="914400" rtl="0" eaLnBrk="1" latinLnBrk="0" hangingPunct="1">
+      <a:defRPr kumimoji="1" sz="1200" kern="1200">
+        <a:solidFill>
+          <a:schemeClr val="tx1"/>
+        </a:solidFill>
+        <a:latin typeface="+mn-lt"/>
+        <a:ea typeface="+mn-ea"/>
+        <a:cs typeface="+mn-cs"/>
+      </a:defRPr>
+    </a:lvl2pPr>
+    <a:lvl3pPr marL="914400" algn="l" defTabSz="914400" rtl="0" eaLnBrk="1" latinLnBrk="0" hangingPunct="1">
+      <a:defRPr kumimoji="1" sz="1200" kern="1200">
+        <a:solidFill>
+          <a:schemeClr val="tx1"/>
+        </a:solidFill>
+        <a:latin typeface="+mn-lt"/>
+        <a:ea typeface="+mn-ea"/>
+        <a:cs typeface="+mn-cs"/>
+      </a:defRPr>
+    </a:lvl3pPr>
+    <a:lvl4pPr marL="1371600" algn="l" defTabSz="914400" rtl="0" eaLnBrk="1" latinLnBrk="0" hangingPunct="1">
+      <a:defRPr kumimoji="1" sz="1200" kern="1200">
+        <a:solidFill>
+          <a:schemeClr val="tx1"/>
+        </a:solidFill>
+        <a:latin typeface="+mn-lt"/>
+        <a:ea typeface="+mn-ea"/>
+        <a:cs typeface="+mn-cs"/>
+      </a:defRPr>
+    </a:lvl4pPr>
+    <a:lvl5pPr marL="1828800" algn="l" defTabSz="914400" rtl="0" eaLnBrk="1" latinLnBrk="0" hangingPunct="1">
+      <a:defRPr kumimoji="1" sz="1200" kern="1200">
+        <a:solidFill>
+          <a:schemeClr val="tx1"/>
+        </a:solidFill>
+        <a:latin typeface="+mn-lt"/>
+        <a:ea typeface="+mn-ea"/>
+        <a:cs typeface="+mn-cs"/>
+      </a:defRPr>
+    </a:lvl5pPr>
+    <a:lvl6pPr marL="2286000" algn="l" defTabSz="914400" rtl="0" eaLnBrk="1" latinLnBrk="0" hangingPunct="1">
+      <a:defRPr kumimoji="1" sz="1200" kern="1200">
+        <a:solidFill>
+          <a:schemeClr val="tx1"/>
+        </a:solidFill>
+        <a:latin typeface="+mn-lt"/>
+        <a:ea typeface="+mn-ea"/>
+        <a:cs typeface="+mn-cs"/>
+      </a:defRPr>
+    </a:lvl6pPr>
+    <a:lvl7pPr marL="2743200" algn="l" defTabSz="914400" rtl="0" eaLnBrk="1" latinLnBrk="0" hangingPunct="1">
+      <a:defRPr kumimoji="1" sz="1200" kern="1200">
+        <a:solidFill>
+          <a:schemeClr val="tx1"/>
+        </a:solidFill>
+        <a:latin typeface="+mn-lt"/>
+        <a:ea typeface="+mn-ea"/>
+        <a:cs typeface="+mn-cs"/>
+      </a:defRPr>
+    </a:lvl7pPr>
+    <a:lvl8pPr marL="3200400" algn="l" defTabSz="914400" rtl="0" eaLnBrk="1" latinLnBrk="0" hangingPunct="1">
+      <a:defRPr kumimoji="1" sz="1200" kern="1200">
+        <a:solidFill>
+          <a:schemeClr val="tx1"/>
+        </a:solidFill>
+        <a:latin typeface="+mn-lt"/>
+        <a:ea typeface="+mn-ea"/>
+        <a:cs typeface="+mn-cs"/>
+      </a:defRPr>
+    </a:lvl8pPr>
+    <a:lvl9pPr marL="3657600" algn="l" defTabSz="914400" rtl="0" eaLnBrk="1" latinLnBrk="0" hangingPunct="1">
+      <a:defRPr kumimoji="1" sz="1200" kern="1200">
+        <a:solidFill>
+          <a:schemeClr val="tx1"/>
+        </a:solidFill>
+        <a:latin typeface="+mn-lt"/>
+        <a:ea typeface="+mn-ea"/>
+        <a:cs typeface="+mn-cs"/>
+      </a:defRPr>
+    </a:lvl9pPr>
+  </p:notesStyle>
+</p:notesMaster>
 </file>
 
 <file path=ppt/slideLayouts/slideLayout1.xml><?xml version="1.0" encoding="utf-8"?>
@@ -128,7 +521,7 @@
       </p:grpSpPr>
       <p:sp>
         <p:nvSpPr>
-          <p:cNvPr id="2" name="タイトル 1"/>
+          <p:cNvPr id="2" name="Title 1"/>
           <p:cNvSpPr>
             <a:spLocks noGrp="1"/>
           </p:cNvSpPr>
@@ -138,8 +531,8 @@
         </p:nvSpPr>
         <p:spPr>
           <a:xfrm>
-            <a:off x="1524000" y="1122363"/>
-            <a:ext cx="9144000" cy="2387600"/>
+            <a:off x="685800" y="1122363"/>
+            <a:ext cx="7772400" cy="2387600"/>
           </a:xfrm>
         </p:spPr>
         <p:txBody>
@@ -151,16 +544,16 @@
           </a:lstStyle>
           <a:p>
             <a:r>
-              <a:rPr kumimoji="1" lang="ja-JP" altLang="en-US" smtClean="0"/>
+              <a:rPr lang="ja-JP" altLang="en-US" smtClean="0"/>
               <a:t>マスター タイトルの書式設定</a:t>
             </a:r>
-            <a:endParaRPr kumimoji="1" lang="ja-JP" altLang="en-US"/>
-          </a:p>
-        </p:txBody>
-      </p:sp>
-      <p:sp>
-        <p:nvSpPr>
-          <p:cNvPr id="3" name="サブタイトル 2"/>
+            <a:endParaRPr lang="en-US" dirty="0"/>
+          </a:p>
+        </p:txBody>
+      </p:sp>
+      <p:sp>
+        <p:nvSpPr>
+          <p:cNvPr id="3" name="Subtitle 2"/>
           <p:cNvSpPr>
             <a:spLocks noGrp="1"/>
           </p:cNvSpPr>
@@ -170,8 +563,8 @@
         </p:nvSpPr>
         <p:spPr>
           <a:xfrm>
-            <a:off x="1524000" y="3602038"/>
-            <a:ext cx="9144000" cy="1655762"/>
+            <a:off x="1143000" y="3602038"/>
+            <a:ext cx="6858000" cy="1655762"/>
           </a:xfrm>
         </p:spPr>
         <p:txBody>
@@ -216,31 +609,31 @@
           </a:lstStyle>
           <a:p>
             <a:r>
+              <a:rPr lang="ja-JP" altLang="en-US" smtClean="0"/>
+              <a:t>マスター サブタイトルの書式設定</a:t>
+            </a:r>
+            <a:endParaRPr lang="en-US" dirty="0"/>
+          </a:p>
+        </p:txBody>
+      </p:sp>
+      <p:sp>
+        <p:nvSpPr>
+          <p:cNvPr id="4" name="Date Placeholder 3"/>
+          <p:cNvSpPr>
+            <a:spLocks noGrp="1"/>
+          </p:cNvSpPr>
+          <p:nvPr>
+            <p:ph type="dt" sz="half" idx="10"/>
+          </p:nvPr>
+        </p:nvSpPr>
+        <p:spPr/>
+        <p:txBody>
+          <a:bodyPr/>
+          <a:lstStyle/>
+          <a:p>
+            <a:fld id="{777BCA22-9404-4EAD-B600-E5D0D5F14758}" type="datetime1">
               <a:rPr kumimoji="1" lang="ja-JP" altLang="en-US" smtClean="0"/>
-              <a:t>マスター サブタイトルの書式設定</a:t>
-            </a:r>
-            <a:endParaRPr kumimoji="1" lang="ja-JP" altLang="en-US"/>
-          </a:p>
-        </p:txBody>
-      </p:sp>
-      <p:sp>
-        <p:nvSpPr>
-          <p:cNvPr id="4" name="日付プレースホルダー 3"/>
-          <p:cNvSpPr>
-            <a:spLocks noGrp="1"/>
-          </p:cNvSpPr>
-          <p:nvPr>
-            <p:ph type="dt" sz="half" idx="10"/>
-          </p:nvPr>
-        </p:nvSpPr>
-        <p:spPr/>
-        <p:txBody>
-          <a:bodyPr/>
-          <a:lstStyle/>
-          <a:p>
-            <a:fld id="{80D73B06-1F8F-4F1F-A43F-36245BD6E61F}" type="datetimeFigureOut">
-              <a:rPr kumimoji="1" lang="ja-JP" altLang="en-US" smtClean="0"/>
-              <a:t>2021/5/12</a:t>
+              <a:t>2021/6/4</a:t>
             </a:fld>
             <a:endParaRPr kumimoji="1" lang="ja-JP" altLang="en-US"/>
           </a:p>
@@ -248,7 +641,7 @@
       </p:sp>
       <p:sp>
         <p:nvSpPr>
-          <p:cNvPr id="5" name="フッター プレースホルダー 4"/>
+          <p:cNvPr id="5" name="Footer Placeholder 4"/>
           <p:cNvSpPr>
             <a:spLocks noGrp="1"/>
           </p:cNvSpPr>
@@ -267,7 +660,7 @@
       </p:sp>
       <p:sp>
         <p:nvSpPr>
-          <p:cNvPr id="6" name="スライド番号プレースホルダー 5"/>
+          <p:cNvPr id="6" name="Slide Number Placeholder 5"/>
           <p:cNvSpPr>
             <a:spLocks noGrp="1"/>
           </p:cNvSpPr>
@@ -291,7 +684,7 @@
     </p:spTree>
     <p:extLst>
       <p:ext uri="{BB962C8B-B14F-4D97-AF65-F5344CB8AC3E}">
-        <p14:creationId xmlns:p14="http://schemas.microsoft.com/office/powerpoint/2010/main" val="4081765688"/>
+        <p14:creationId xmlns:p14="http://schemas.microsoft.com/office/powerpoint/2010/main" val="2804647006"/>
       </p:ext>
     </p:extLst>
   </p:cSld>
@@ -320,7 +713,7 @@
       </p:grpSpPr>
       <p:sp>
         <p:nvSpPr>
-          <p:cNvPr id="2" name="タイトル 1"/>
+          <p:cNvPr id="2" name="Title 1"/>
           <p:cNvSpPr>
             <a:spLocks noGrp="1"/>
           </p:cNvSpPr>
@@ -334,115 +727,115 @@
           <a:lstStyle/>
           <a:p>
             <a:r>
+              <a:rPr lang="ja-JP" altLang="en-US" smtClean="0"/>
+              <a:t>マスター タイトルの書式設定</a:t>
+            </a:r>
+            <a:endParaRPr lang="en-US" dirty="0"/>
+          </a:p>
+        </p:txBody>
+      </p:sp>
+      <p:sp>
+        <p:nvSpPr>
+          <p:cNvPr id="3" name="Vertical Text Placeholder 2"/>
+          <p:cNvSpPr>
+            <a:spLocks noGrp="1"/>
+          </p:cNvSpPr>
+          <p:nvPr>
+            <p:ph type="body" orient="vert" idx="1"/>
+          </p:nvPr>
+        </p:nvSpPr>
+        <p:spPr/>
+        <p:txBody>
+          <a:bodyPr vert="eaVert"/>
+          <a:lstStyle/>
+          <a:p>
+            <a:pPr lvl="0"/>
+            <a:r>
+              <a:rPr lang="ja-JP" altLang="en-US" smtClean="0"/>
+              <a:t>マスター テキストの書式設定</a:t>
+            </a:r>
+          </a:p>
+          <a:p>
+            <a:pPr lvl="1"/>
+            <a:r>
+              <a:rPr lang="ja-JP" altLang="en-US" smtClean="0"/>
+              <a:t>第 </a:t>
+            </a:r>
+            <a:r>
+              <a:rPr lang="en-US" altLang="ja-JP" smtClean="0"/>
+              <a:t>2 </a:t>
+            </a:r>
+            <a:r>
+              <a:rPr lang="ja-JP" altLang="en-US" smtClean="0"/>
+              <a:t>レベル</a:t>
+            </a:r>
+          </a:p>
+          <a:p>
+            <a:pPr lvl="2"/>
+            <a:r>
+              <a:rPr lang="ja-JP" altLang="en-US" smtClean="0"/>
+              <a:t>第 </a:t>
+            </a:r>
+            <a:r>
+              <a:rPr lang="en-US" altLang="ja-JP" smtClean="0"/>
+              <a:t>3 </a:t>
+            </a:r>
+            <a:r>
+              <a:rPr lang="ja-JP" altLang="en-US" smtClean="0"/>
+              <a:t>レベル</a:t>
+            </a:r>
+          </a:p>
+          <a:p>
+            <a:pPr lvl="3"/>
+            <a:r>
+              <a:rPr lang="ja-JP" altLang="en-US" smtClean="0"/>
+              <a:t>第 </a:t>
+            </a:r>
+            <a:r>
+              <a:rPr lang="en-US" altLang="ja-JP" smtClean="0"/>
+              <a:t>4 </a:t>
+            </a:r>
+            <a:r>
+              <a:rPr lang="ja-JP" altLang="en-US" smtClean="0"/>
+              <a:t>レベル</a:t>
+            </a:r>
+          </a:p>
+          <a:p>
+            <a:pPr lvl="4"/>
+            <a:r>
+              <a:rPr lang="ja-JP" altLang="en-US" smtClean="0"/>
+              <a:t>第 </a:t>
+            </a:r>
+            <a:r>
+              <a:rPr lang="en-US" altLang="ja-JP" smtClean="0"/>
+              <a:t>5 </a:t>
+            </a:r>
+            <a:r>
+              <a:rPr lang="ja-JP" altLang="en-US" smtClean="0"/>
+              <a:t>レベル</a:t>
+            </a:r>
+            <a:endParaRPr lang="en-US" dirty="0"/>
+          </a:p>
+        </p:txBody>
+      </p:sp>
+      <p:sp>
+        <p:nvSpPr>
+          <p:cNvPr id="4" name="Date Placeholder 3"/>
+          <p:cNvSpPr>
+            <a:spLocks noGrp="1"/>
+          </p:cNvSpPr>
+          <p:nvPr>
+            <p:ph type="dt" sz="half" idx="10"/>
+          </p:nvPr>
+        </p:nvSpPr>
+        <p:spPr/>
+        <p:txBody>
+          <a:bodyPr/>
+          <a:lstStyle/>
+          <a:p>
+            <a:fld id="{65B3E365-8942-46AE-8EB0-09708B58B06E}" type="datetime1">
               <a:rPr kumimoji="1" lang="ja-JP" altLang="en-US" smtClean="0"/>
-              <a:t>マスター タイトルの書式設定</a:t>
-            </a:r>
-            <a:endParaRPr kumimoji="1" lang="ja-JP" altLang="en-US"/>
-          </a:p>
-        </p:txBody>
-      </p:sp>
-      <p:sp>
-        <p:nvSpPr>
-          <p:cNvPr id="3" name="縦書きテキスト プレースホルダー 2"/>
-          <p:cNvSpPr>
-            <a:spLocks noGrp="1"/>
-          </p:cNvSpPr>
-          <p:nvPr>
-            <p:ph type="body" orient="vert" idx="1"/>
-          </p:nvPr>
-        </p:nvSpPr>
-        <p:spPr/>
-        <p:txBody>
-          <a:bodyPr vert="eaVert"/>
-          <a:lstStyle/>
-          <a:p>
-            <a:pPr lvl="0"/>
-            <a:r>
-              <a:rPr kumimoji="1" lang="ja-JP" altLang="en-US" smtClean="0"/>
-              <a:t>マスター テキストの書式設定</a:t>
-            </a:r>
-          </a:p>
-          <a:p>
-            <a:pPr lvl="1"/>
-            <a:r>
-              <a:rPr kumimoji="1" lang="ja-JP" altLang="en-US" smtClean="0"/>
-              <a:t>第 </a:t>
-            </a:r>
-            <a:r>
-              <a:rPr kumimoji="1" lang="en-US" altLang="ja-JP" smtClean="0"/>
-              <a:t>2 </a:t>
-            </a:r>
-            <a:r>
-              <a:rPr kumimoji="1" lang="ja-JP" altLang="en-US" smtClean="0"/>
-              <a:t>レベル</a:t>
-            </a:r>
-          </a:p>
-          <a:p>
-            <a:pPr lvl="2"/>
-            <a:r>
-              <a:rPr kumimoji="1" lang="ja-JP" altLang="en-US" smtClean="0"/>
-              <a:t>第 </a:t>
-            </a:r>
-            <a:r>
-              <a:rPr kumimoji="1" lang="en-US" altLang="ja-JP" smtClean="0"/>
-              <a:t>3 </a:t>
-            </a:r>
-            <a:r>
-              <a:rPr kumimoji="1" lang="ja-JP" altLang="en-US" smtClean="0"/>
-              <a:t>レベル</a:t>
-            </a:r>
-          </a:p>
-          <a:p>
-            <a:pPr lvl="3"/>
-            <a:r>
-              <a:rPr kumimoji="1" lang="ja-JP" altLang="en-US" smtClean="0"/>
-              <a:t>第 </a:t>
-            </a:r>
-            <a:r>
-              <a:rPr kumimoji="1" lang="en-US" altLang="ja-JP" smtClean="0"/>
-              <a:t>4 </a:t>
-            </a:r>
-            <a:r>
-              <a:rPr kumimoji="1" lang="ja-JP" altLang="en-US" smtClean="0"/>
-              <a:t>レベル</a:t>
-            </a:r>
-          </a:p>
-          <a:p>
-            <a:pPr lvl="4"/>
-            <a:r>
-              <a:rPr kumimoji="1" lang="ja-JP" altLang="en-US" smtClean="0"/>
-              <a:t>第 </a:t>
-            </a:r>
-            <a:r>
-              <a:rPr kumimoji="1" lang="en-US" altLang="ja-JP" smtClean="0"/>
-              <a:t>5 </a:t>
-            </a:r>
-            <a:r>
-              <a:rPr kumimoji="1" lang="ja-JP" altLang="en-US" smtClean="0"/>
-              <a:t>レベル</a:t>
-            </a:r>
-            <a:endParaRPr kumimoji="1" lang="ja-JP" altLang="en-US"/>
-          </a:p>
-        </p:txBody>
-      </p:sp>
-      <p:sp>
-        <p:nvSpPr>
-          <p:cNvPr id="4" name="日付プレースホルダー 3"/>
-          <p:cNvSpPr>
-            <a:spLocks noGrp="1"/>
-          </p:cNvSpPr>
-          <p:nvPr>
-            <p:ph type="dt" sz="half" idx="10"/>
-          </p:nvPr>
-        </p:nvSpPr>
-        <p:spPr/>
-        <p:txBody>
-          <a:bodyPr/>
-          <a:lstStyle/>
-          <a:p>
-            <a:fld id="{80D73B06-1F8F-4F1F-A43F-36245BD6E61F}" type="datetimeFigureOut">
-              <a:rPr kumimoji="1" lang="ja-JP" altLang="en-US" smtClean="0"/>
-              <a:t>2021/5/12</a:t>
+              <a:t>2021/6/4</a:t>
             </a:fld>
             <a:endParaRPr kumimoji="1" lang="ja-JP" altLang="en-US"/>
           </a:p>
@@ -450,7 +843,7 @@
       </p:sp>
       <p:sp>
         <p:nvSpPr>
-          <p:cNvPr id="5" name="フッター プレースホルダー 4"/>
+          <p:cNvPr id="5" name="Footer Placeholder 4"/>
           <p:cNvSpPr>
             <a:spLocks noGrp="1"/>
           </p:cNvSpPr>
@@ -469,7 +862,7 @@
       </p:sp>
       <p:sp>
         <p:nvSpPr>
-          <p:cNvPr id="6" name="スライド番号プレースホルダー 5"/>
+          <p:cNvPr id="6" name="Slide Number Placeholder 5"/>
           <p:cNvSpPr>
             <a:spLocks noGrp="1"/>
           </p:cNvSpPr>
@@ -493,7 +886,7 @@
     </p:spTree>
     <p:extLst>
       <p:ext uri="{BB962C8B-B14F-4D97-AF65-F5344CB8AC3E}">
-        <p14:creationId xmlns:p14="http://schemas.microsoft.com/office/powerpoint/2010/main" val="2275751302"/>
+        <p14:creationId xmlns:p14="http://schemas.microsoft.com/office/powerpoint/2010/main" val="3046613528"/>
       </p:ext>
     </p:extLst>
   </p:cSld>
@@ -522,7 +915,7 @@
       </p:grpSpPr>
       <p:sp>
         <p:nvSpPr>
-          <p:cNvPr id="2" name="縦書きタイトル 1"/>
+          <p:cNvPr id="2" name="Vertical Title 1"/>
           <p:cNvSpPr>
             <a:spLocks noGrp="1"/>
           </p:cNvSpPr>
@@ -532,8 +925,8 @@
         </p:nvSpPr>
         <p:spPr>
           <a:xfrm>
-            <a:off x="8724900" y="365125"/>
-            <a:ext cx="2628900" cy="5811838"/>
+            <a:off x="6543675" y="365125"/>
+            <a:ext cx="1971675" cy="5811838"/>
           </a:xfrm>
         </p:spPr>
         <p:txBody>
@@ -541,16 +934,16 @@
           <a:lstStyle/>
           <a:p>
             <a:r>
-              <a:rPr kumimoji="1" lang="ja-JP" altLang="en-US" smtClean="0"/>
+              <a:rPr lang="ja-JP" altLang="en-US" smtClean="0"/>
               <a:t>マスター タイトルの書式設定</a:t>
             </a:r>
-            <a:endParaRPr kumimoji="1" lang="ja-JP" altLang="en-US"/>
-          </a:p>
-        </p:txBody>
-      </p:sp>
-      <p:sp>
-        <p:nvSpPr>
-          <p:cNvPr id="3" name="縦書きテキスト プレースホルダー 2"/>
+            <a:endParaRPr lang="en-US" dirty="0"/>
+          </a:p>
+        </p:txBody>
+      </p:sp>
+      <p:sp>
+        <p:nvSpPr>
+          <p:cNvPr id="3" name="Vertical Text Placeholder 2"/>
           <p:cNvSpPr>
             <a:spLocks noGrp="1"/>
           </p:cNvSpPr>
@@ -560,8 +953,8 @@
         </p:nvSpPr>
         <p:spPr>
           <a:xfrm>
-            <a:off x="838200" y="365125"/>
-            <a:ext cx="7734300" cy="5811838"/>
+            <a:off x="628650" y="365125"/>
+            <a:ext cx="5800725" cy="5811838"/>
           </a:xfrm>
         </p:spPr>
         <p:txBody>
@@ -570,91 +963,91 @@
           <a:p>
             <a:pPr lvl="0"/>
             <a:r>
+              <a:rPr lang="ja-JP" altLang="en-US" smtClean="0"/>
+              <a:t>マスター テキストの書式設定</a:t>
+            </a:r>
+          </a:p>
+          <a:p>
+            <a:pPr lvl="1"/>
+            <a:r>
+              <a:rPr lang="ja-JP" altLang="en-US" smtClean="0"/>
+              <a:t>第 </a:t>
+            </a:r>
+            <a:r>
+              <a:rPr lang="en-US" altLang="ja-JP" smtClean="0"/>
+              <a:t>2 </a:t>
+            </a:r>
+            <a:r>
+              <a:rPr lang="ja-JP" altLang="en-US" smtClean="0"/>
+              <a:t>レベル</a:t>
+            </a:r>
+          </a:p>
+          <a:p>
+            <a:pPr lvl="2"/>
+            <a:r>
+              <a:rPr lang="ja-JP" altLang="en-US" smtClean="0"/>
+              <a:t>第 </a:t>
+            </a:r>
+            <a:r>
+              <a:rPr lang="en-US" altLang="ja-JP" smtClean="0"/>
+              <a:t>3 </a:t>
+            </a:r>
+            <a:r>
+              <a:rPr lang="ja-JP" altLang="en-US" smtClean="0"/>
+              <a:t>レベル</a:t>
+            </a:r>
+          </a:p>
+          <a:p>
+            <a:pPr lvl="3"/>
+            <a:r>
+              <a:rPr lang="ja-JP" altLang="en-US" smtClean="0"/>
+              <a:t>第 </a:t>
+            </a:r>
+            <a:r>
+              <a:rPr lang="en-US" altLang="ja-JP" smtClean="0"/>
+              <a:t>4 </a:t>
+            </a:r>
+            <a:r>
+              <a:rPr lang="ja-JP" altLang="en-US" smtClean="0"/>
+              <a:t>レベル</a:t>
+            </a:r>
+          </a:p>
+          <a:p>
+            <a:pPr lvl="4"/>
+            <a:r>
+              <a:rPr lang="ja-JP" altLang="en-US" smtClean="0"/>
+              <a:t>第 </a:t>
+            </a:r>
+            <a:r>
+              <a:rPr lang="en-US" altLang="ja-JP" smtClean="0"/>
+              <a:t>5 </a:t>
+            </a:r>
+            <a:r>
+              <a:rPr lang="ja-JP" altLang="en-US" smtClean="0"/>
+              <a:t>レベル</a:t>
+            </a:r>
+            <a:endParaRPr lang="en-US" dirty="0"/>
+          </a:p>
+        </p:txBody>
+      </p:sp>
+      <p:sp>
+        <p:nvSpPr>
+          <p:cNvPr id="4" name="Date Placeholder 3"/>
+          <p:cNvSpPr>
+            <a:spLocks noGrp="1"/>
+          </p:cNvSpPr>
+          <p:nvPr>
+            <p:ph type="dt" sz="half" idx="10"/>
+          </p:nvPr>
+        </p:nvSpPr>
+        <p:spPr/>
+        <p:txBody>
+          <a:bodyPr/>
+          <a:lstStyle/>
+          <a:p>
+            <a:fld id="{FFD1B8DB-7476-41E6-A4D2-B8CC263F7ACE}" type="datetime1">
               <a:rPr kumimoji="1" lang="ja-JP" altLang="en-US" smtClean="0"/>
-              <a:t>マスター テキストの書式設定</a:t>
-            </a:r>
-          </a:p>
-          <a:p>
-            <a:pPr lvl="1"/>
-            <a:r>
-              <a:rPr kumimoji="1" lang="ja-JP" altLang="en-US" smtClean="0"/>
-              <a:t>第 </a:t>
-            </a:r>
-            <a:r>
-              <a:rPr kumimoji="1" lang="en-US" altLang="ja-JP" smtClean="0"/>
-              <a:t>2 </a:t>
-            </a:r>
-            <a:r>
-              <a:rPr kumimoji="1" lang="ja-JP" altLang="en-US" smtClean="0"/>
-              <a:t>レベル</a:t>
-            </a:r>
-          </a:p>
-          <a:p>
-            <a:pPr lvl="2"/>
-            <a:r>
-              <a:rPr kumimoji="1" lang="ja-JP" altLang="en-US" smtClean="0"/>
-              <a:t>第 </a:t>
-            </a:r>
-            <a:r>
-              <a:rPr kumimoji="1" lang="en-US" altLang="ja-JP" smtClean="0"/>
-              <a:t>3 </a:t>
-            </a:r>
-            <a:r>
-              <a:rPr kumimoji="1" lang="ja-JP" altLang="en-US" smtClean="0"/>
-              <a:t>レベル</a:t>
-            </a:r>
-          </a:p>
-          <a:p>
-            <a:pPr lvl="3"/>
-            <a:r>
-              <a:rPr kumimoji="1" lang="ja-JP" altLang="en-US" smtClean="0"/>
-              <a:t>第 </a:t>
-            </a:r>
-            <a:r>
-              <a:rPr kumimoji="1" lang="en-US" altLang="ja-JP" smtClean="0"/>
-              <a:t>4 </a:t>
-            </a:r>
-            <a:r>
-              <a:rPr kumimoji="1" lang="ja-JP" altLang="en-US" smtClean="0"/>
-              <a:t>レベル</a:t>
-            </a:r>
-          </a:p>
-          <a:p>
-            <a:pPr lvl="4"/>
-            <a:r>
-              <a:rPr kumimoji="1" lang="ja-JP" altLang="en-US" smtClean="0"/>
-              <a:t>第 </a:t>
-            </a:r>
-            <a:r>
-              <a:rPr kumimoji="1" lang="en-US" altLang="ja-JP" smtClean="0"/>
-              <a:t>5 </a:t>
-            </a:r>
-            <a:r>
-              <a:rPr kumimoji="1" lang="ja-JP" altLang="en-US" smtClean="0"/>
-              <a:t>レベル</a:t>
-            </a:r>
-            <a:endParaRPr kumimoji="1" lang="ja-JP" altLang="en-US"/>
-          </a:p>
-        </p:txBody>
-      </p:sp>
-      <p:sp>
-        <p:nvSpPr>
-          <p:cNvPr id="4" name="日付プレースホルダー 3"/>
-          <p:cNvSpPr>
-            <a:spLocks noGrp="1"/>
-          </p:cNvSpPr>
-          <p:nvPr>
-            <p:ph type="dt" sz="half" idx="10"/>
-          </p:nvPr>
-        </p:nvSpPr>
-        <p:spPr/>
-        <p:txBody>
-          <a:bodyPr/>
-          <a:lstStyle/>
-          <a:p>
-            <a:fld id="{80D73B06-1F8F-4F1F-A43F-36245BD6E61F}" type="datetimeFigureOut">
-              <a:rPr kumimoji="1" lang="ja-JP" altLang="en-US" smtClean="0"/>
-              <a:t>2021/5/12</a:t>
+              <a:t>2021/6/4</a:t>
             </a:fld>
             <a:endParaRPr kumimoji="1" lang="ja-JP" altLang="en-US"/>
           </a:p>
@@ -662,7 +1055,7 @@
       </p:sp>
       <p:sp>
         <p:nvSpPr>
-          <p:cNvPr id="5" name="フッター プレースホルダー 4"/>
+          <p:cNvPr id="5" name="Footer Placeholder 4"/>
           <p:cNvSpPr>
             <a:spLocks noGrp="1"/>
           </p:cNvSpPr>
@@ -681,7 +1074,7 @@
       </p:sp>
       <p:sp>
         <p:nvSpPr>
-          <p:cNvPr id="6" name="スライド番号プレースホルダー 5"/>
+          <p:cNvPr id="6" name="Slide Number Placeholder 5"/>
           <p:cNvSpPr>
             <a:spLocks noGrp="1"/>
           </p:cNvSpPr>
@@ -705,7 +1098,7 @@
     </p:spTree>
     <p:extLst>
       <p:ext uri="{BB962C8B-B14F-4D97-AF65-F5344CB8AC3E}">
-        <p14:creationId xmlns:p14="http://schemas.microsoft.com/office/powerpoint/2010/main" val="1729244506"/>
+        <p14:creationId xmlns:p14="http://schemas.microsoft.com/office/powerpoint/2010/main" val="1398638935"/>
       </p:ext>
     </p:extLst>
   </p:cSld>
@@ -734,7 +1127,7 @@
       </p:grpSpPr>
       <p:sp>
         <p:nvSpPr>
-          <p:cNvPr id="2" name="タイトル 1"/>
+          <p:cNvPr id="2" name="Title 1"/>
           <p:cNvSpPr>
             <a:spLocks noGrp="1"/>
           </p:cNvSpPr>
@@ -748,115 +1141,115 @@
           <a:lstStyle/>
           <a:p>
             <a:r>
+              <a:rPr lang="ja-JP" altLang="en-US" smtClean="0"/>
+              <a:t>マスター タイトルの書式設定</a:t>
+            </a:r>
+            <a:endParaRPr lang="en-US" dirty="0"/>
+          </a:p>
+        </p:txBody>
+      </p:sp>
+      <p:sp>
+        <p:nvSpPr>
+          <p:cNvPr id="3" name="Content Placeholder 2"/>
+          <p:cNvSpPr>
+            <a:spLocks noGrp="1"/>
+          </p:cNvSpPr>
+          <p:nvPr>
+            <p:ph idx="1"/>
+          </p:nvPr>
+        </p:nvSpPr>
+        <p:spPr/>
+        <p:txBody>
+          <a:bodyPr/>
+          <a:lstStyle/>
+          <a:p>
+            <a:pPr lvl="0"/>
+            <a:r>
+              <a:rPr lang="ja-JP" altLang="en-US" smtClean="0"/>
+              <a:t>マスター テキストの書式設定</a:t>
+            </a:r>
+          </a:p>
+          <a:p>
+            <a:pPr lvl="1"/>
+            <a:r>
+              <a:rPr lang="ja-JP" altLang="en-US" smtClean="0"/>
+              <a:t>第 </a:t>
+            </a:r>
+            <a:r>
+              <a:rPr lang="en-US" altLang="ja-JP" smtClean="0"/>
+              <a:t>2 </a:t>
+            </a:r>
+            <a:r>
+              <a:rPr lang="ja-JP" altLang="en-US" smtClean="0"/>
+              <a:t>レベル</a:t>
+            </a:r>
+          </a:p>
+          <a:p>
+            <a:pPr lvl="2"/>
+            <a:r>
+              <a:rPr lang="ja-JP" altLang="en-US" smtClean="0"/>
+              <a:t>第 </a:t>
+            </a:r>
+            <a:r>
+              <a:rPr lang="en-US" altLang="ja-JP" smtClean="0"/>
+              <a:t>3 </a:t>
+            </a:r>
+            <a:r>
+              <a:rPr lang="ja-JP" altLang="en-US" smtClean="0"/>
+              <a:t>レベル</a:t>
+            </a:r>
+          </a:p>
+          <a:p>
+            <a:pPr lvl="3"/>
+            <a:r>
+              <a:rPr lang="ja-JP" altLang="en-US" smtClean="0"/>
+              <a:t>第 </a:t>
+            </a:r>
+            <a:r>
+              <a:rPr lang="en-US" altLang="ja-JP" smtClean="0"/>
+              <a:t>4 </a:t>
+            </a:r>
+            <a:r>
+              <a:rPr lang="ja-JP" altLang="en-US" smtClean="0"/>
+              <a:t>レベル</a:t>
+            </a:r>
+          </a:p>
+          <a:p>
+            <a:pPr lvl="4"/>
+            <a:r>
+              <a:rPr lang="ja-JP" altLang="en-US" smtClean="0"/>
+              <a:t>第 </a:t>
+            </a:r>
+            <a:r>
+              <a:rPr lang="en-US" altLang="ja-JP" smtClean="0"/>
+              <a:t>5 </a:t>
+            </a:r>
+            <a:r>
+              <a:rPr lang="ja-JP" altLang="en-US" smtClean="0"/>
+              <a:t>レベル</a:t>
+            </a:r>
+            <a:endParaRPr lang="en-US" dirty="0"/>
+          </a:p>
+        </p:txBody>
+      </p:sp>
+      <p:sp>
+        <p:nvSpPr>
+          <p:cNvPr id="4" name="Date Placeholder 3"/>
+          <p:cNvSpPr>
+            <a:spLocks noGrp="1"/>
+          </p:cNvSpPr>
+          <p:nvPr>
+            <p:ph type="dt" sz="half" idx="10"/>
+          </p:nvPr>
+        </p:nvSpPr>
+        <p:spPr/>
+        <p:txBody>
+          <a:bodyPr/>
+          <a:lstStyle/>
+          <a:p>
+            <a:fld id="{C1775DBA-A6B2-4F32-815E-884FBB6D7804}" type="datetime1">
               <a:rPr kumimoji="1" lang="ja-JP" altLang="en-US" smtClean="0"/>
-              <a:t>マスター タイトルの書式設定</a:t>
-            </a:r>
-            <a:endParaRPr kumimoji="1" lang="ja-JP" altLang="en-US"/>
-          </a:p>
-        </p:txBody>
-      </p:sp>
-      <p:sp>
-        <p:nvSpPr>
-          <p:cNvPr id="3" name="コンテンツ プレースホルダー 2"/>
-          <p:cNvSpPr>
-            <a:spLocks noGrp="1"/>
-          </p:cNvSpPr>
-          <p:nvPr>
-            <p:ph idx="1"/>
-          </p:nvPr>
-        </p:nvSpPr>
-        <p:spPr/>
-        <p:txBody>
-          <a:bodyPr/>
-          <a:lstStyle/>
-          <a:p>
-            <a:pPr lvl="0"/>
-            <a:r>
-              <a:rPr kumimoji="1" lang="ja-JP" altLang="en-US" smtClean="0"/>
-              <a:t>マスター テキストの書式設定</a:t>
-            </a:r>
-          </a:p>
-          <a:p>
-            <a:pPr lvl="1"/>
-            <a:r>
-              <a:rPr kumimoji="1" lang="ja-JP" altLang="en-US" smtClean="0"/>
-              <a:t>第 </a:t>
-            </a:r>
-            <a:r>
-              <a:rPr kumimoji="1" lang="en-US" altLang="ja-JP" smtClean="0"/>
-              <a:t>2 </a:t>
-            </a:r>
-            <a:r>
-              <a:rPr kumimoji="1" lang="ja-JP" altLang="en-US" smtClean="0"/>
-              <a:t>レベル</a:t>
-            </a:r>
-          </a:p>
-          <a:p>
-            <a:pPr lvl="2"/>
-            <a:r>
-              <a:rPr kumimoji="1" lang="ja-JP" altLang="en-US" smtClean="0"/>
-              <a:t>第 </a:t>
-            </a:r>
-            <a:r>
-              <a:rPr kumimoji="1" lang="en-US" altLang="ja-JP" smtClean="0"/>
-              <a:t>3 </a:t>
-            </a:r>
-            <a:r>
-              <a:rPr kumimoji="1" lang="ja-JP" altLang="en-US" smtClean="0"/>
-              <a:t>レベル</a:t>
-            </a:r>
-          </a:p>
-          <a:p>
-            <a:pPr lvl="3"/>
-            <a:r>
-              <a:rPr kumimoji="1" lang="ja-JP" altLang="en-US" smtClean="0"/>
-              <a:t>第 </a:t>
-            </a:r>
-            <a:r>
-              <a:rPr kumimoji="1" lang="en-US" altLang="ja-JP" smtClean="0"/>
-              <a:t>4 </a:t>
-            </a:r>
-            <a:r>
-              <a:rPr kumimoji="1" lang="ja-JP" altLang="en-US" smtClean="0"/>
-              <a:t>レベル</a:t>
-            </a:r>
-          </a:p>
-          <a:p>
-            <a:pPr lvl="4"/>
-            <a:r>
-              <a:rPr kumimoji="1" lang="ja-JP" altLang="en-US" smtClean="0"/>
-              <a:t>第 </a:t>
-            </a:r>
-            <a:r>
-              <a:rPr kumimoji="1" lang="en-US" altLang="ja-JP" smtClean="0"/>
-              <a:t>5 </a:t>
-            </a:r>
-            <a:r>
-              <a:rPr kumimoji="1" lang="ja-JP" altLang="en-US" smtClean="0"/>
-              <a:t>レベル</a:t>
-            </a:r>
-            <a:endParaRPr kumimoji="1" lang="ja-JP" altLang="en-US"/>
-          </a:p>
-        </p:txBody>
-      </p:sp>
-      <p:sp>
-        <p:nvSpPr>
-          <p:cNvPr id="4" name="日付プレースホルダー 3"/>
-          <p:cNvSpPr>
-            <a:spLocks noGrp="1"/>
-          </p:cNvSpPr>
-          <p:nvPr>
-            <p:ph type="dt" sz="half" idx="10"/>
-          </p:nvPr>
-        </p:nvSpPr>
-        <p:spPr/>
-        <p:txBody>
-          <a:bodyPr/>
-          <a:lstStyle/>
-          <a:p>
-            <a:fld id="{80D73B06-1F8F-4F1F-A43F-36245BD6E61F}" type="datetimeFigureOut">
-              <a:rPr kumimoji="1" lang="ja-JP" altLang="en-US" smtClean="0"/>
-              <a:t>2021/5/12</a:t>
+              <a:t>2021/6/4</a:t>
             </a:fld>
             <a:endParaRPr kumimoji="1" lang="ja-JP" altLang="en-US"/>
           </a:p>
@@ -864,7 +1257,7 @@
       </p:sp>
       <p:sp>
         <p:nvSpPr>
-          <p:cNvPr id="5" name="フッター プレースホルダー 4"/>
+          <p:cNvPr id="5" name="Footer Placeholder 4"/>
           <p:cNvSpPr>
             <a:spLocks noGrp="1"/>
           </p:cNvSpPr>
@@ -883,7 +1276,7 @@
       </p:sp>
       <p:sp>
         <p:nvSpPr>
-          <p:cNvPr id="6" name="スライド番号プレースホルダー 5"/>
+          <p:cNvPr id="6" name="Slide Number Placeholder 5"/>
           <p:cNvSpPr>
             <a:spLocks noGrp="1"/>
           </p:cNvSpPr>
@@ -907,7 +1300,7 @@
     </p:spTree>
     <p:extLst>
       <p:ext uri="{BB962C8B-B14F-4D97-AF65-F5344CB8AC3E}">
-        <p14:creationId xmlns:p14="http://schemas.microsoft.com/office/powerpoint/2010/main" val="3110919886"/>
+        <p14:creationId xmlns:p14="http://schemas.microsoft.com/office/powerpoint/2010/main" val="2601717126"/>
       </p:ext>
     </p:extLst>
   </p:cSld>
@@ -936,7 +1329,7 @@
       </p:grpSpPr>
       <p:sp>
         <p:nvSpPr>
-          <p:cNvPr id="2" name="タイトル 1"/>
+          <p:cNvPr id="2" name="Title 1"/>
           <p:cNvSpPr>
             <a:spLocks noGrp="1"/>
           </p:cNvSpPr>
@@ -946,8 +1339,8 @@
         </p:nvSpPr>
         <p:spPr>
           <a:xfrm>
-            <a:off x="831850" y="1709738"/>
-            <a:ext cx="10515600" cy="2852737"/>
+            <a:off x="623888" y="1709739"/>
+            <a:ext cx="7886700" cy="2852737"/>
           </a:xfrm>
         </p:spPr>
         <p:txBody>
@@ -959,16 +1352,16 @@
           </a:lstStyle>
           <a:p>
             <a:r>
-              <a:rPr kumimoji="1" lang="ja-JP" altLang="en-US" smtClean="0"/>
+              <a:rPr lang="ja-JP" altLang="en-US" smtClean="0"/>
               <a:t>マスター タイトルの書式設定</a:t>
             </a:r>
-            <a:endParaRPr kumimoji="1" lang="ja-JP" altLang="en-US"/>
-          </a:p>
-        </p:txBody>
-      </p:sp>
-      <p:sp>
-        <p:nvSpPr>
-          <p:cNvPr id="3" name="テキスト プレースホルダー 2"/>
+            <a:endParaRPr lang="en-US" dirty="0"/>
+          </a:p>
+        </p:txBody>
+      </p:sp>
+      <p:sp>
+        <p:nvSpPr>
+          <p:cNvPr id="3" name="Text Placeholder 2"/>
           <p:cNvSpPr>
             <a:spLocks noGrp="1"/>
           </p:cNvSpPr>
@@ -978,8 +1371,8 @@
         </p:nvSpPr>
         <p:spPr>
           <a:xfrm>
-            <a:off x="831850" y="4589463"/>
-            <a:ext cx="10515600" cy="1500187"/>
+            <a:off x="623888" y="4589464"/>
+            <a:ext cx="7886700" cy="1500187"/>
           </a:xfrm>
         </p:spPr>
         <p:txBody>
@@ -989,9 +1382,7 @@
               <a:buNone/>
               <a:defRPr sz="2400">
                 <a:solidFill>
-                  <a:schemeClr val="tx1">
-                    <a:tint val="75000"/>
-                  </a:schemeClr>
+                  <a:schemeClr val="tx1"/>
                 </a:solidFill>
               </a:defRPr>
             </a:lvl1pPr>
@@ -1079,30 +1470,30 @@
           <a:p>
             <a:pPr lvl="0"/>
             <a:r>
+              <a:rPr lang="ja-JP" altLang="en-US" smtClean="0"/>
+              <a:t>マスター テキストの書式設定</a:t>
+            </a:r>
+          </a:p>
+        </p:txBody>
+      </p:sp>
+      <p:sp>
+        <p:nvSpPr>
+          <p:cNvPr id="4" name="Date Placeholder 3"/>
+          <p:cNvSpPr>
+            <a:spLocks noGrp="1"/>
+          </p:cNvSpPr>
+          <p:nvPr>
+            <p:ph type="dt" sz="half" idx="10"/>
+          </p:nvPr>
+        </p:nvSpPr>
+        <p:spPr/>
+        <p:txBody>
+          <a:bodyPr/>
+          <a:lstStyle/>
+          <a:p>
+            <a:fld id="{9174E00D-6DCB-4D4E-87A0-FE20DA5F0465}" type="datetime1">
               <a:rPr kumimoji="1" lang="ja-JP" altLang="en-US" smtClean="0"/>
-              <a:t>マスター テキストの書式設定</a:t>
-            </a:r>
-          </a:p>
-        </p:txBody>
-      </p:sp>
-      <p:sp>
-        <p:nvSpPr>
-          <p:cNvPr id="4" name="日付プレースホルダー 3"/>
-          <p:cNvSpPr>
-            <a:spLocks noGrp="1"/>
-          </p:cNvSpPr>
-          <p:nvPr>
-            <p:ph type="dt" sz="half" idx="10"/>
-          </p:nvPr>
-        </p:nvSpPr>
-        <p:spPr/>
-        <p:txBody>
-          <a:bodyPr/>
-          <a:lstStyle/>
-          <a:p>
-            <a:fld id="{80D73B06-1F8F-4F1F-A43F-36245BD6E61F}" type="datetimeFigureOut">
-              <a:rPr kumimoji="1" lang="ja-JP" altLang="en-US" smtClean="0"/>
-              <a:t>2021/5/12</a:t>
+              <a:t>2021/6/4</a:t>
             </a:fld>
             <a:endParaRPr kumimoji="1" lang="ja-JP" altLang="en-US"/>
           </a:p>
@@ -1110,7 +1501,7 @@
       </p:sp>
       <p:sp>
         <p:nvSpPr>
-          <p:cNvPr id="5" name="フッター プレースホルダー 4"/>
+          <p:cNvPr id="5" name="Footer Placeholder 4"/>
           <p:cNvSpPr>
             <a:spLocks noGrp="1"/>
           </p:cNvSpPr>
@@ -1129,7 +1520,7 @@
       </p:sp>
       <p:sp>
         <p:nvSpPr>
-          <p:cNvPr id="6" name="スライド番号プレースホルダー 5"/>
+          <p:cNvPr id="6" name="Slide Number Placeholder 5"/>
           <p:cNvSpPr>
             <a:spLocks noGrp="1"/>
           </p:cNvSpPr>
@@ -1153,7 +1544,7 @@
     </p:spTree>
     <p:extLst>
       <p:ext uri="{BB962C8B-B14F-4D97-AF65-F5344CB8AC3E}">
-        <p14:creationId xmlns:p14="http://schemas.microsoft.com/office/powerpoint/2010/main" val="799642334"/>
+        <p14:creationId xmlns:p14="http://schemas.microsoft.com/office/powerpoint/2010/main" val="238006991"/>
       </p:ext>
     </p:extLst>
   </p:cSld>
@@ -1182,7 +1573,7 @@
       </p:grpSpPr>
       <p:sp>
         <p:nvSpPr>
-          <p:cNvPr id="2" name="タイトル 1"/>
+          <p:cNvPr id="2" name="Title 1"/>
           <p:cNvSpPr>
             <a:spLocks noGrp="1"/>
           </p:cNvSpPr>
@@ -1196,16 +1587,16 @@
           <a:lstStyle/>
           <a:p>
             <a:r>
-              <a:rPr kumimoji="1" lang="ja-JP" altLang="en-US" smtClean="0"/>
+              <a:rPr lang="ja-JP" altLang="en-US" smtClean="0"/>
               <a:t>マスター タイトルの書式設定</a:t>
             </a:r>
-            <a:endParaRPr kumimoji="1" lang="ja-JP" altLang="en-US"/>
-          </a:p>
-        </p:txBody>
-      </p:sp>
-      <p:sp>
-        <p:nvSpPr>
-          <p:cNvPr id="3" name="コンテンツ プレースホルダー 2"/>
+            <a:endParaRPr lang="en-US" dirty="0"/>
+          </a:p>
+        </p:txBody>
+      </p:sp>
+      <p:sp>
+        <p:nvSpPr>
+          <p:cNvPr id="3" name="Content Placeholder 2"/>
           <p:cNvSpPr>
             <a:spLocks noGrp="1"/>
           </p:cNvSpPr>
@@ -1215,8 +1606,8 @@
         </p:nvSpPr>
         <p:spPr>
           <a:xfrm>
-            <a:off x="838200" y="1825625"/>
-            <a:ext cx="5181600" cy="4351338"/>
+            <a:off x="628650" y="1825625"/>
+            <a:ext cx="3886200" cy="4351338"/>
           </a:xfrm>
         </p:spPr>
         <p:txBody>
@@ -1225,76 +1616,76 @@
           <a:p>
             <a:pPr lvl="0"/>
             <a:r>
-              <a:rPr kumimoji="1" lang="ja-JP" altLang="en-US" smtClean="0"/>
+              <a:rPr lang="ja-JP" altLang="en-US" smtClean="0"/>
               <a:t>マスター テキストの書式設定</a:t>
             </a:r>
           </a:p>
           <a:p>
             <a:pPr lvl="1"/>
             <a:r>
-              <a:rPr kumimoji="1" lang="ja-JP" altLang="en-US" smtClean="0"/>
+              <a:rPr lang="ja-JP" altLang="en-US" smtClean="0"/>
               <a:t>第 </a:t>
             </a:r>
             <a:r>
-              <a:rPr kumimoji="1" lang="en-US" altLang="ja-JP" smtClean="0"/>
+              <a:rPr lang="en-US" altLang="ja-JP" smtClean="0"/>
               <a:t>2 </a:t>
             </a:r>
             <a:r>
-              <a:rPr kumimoji="1" lang="ja-JP" altLang="en-US" smtClean="0"/>
+              <a:rPr lang="ja-JP" altLang="en-US" smtClean="0"/>
               <a:t>レベル</a:t>
             </a:r>
           </a:p>
           <a:p>
             <a:pPr lvl="2"/>
             <a:r>
-              <a:rPr kumimoji="1" lang="ja-JP" altLang="en-US" smtClean="0"/>
+              <a:rPr lang="ja-JP" altLang="en-US" smtClean="0"/>
               <a:t>第 </a:t>
             </a:r>
             <a:r>
-              <a:rPr kumimoji="1" lang="en-US" altLang="ja-JP" smtClean="0"/>
+              <a:rPr lang="en-US" altLang="ja-JP" smtClean="0"/>
               <a:t>3 </a:t>
             </a:r>
             <a:r>
-              <a:rPr kumimoji="1" lang="ja-JP" altLang="en-US" smtClean="0"/>
+              <a:rPr lang="ja-JP" altLang="en-US" smtClean="0"/>
               <a:t>レベル</a:t>
             </a:r>
           </a:p>
           <a:p>
             <a:pPr lvl="3"/>
             <a:r>
-              <a:rPr kumimoji="1" lang="ja-JP" altLang="en-US" smtClean="0"/>
+              <a:rPr lang="ja-JP" altLang="en-US" smtClean="0"/>
               <a:t>第 </a:t>
             </a:r>
             <a:r>
-              <a:rPr kumimoji="1" lang="en-US" altLang="ja-JP" smtClean="0"/>
+              <a:rPr lang="en-US" altLang="ja-JP" smtClean="0"/>
               <a:t>4 </a:t>
             </a:r>
             <a:r>
-              <a:rPr kumimoji="1" lang="ja-JP" altLang="en-US" smtClean="0"/>
+              <a:rPr lang="ja-JP" altLang="en-US" smtClean="0"/>
               <a:t>レベル</a:t>
             </a:r>
           </a:p>
           <a:p>
             <a:pPr lvl="4"/>
             <a:r>
-              <a:rPr kumimoji="1" lang="ja-JP" altLang="en-US" smtClean="0"/>
+              <a:rPr lang="ja-JP" altLang="en-US" smtClean="0"/>
               <a:t>第 </a:t>
             </a:r>
             <a:r>
-              <a:rPr kumimoji="1" lang="en-US" altLang="ja-JP" smtClean="0"/>
+              <a:rPr lang="en-US" altLang="ja-JP" smtClean="0"/>
               <a:t>5 </a:t>
             </a:r>
             <a:r>
-              <a:rPr kumimoji="1" lang="ja-JP" altLang="en-US" smtClean="0"/>
+              <a:rPr lang="ja-JP" altLang="en-US" smtClean="0"/>
               <a:t>レベル</a:t>
             </a:r>
-            <a:endParaRPr kumimoji="1" lang="ja-JP" altLang="en-US"/>
-          </a:p>
-        </p:txBody>
-      </p:sp>
-      <p:sp>
-        <p:nvSpPr>
-          <p:cNvPr id="4" name="コンテンツ プレースホルダー 3"/>
+            <a:endParaRPr lang="en-US" dirty="0"/>
+          </a:p>
+        </p:txBody>
+      </p:sp>
+      <p:sp>
+        <p:nvSpPr>
+          <p:cNvPr id="4" name="Content Placeholder 3"/>
           <p:cNvSpPr>
             <a:spLocks noGrp="1"/>
           </p:cNvSpPr>
@@ -1304,8 +1695,8 @@
         </p:nvSpPr>
         <p:spPr>
           <a:xfrm>
-            <a:off x="6172200" y="1825625"/>
-            <a:ext cx="5181600" cy="4351338"/>
+            <a:off x="4629150" y="1825625"/>
+            <a:ext cx="3886200" cy="4351338"/>
           </a:xfrm>
         </p:spPr>
         <p:txBody>
@@ -1314,91 +1705,91 @@
           <a:p>
             <a:pPr lvl="0"/>
             <a:r>
+              <a:rPr lang="ja-JP" altLang="en-US" smtClean="0"/>
+              <a:t>マスター テキストの書式設定</a:t>
+            </a:r>
+          </a:p>
+          <a:p>
+            <a:pPr lvl="1"/>
+            <a:r>
+              <a:rPr lang="ja-JP" altLang="en-US" smtClean="0"/>
+              <a:t>第 </a:t>
+            </a:r>
+            <a:r>
+              <a:rPr lang="en-US" altLang="ja-JP" smtClean="0"/>
+              <a:t>2 </a:t>
+            </a:r>
+            <a:r>
+              <a:rPr lang="ja-JP" altLang="en-US" smtClean="0"/>
+              <a:t>レベル</a:t>
+            </a:r>
+          </a:p>
+          <a:p>
+            <a:pPr lvl="2"/>
+            <a:r>
+              <a:rPr lang="ja-JP" altLang="en-US" smtClean="0"/>
+              <a:t>第 </a:t>
+            </a:r>
+            <a:r>
+              <a:rPr lang="en-US" altLang="ja-JP" smtClean="0"/>
+              <a:t>3 </a:t>
+            </a:r>
+            <a:r>
+              <a:rPr lang="ja-JP" altLang="en-US" smtClean="0"/>
+              <a:t>レベル</a:t>
+            </a:r>
+          </a:p>
+          <a:p>
+            <a:pPr lvl="3"/>
+            <a:r>
+              <a:rPr lang="ja-JP" altLang="en-US" smtClean="0"/>
+              <a:t>第 </a:t>
+            </a:r>
+            <a:r>
+              <a:rPr lang="en-US" altLang="ja-JP" smtClean="0"/>
+              <a:t>4 </a:t>
+            </a:r>
+            <a:r>
+              <a:rPr lang="ja-JP" altLang="en-US" smtClean="0"/>
+              <a:t>レベル</a:t>
+            </a:r>
+          </a:p>
+          <a:p>
+            <a:pPr lvl="4"/>
+            <a:r>
+              <a:rPr lang="ja-JP" altLang="en-US" smtClean="0"/>
+              <a:t>第 </a:t>
+            </a:r>
+            <a:r>
+              <a:rPr lang="en-US" altLang="ja-JP" smtClean="0"/>
+              <a:t>5 </a:t>
+            </a:r>
+            <a:r>
+              <a:rPr lang="ja-JP" altLang="en-US" smtClean="0"/>
+              <a:t>レベル</a:t>
+            </a:r>
+            <a:endParaRPr lang="en-US" dirty="0"/>
+          </a:p>
+        </p:txBody>
+      </p:sp>
+      <p:sp>
+        <p:nvSpPr>
+          <p:cNvPr id="5" name="Date Placeholder 4"/>
+          <p:cNvSpPr>
+            <a:spLocks noGrp="1"/>
+          </p:cNvSpPr>
+          <p:nvPr>
+            <p:ph type="dt" sz="half" idx="10"/>
+          </p:nvPr>
+        </p:nvSpPr>
+        <p:spPr/>
+        <p:txBody>
+          <a:bodyPr/>
+          <a:lstStyle/>
+          <a:p>
+            <a:fld id="{1E35631C-BEBB-4154-876E-7690D34F1DC8}" type="datetime1">
               <a:rPr kumimoji="1" lang="ja-JP" altLang="en-US" smtClean="0"/>
-              <a:t>マスター テキストの書式設定</a:t>
-            </a:r>
-          </a:p>
-          <a:p>
-            <a:pPr lvl="1"/>
-            <a:r>
-              <a:rPr kumimoji="1" lang="ja-JP" altLang="en-US" smtClean="0"/>
-              <a:t>第 </a:t>
-            </a:r>
-            <a:r>
-              <a:rPr kumimoji="1" lang="en-US" altLang="ja-JP" smtClean="0"/>
-              <a:t>2 </a:t>
-            </a:r>
-            <a:r>
-              <a:rPr kumimoji="1" lang="ja-JP" altLang="en-US" smtClean="0"/>
-              <a:t>レベル</a:t>
-            </a:r>
-          </a:p>
-          <a:p>
-            <a:pPr lvl="2"/>
-            <a:r>
-              <a:rPr kumimoji="1" lang="ja-JP" altLang="en-US" smtClean="0"/>
-              <a:t>第 </a:t>
-            </a:r>
-            <a:r>
-              <a:rPr kumimoji="1" lang="en-US" altLang="ja-JP" smtClean="0"/>
-              <a:t>3 </a:t>
-            </a:r>
-            <a:r>
-              <a:rPr kumimoji="1" lang="ja-JP" altLang="en-US" smtClean="0"/>
-              <a:t>レベル</a:t>
-            </a:r>
-          </a:p>
-          <a:p>
-            <a:pPr lvl="3"/>
-            <a:r>
-              <a:rPr kumimoji="1" lang="ja-JP" altLang="en-US" smtClean="0"/>
-              <a:t>第 </a:t>
-            </a:r>
-            <a:r>
-              <a:rPr kumimoji="1" lang="en-US" altLang="ja-JP" smtClean="0"/>
-              <a:t>4 </a:t>
-            </a:r>
-            <a:r>
-              <a:rPr kumimoji="1" lang="ja-JP" altLang="en-US" smtClean="0"/>
-              <a:t>レベル</a:t>
-            </a:r>
-          </a:p>
-          <a:p>
-            <a:pPr lvl="4"/>
-            <a:r>
-              <a:rPr kumimoji="1" lang="ja-JP" altLang="en-US" smtClean="0"/>
-              <a:t>第 </a:t>
-            </a:r>
-            <a:r>
-              <a:rPr kumimoji="1" lang="en-US" altLang="ja-JP" smtClean="0"/>
-              <a:t>5 </a:t>
-            </a:r>
-            <a:r>
-              <a:rPr kumimoji="1" lang="ja-JP" altLang="en-US" smtClean="0"/>
-              <a:t>レベル</a:t>
-            </a:r>
-            <a:endParaRPr kumimoji="1" lang="ja-JP" altLang="en-US"/>
-          </a:p>
-        </p:txBody>
-      </p:sp>
-      <p:sp>
-        <p:nvSpPr>
-          <p:cNvPr id="5" name="日付プレースホルダー 4"/>
-          <p:cNvSpPr>
-            <a:spLocks noGrp="1"/>
-          </p:cNvSpPr>
-          <p:nvPr>
-            <p:ph type="dt" sz="half" idx="10"/>
-          </p:nvPr>
-        </p:nvSpPr>
-        <p:spPr/>
-        <p:txBody>
-          <a:bodyPr/>
-          <a:lstStyle/>
-          <a:p>
-            <a:fld id="{80D73B06-1F8F-4F1F-A43F-36245BD6E61F}" type="datetimeFigureOut">
-              <a:rPr kumimoji="1" lang="ja-JP" altLang="en-US" smtClean="0"/>
-              <a:t>2021/5/12</a:t>
+              <a:t>2021/6/4</a:t>
             </a:fld>
             <a:endParaRPr kumimoji="1" lang="ja-JP" altLang="en-US"/>
           </a:p>
@@ -1406,7 +1797,7 @@
       </p:sp>
       <p:sp>
         <p:nvSpPr>
-          <p:cNvPr id="6" name="フッター プレースホルダー 5"/>
+          <p:cNvPr id="6" name="Footer Placeholder 5"/>
           <p:cNvSpPr>
             <a:spLocks noGrp="1"/>
           </p:cNvSpPr>
@@ -1425,7 +1816,7 @@
       </p:sp>
       <p:sp>
         <p:nvSpPr>
-          <p:cNvPr id="7" name="スライド番号プレースホルダー 6"/>
+          <p:cNvPr id="7" name="Slide Number Placeholder 6"/>
           <p:cNvSpPr>
             <a:spLocks noGrp="1"/>
           </p:cNvSpPr>
@@ -1449,7 +1840,7 @@
     </p:spTree>
     <p:extLst>
       <p:ext uri="{BB962C8B-B14F-4D97-AF65-F5344CB8AC3E}">
-        <p14:creationId xmlns:p14="http://schemas.microsoft.com/office/powerpoint/2010/main" val="758171363"/>
+        <p14:creationId xmlns:p14="http://schemas.microsoft.com/office/powerpoint/2010/main" val="56950872"/>
       </p:ext>
     </p:extLst>
   </p:cSld>
@@ -1478,7 +1869,7 @@
       </p:grpSpPr>
       <p:sp>
         <p:nvSpPr>
-          <p:cNvPr id="2" name="タイトル 1"/>
+          <p:cNvPr id="2" name="Title 1"/>
           <p:cNvSpPr>
             <a:spLocks noGrp="1"/>
           </p:cNvSpPr>
@@ -1488,8 +1879,8 @@
         </p:nvSpPr>
         <p:spPr>
           <a:xfrm>
-            <a:off x="839788" y="365125"/>
-            <a:ext cx="10515600" cy="1325563"/>
+            <a:off x="629841" y="365126"/>
+            <a:ext cx="7886700" cy="1325563"/>
           </a:xfrm>
         </p:spPr>
         <p:txBody>
@@ -1497,16 +1888,16 @@
           <a:lstStyle/>
           <a:p>
             <a:r>
-              <a:rPr kumimoji="1" lang="ja-JP" altLang="en-US" smtClean="0"/>
+              <a:rPr lang="ja-JP" altLang="en-US" smtClean="0"/>
               <a:t>マスター タイトルの書式設定</a:t>
             </a:r>
-            <a:endParaRPr kumimoji="1" lang="ja-JP" altLang="en-US"/>
-          </a:p>
-        </p:txBody>
-      </p:sp>
-      <p:sp>
-        <p:nvSpPr>
-          <p:cNvPr id="3" name="テキスト プレースホルダー 2"/>
+            <a:endParaRPr lang="en-US" dirty="0"/>
+          </a:p>
+        </p:txBody>
+      </p:sp>
+      <p:sp>
+        <p:nvSpPr>
+          <p:cNvPr id="3" name="Text Placeholder 2"/>
           <p:cNvSpPr>
             <a:spLocks noGrp="1"/>
           </p:cNvSpPr>
@@ -1516,8 +1907,8 @@
         </p:nvSpPr>
         <p:spPr>
           <a:xfrm>
-            <a:off x="839788" y="1681163"/>
-            <a:ext cx="5157787" cy="823912"/>
+            <a:off x="629842" y="1681163"/>
+            <a:ext cx="3868340" cy="823912"/>
           </a:xfrm>
         </p:spPr>
         <p:txBody>
@@ -1563,7 +1954,7 @@
           <a:p>
             <a:pPr lvl="0"/>
             <a:r>
-              <a:rPr kumimoji="1" lang="ja-JP" altLang="en-US" smtClean="0"/>
+              <a:rPr lang="ja-JP" altLang="en-US" smtClean="0"/>
               <a:t>マスター テキストの書式設定</a:t>
             </a:r>
           </a:p>
@@ -1571,7 +1962,7 @@
       </p:sp>
       <p:sp>
         <p:nvSpPr>
-          <p:cNvPr id="4" name="コンテンツ プレースホルダー 3"/>
+          <p:cNvPr id="4" name="Content Placeholder 3"/>
           <p:cNvSpPr>
             <a:spLocks noGrp="1"/>
           </p:cNvSpPr>
@@ -1581,8 +1972,8 @@
         </p:nvSpPr>
         <p:spPr>
           <a:xfrm>
-            <a:off x="839788" y="2505075"/>
-            <a:ext cx="5157787" cy="3684588"/>
+            <a:off x="629842" y="2505075"/>
+            <a:ext cx="3868340" cy="3684588"/>
           </a:xfrm>
         </p:spPr>
         <p:txBody>
@@ -1591,76 +1982,76 @@
           <a:p>
             <a:pPr lvl="0"/>
             <a:r>
-              <a:rPr kumimoji="1" lang="ja-JP" altLang="en-US" smtClean="0"/>
+              <a:rPr lang="ja-JP" altLang="en-US" smtClean="0"/>
               <a:t>マスター テキストの書式設定</a:t>
             </a:r>
           </a:p>
           <a:p>
             <a:pPr lvl="1"/>
             <a:r>
-              <a:rPr kumimoji="1" lang="ja-JP" altLang="en-US" smtClean="0"/>
+              <a:rPr lang="ja-JP" altLang="en-US" smtClean="0"/>
               <a:t>第 </a:t>
             </a:r>
             <a:r>
-              <a:rPr kumimoji="1" lang="en-US" altLang="ja-JP" smtClean="0"/>
+              <a:rPr lang="en-US" altLang="ja-JP" smtClean="0"/>
               <a:t>2 </a:t>
             </a:r>
             <a:r>
-              <a:rPr kumimoji="1" lang="ja-JP" altLang="en-US" smtClean="0"/>
+              <a:rPr lang="ja-JP" altLang="en-US" smtClean="0"/>
               <a:t>レベル</a:t>
             </a:r>
           </a:p>
           <a:p>
             <a:pPr lvl="2"/>
             <a:r>
-              <a:rPr kumimoji="1" lang="ja-JP" altLang="en-US" smtClean="0"/>
+              <a:rPr lang="ja-JP" altLang="en-US" smtClean="0"/>
               <a:t>第 </a:t>
             </a:r>
             <a:r>
-              <a:rPr kumimoji="1" lang="en-US" altLang="ja-JP" smtClean="0"/>
+              <a:rPr lang="en-US" altLang="ja-JP" smtClean="0"/>
               <a:t>3 </a:t>
             </a:r>
             <a:r>
-              <a:rPr kumimoji="1" lang="ja-JP" altLang="en-US" smtClean="0"/>
+              <a:rPr lang="ja-JP" altLang="en-US" smtClean="0"/>
               <a:t>レベル</a:t>
             </a:r>
           </a:p>
           <a:p>
             <a:pPr lvl="3"/>
             <a:r>
-              <a:rPr kumimoji="1" lang="ja-JP" altLang="en-US" smtClean="0"/>
+              <a:rPr lang="ja-JP" altLang="en-US" smtClean="0"/>
               <a:t>第 </a:t>
             </a:r>
             <a:r>
-              <a:rPr kumimoji="1" lang="en-US" altLang="ja-JP" smtClean="0"/>
+              <a:rPr lang="en-US" altLang="ja-JP" smtClean="0"/>
               <a:t>4 </a:t>
             </a:r>
             <a:r>
-              <a:rPr kumimoji="1" lang="ja-JP" altLang="en-US" smtClean="0"/>
+              <a:rPr lang="ja-JP" altLang="en-US" smtClean="0"/>
               <a:t>レベル</a:t>
             </a:r>
           </a:p>
           <a:p>
             <a:pPr lvl="4"/>
             <a:r>
-              <a:rPr kumimoji="1" lang="ja-JP" altLang="en-US" smtClean="0"/>
+              <a:rPr lang="ja-JP" altLang="en-US" smtClean="0"/>
               <a:t>第 </a:t>
             </a:r>
             <a:r>
-              <a:rPr kumimoji="1" lang="en-US" altLang="ja-JP" smtClean="0"/>
+              <a:rPr lang="en-US" altLang="ja-JP" smtClean="0"/>
               <a:t>5 </a:t>
             </a:r>
             <a:r>
-              <a:rPr kumimoji="1" lang="ja-JP" altLang="en-US" smtClean="0"/>
+              <a:rPr lang="ja-JP" altLang="en-US" smtClean="0"/>
               <a:t>レベル</a:t>
             </a:r>
-            <a:endParaRPr kumimoji="1" lang="ja-JP" altLang="en-US"/>
-          </a:p>
-        </p:txBody>
-      </p:sp>
-      <p:sp>
-        <p:nvSpPr>
-          <p:cNvPr id="5" name="テキスト プレースホルダー 4"/>
+            <a:endParaRPr lang="en-US" dirty="0"/>
+          </a:p>
+        </p:txBody>
+      </p:sp>
+      <p:sp>
+        <p:nvSpPr>
+          <p:cNvPr id="5" name="Text Placeholder 4"/>
           <p:cNvSpPr>
             <a:spLocks noGrp="1"/>
           </p:cNvSpPr>
@@ -1670,8 +2061,8 @@
         </p:nvSpPr>
         <p:spPr>
           <a:xfrm>
-            <a:off x="6172200" y="1681163"/>
-            <a:ext cx="5183188" cy="823912"/>
+            <a:off x="4629150" y="1681163"/>
+            <a:ext cx="3887391" cy="823912"/>
           </a:xfrm>
         </p:spPr>
         <p:txBody>
@@ -1717,7 +2108,7 @@
           <a:p>
             <a:pPr lvl="0"/>
             <a:r>
-              <a:rPr kumimoji="1" lang="ja-JP" altLang="en-US" smtClean="0"/>
+              <a:rPr lang="ja-JP" altLang="en-US" smtClean="0"/>
               <a:t>マスター テキストの書式設定</a:t>
             </a:r>
           </a:p>
@@ -1725,7 +2116,7 @@
       </p:sp>
       <p:sp>
         <p:nvSpPr>
-          <p:cNvPr id="6" name="コンテンツ プレースホルダー 5"/>
+          <p:cNvPr id="6" name="Content Placeholder 5"/>
           <p:cNvSpPr>
             <a:spLocks noGrp="1"/>
           </p:cNvSpPr>
@@ -1735,8 +2126,8 @@
         </p:nvSpPr>
         <p:spPr>
           <a:xfrm>
-            <a:off x="6172200" y="2505075"/>
-            <a:ext cx="5183188" cy="3684588"/>
+            <a:off x="4629150" y="2505075"/>
+            <a:ext cx="3887391" cy="3684588"/>
           </a:xfrm>
         </p:spPr>
         <p:txBody>
@@ -1745,91 +2136,91 @@
           <a:p>
             <a:pPr lvl="0"/>
             <a:r>
+              <a:rPr lang="ja-JP" altLang="en-US" smtClean="0"/>
+              <a:t>マスター テキストの書式設定</a:t>
+            </a:r>
+          </a:p>
+          <a:p>
+            <a:pPr lvl="1"/>
+            <a:r>
+              <a:rPr lang="ja-JP" altLang="en-US" smtClean="0"/>
+              <a:t>第 </a:t>
+            </a:r>
+            <a:r>
+              <a:rPr lang="en-US" altLang="ja-JP" smtClean="0"/>
+              <a:t>2 </a:t>
+            </a:r>
+            <a:r>
+              <a:rPr lang="ja-JP" altLang="en-US" smtClean="0"/>
+              <a:t>レベル</a:t>
+            </a:r>
+          </a:p>
+          <a:p>
+            <a:pPr lvl="2"/>
+            <a:r>
+              <a:rPr lang="ja-JP" altLang="en-US" smtClean="0"/>
+              <a:t>第 </a:t>
+            </a:r>
+            <a:r>
+              <a:rPr lang="en-US" altLang="ja-JP" smtClean="0"/>
+              <a:t>3 </a:t>
+            </a:r>
+            <a:r>
+              <a:rPr lang="ja-JP" altLang="en-US" smtClean="0"/>
+              <a:t>レベル</a:t>
+            </a:r>
+          </a:p>
+          <a:p>
+            <a:pPr lvl="3"/>
+            <a:r>
+              <a:rPr lang="ja-JP" altLang="en-US" smtClean="0"/>
+              <a:t>第 </a:t>
+            </a:r>
+            <a:r>
+              <a:rPr lang="en-US" altLang="ja-JP" smtClean="0"/>
+              <a:t>4 </a:t>
+            </a:r>
+            <a:r>
+              <a:rPr lang="ja-JP" altLang="en-US" smtClean="0"/>
+              <a:t>レベル</a:t>
+            </a:r>
+          </a:p>
+          <a:p>
+            <a:pPr lvl="4"/>
+            <a:r>
+              <a:rPr lang="ja-JP" altLang="en-US" smtClean="0"/>
+              <a:t>第 </a:t>
+            </a:r>
+            <a:r>
+              <a:rPr lang="en-US" altLang="ja-JP" smtClean="0"/>
+              <a:t>5 </a:t>
+            </a:r>
+            <a:r>
+              <a:rPr lang="ja-JP" altLang="en-US" smtClean="0"/>
+              <a:t>レベル</a:t>
+            </a:r>
+            <a:endParaRPr lang="en-US" dirty="0"/>
+          </a:p>
+        </p:txBody>
+      </p:sp>
+      <p:sp>
+        <p:nvSpPr>
+          <p:cNvPr id="7" name="Date Placeholder 6"/>
+          <p:cNvSpPr>
+            <a:spLocks noGrp="1"/>
+          </p:cNvSpPr>
+          <p:nvPr>
+            <p:ph type="dt" sz="half" idx="10"/>
+          </p:nvPr>
+        </p:nvSpPr>
+        <p:spPr/>
+        <p:txBody>
+          <a:bodyPr/>
+          <a:lstStyle/>
+          <a:p>
+            <a:fld id="{61CCA7E4-DD06-47A6-A9BF-5514CFA3738D}" type="datetime1">
               <a:rPr kumimoji="1" lang="ja-JP" altLang="en-US" smtClean="0"/>
-              <a:t>マスター テキストの書式設定</a:t>
-            </a:r>
-          </a:p>
-          <a:p>
-            <a:pPr lvl="1"/>
-            <a:r>
-              <a:rPr kumimoji="1" lang="ja-JP" altLang="en-US" smtClean="0"/>
-              <a:t>第 </a:t>
-            </a:r>
-            <a:r>
-              <a:rPr kumimoji="1" lang="en-US" altLang="ja-JP" smtClean="0"/>
-              <a:t>2 </a:t>
-            </a:r>
-            <a:r>
-              <a:rPr kumimoji="1" lang="ja-JP" altLang="en-US" smtClean="0"/>
-              <a:t>レベル</a:t>
-            </a:r>
-          </a:p>
-          <a:p>
-            <a:pPr lvl="2"/>
-            <a:r>
-              <a:rPr kumimoji="1" lang="ja-JP" altLang="en-US" smtClean="0"/>
-              <a:t>第 </a:t>
-            </a:r>
-            <a:r>
-              <a:rPr kumimoji="1" lang="en-US" altLang="ja-JP" smtClean="0"/>
-              <a:t>3 </a:t>
-            </a:r>
-            <a:r>
-              <a:rPr kumimoji="1" lang="ja-JP" altLang="en-US" smtClean="0"/>
-              <a:t>レベル</a:t>
-            </a:r>
-          </a:p>
-          <a:p>
-            <a:pPr lvl="3"/>
-            <a:r>
-              <a:rPr kumimoji="1" lang="ja-JP" altLang="en-US" smtClean="0"/>
-              <a:t>第 </a:t>
-            </a:r>
-            <a:r>
-              <a:rPr kumimoji="1" lang="en-US" altLang="ja-JP" smtClean="0"/>
-              <a:t>4 </a:t>
-            </a:r>
-            <a:r>
-              <a:rPr kumimoji="1" lang="ja-JP" altLang="en-US" smtClean="0"/>
-              <a:t>レベル</a:t>
-            </a:r>
-          </a:p>
-          <a:p>
-            <a:pPr lvl="4"/>
-            <a:r>
-              <a:rPr kumimoji="1" lang="ja-JP" altLang="en-US" smtClean="0"/>
-              <a:t>第 </a:t>
-            </a:r>
-            <a:r>
-              <a:rPr kumimoji="1" lang="en-US" altLang="ja-JP" smtClean="0"/>
-              <a:t>5 </a:t>
-            </a:r>
-            <a:r>
-              <a:rPr kumimoji="1" lang="ja-JP" altLang="en-US" smtClean="0"/>
-              <a:t>レベル</a:t>
-            </a:r>
-            <a:endParaRPr kumimoji="1" lang="ja-JP" altLang="en-US"/>
-          </a:p>
-        </p:txBody>
-      </p:sp>
-      <p:sp>
-        <p:nvSpPr>
-          <p:cNvPr id="7" name="日付プレースホルダー 6"/>
-          <p:cNvSpPr>
-            <a:spLocks noGrp="1"/>
-          </p:cNvSpPr>
-          <p:nvPr>
-            <p:ph type="dt" sz="half" idx="10"/>
-          </p:nvPr>
-        </p:nvSpPr>
-        <p:spPr/>
-        <p:txBody>
-          <a:bodyPr/>
-          <a:lstStyle/>
-          <a:p>
-            <a:fld id="{80D73B06-1F8F-4F1F-A43F-36245BD6E61F}" type="datetimeFigureOut">
-              <a:rPr kumimoji="1" lang="ja-JP" altLang="en-US" smtClean="0"/>
-              <a:t>2021/5/12</a:t>
+              <a:t>2021/6/4</a:t>
             </a:fld>
             <a:endParaRPr kumimoji="1" lang="ja-JP" altLang="en-US"/>
           </a:p>
@@ -1837,7 +2228,7 @@
       </p:sp>
       <p:sp>
         <p:nvSpPr>
-          <p:cNvPr id="8" name="フッター プレースホルダー 7"/>
+          <p:cNvPr id="8" name="Footer Placeholder 7"/>
           <p:cNvSpPr>
             <a:spLocks noGrp="1"/>
           </p:cNvSpPr>
@@ -1856,7 +2247,7 @@
       </p:sp>
       <p:sp>
         <p:nvSpPr>
-          <p:cNvPr id="9" name="スライド番号プレースホルダー 8"/>
+          <p:cNvPr id="9" name="Slide Number Placeholder 8"/>
           <p:cNvSpPr>
             <a:spLocks noGrp="1"/>
           </p:cNvSpPr>
@@ -1880,7 +2271,7 @@
     </p:spTree>
     <p:extLst>
       <p:ext uri="{BB962C8B-B14F-4D97-AF65-F5344CB8AC3E}">
-        <p14:creationId xmlns:p14="http://schemas.microsoft.com/office/powerpoint/2010/main" val="3980768130"/>
+        <p14:creationId xmlns:p14="http://schemas.microsoft.com/office/powerpoint/2010/main" val="4263307134"/>
       </p:ext>
     </p:extLst>
   </p:cSld>
@@ -1909,7 +2300,7 @@
       </p:grpSpPr>
       <p:sp>
         <p:nvSpPr>
-          <p:cNvPr id="2" name="タイトル 1"/>
+          <p:cNvPr id="2" name="Title 1"/>
           <p:cNvSpPr>
             <a:spLocks noGrp="1"/>
           </p:cNvSpPr>
@@ -1923,31 +2314,31 @@
           <a:lstStyle/>
           <a:p>
             <a:r>
+              <a:rPr lang="ja-JP" altLang="en-US" smtClean="0"/>
+              <a:t>マスター タイトルの書式設定</a:t>
+            </a:r>
+            <a:endParaRPr lang="en-US" dirty="0"/>
+          </a:p>
+        </p:txBody>
+      </p:sp>
+      <p:sp>
+        <p:nvSpPr>
+          <p:cNvPr id="3" name="Date Placeholder 2"/>
+          <p:cNvSpPr>
+            <a:spLocks noGrp="1"/>
+          </p:cNvSpPr>
+          <p:nvPr>
+            <p:ph type="dt" sz="half" idx="10"/>
+          </p:nvPr>
+        </p:nvSpPr>
+        <p:spPr/>
+        <p:txBody>
+          <a:bodyPr/>
+          <a:lstStyle/>
+          <a:p>
+            <a:fld id="{C2D7ACD4-93BF-456B-9C65-6572D2D89EFB}" type="datetime1">
               <a:rPr kumimoji="1" lang="ja-JP" altLang="en-US" smtClean="0"/>
-              <a:t>マスター タイトルの書式設定</a:t>
-            </a:r>
-            <a:endParaRPr kumimoji="1" lang="ja-JP" altLang="en-US"/>
-          </a:p>
-        </p:txBody>
-      </p:sp>
-      <p:sp>
-        <p:nvSpPr>
-          <p:cNvPr id="3" name="日付プレースホルダー 2"/>
-          <p:cNvSpPr>
-            <a:spLocks noGrp="1"/>
-          </p:cNvSpPr>
-          <p:nvPr>
-            <p:ph type="dt" sz="half" idx="10"/>
-          </p:nvPr>
-        </p:nvSpPr>
-        <p:spPr/>
-        <p:txBody>
-          <a:bodyPr/>
-          <a:lstStyle/>
-          <a:p>
-            <a:fld id="{80D73B06-1F8F-4F1F-A43F-36245BD6E61F}" type="datetimeFigureOut">
-              <a:rPr kumimoji="1" lang="ja-JP" altLang="en-US" smtClean="0"/>
-              <a:t>2021/5/12</a:t>
+              <a:t>2021/6/4</a:t>
             </a:fld>
             <a:endParaRPr kumimoji="1" lang="ja-JP" altLang="en-US"/>
           </a:p>
@@ -1955,7 +2346,7 @@
       </p:sp>
       <p:sp>
         <p:nvSpPr>
-          <p:cNvPr id="4" name="フッター プレースホルダー 3"/>
+          <p:cNvPr id="4" name="Footer Placeholder 3"/>
           <p:cNvSpPr>
             <a:spLocks noGrp="1"/>
           </p:cNvSpPr>
@@ -1974,7 +2365,7 @@
       </p:sp>
       <p:sp>
         <p:nvSpPr>
-          <p:cNvPr id="5" name="スライド番号プレースホルダー 4"/>
+          <p:cNvPr id="5" name="Slide Number Placeholder 4"/>
           <p:cNvSpPr>
             <a:spLocks noGrp="1"/>
           </p:cNvSpPr>
@@ -1998,7 +2389,7 @@
     </p:spTree>
     <p:extLst>
       <p:ext uri="{BB962C8B-B14F-4D97-AF65-F5344CB8AC3E}">
-        <p14:creationId xmlns:p14="http://schemas.microsoft.com/office/powerpoint/2010/main" val="2161240417"/>
+        <p14:creationId xmlns:p14="http://schemas.microsoft.com/office/powerpoint/2010/main" val="161924024"/>
       </p:ext>
     </p:extLst>
   </p:cSld>
@@ -2027,7 +2418,7 @@
       </p:grpSpPr>
       <p:sp>
         <p:nvSpPr>
-          <p:cNvPr id="2" name="日付プレースホルダー 1"/>
+          <p:cNvPr id="2" name="Date Placeholder 1"/>
           <p:cNvSpPr>
             <a:spLocks noGrp="1"/>
           </p:cNvSpPr>
@@ -2040,9 +2431,9 @@
           <a:bodyPr/>
           <a:lstStyle/>
           <a:p>
-            <a:fld id="{80D73B06-1F8F-4F1F-A43F-36245BD6E61F}" type="datetimeFigureOut">
+            <a:fld id="{E6E063D4-91D8-4B21-9A43-6932836FF006}" type="datetime1">
               <a:rPr kumimoji="1" lang="ja-JP" altLang="en-US" smtClean="0"/>
-              <a:t>2021/5/12</a:t>
+              <a:t>2021/6/4</a:t>
             </a:fld>
             <a:endParaRPr kumimoji="1" lang="ja-JP" altLang="en-US"/>
           </a:p>
@@ -2050,7 +2441,7 @@
       </p:sp>
       <p:sp>
         <p:nvSpPr>
-          <p:cNvPr id="3" name="フッター プレースホルダー 2"/>
+          <p:cNvPr id="3" name="Footer Placeholder 2"/>
           <p:cNvSpPr>
             <a:spLocks noGrp="1"/>
           </p:cNvSpPr>
@@ -2069,7 +2460,7 @@
       </p:sp>
       <p:sp>
         <p:nvSpPr>
-          <p:cNvPr id="4" name="スライド番号プレースホルダー 3"/>
+          <p:cNvPr id="4" name="Slide Number Placeholder 3"/>
           <p:cNvSpPr>
             <a:spLocks noGrp="1"/>
           </p:cNvSpPr>
@@ -2093,7 +2484,7 @@
     </p:spTree>
     <p:extLst>
       <p:ext uri="{BB962C8B-B14F-4D97-AF65-F5344CB8AC3E}">
-        <p14:creationId xmlns:p14="http://schemas.microsoft.com/office/powerpoint/2010/main" val="3947316665"/>
+        <p14:creationId xmlns:p14="http://schemas.microsoft.com/office/powerpoint/2010/main" val="2375857387"/>
       </p:ext>
     </p:extLst>
   </p:cSld>
@@ -2122,7 +2513,7 @@
       </p:grpSpPr>
       <p:sp>
         <p:nvSpPr>
-          <p:cNvPr id="2" name="タイトル 1"/>
+          <p:cNvPr id="2" name="Title 1"/>
           <p:cNvSpPr>
             <a:spLocks noGrp="1"/>
           </p:cNvSpPr>
@@ -2132,8 +2523,8 @@
         </p:nvSpPr>
         <p:spPr>
           <a:xfrm>
-            <a:off x="839788" y="457200"/>
-            <a:ext cx="3932237" cy="1600200"/>
+            <a:off x="629841" y="457200"/>
+            <a:ext cx="2949178" cy="1600200"/>
           </a:xfrm>
         </p:spPr>
         <p:txBody>
@@ -2145,16 +2536,16 @@
           </a:lstStyle>
           <a:p>
             <a:r>
-              <a:rPr kumimoji="1" lang="ja-JP" altLang="en-US" smtClean="0"/>
+              <a:rPr lang="ja-JP" altLang="en-US" smtClean="0"/>
               <a:t>マスター タイトルの書式設定</a:t>
             </a:r>
-            <a:endParaRPr kumimoji="1" lang="ja-JP" altLang="en-US"/>
-          </a:p>
-        </p:txBody>
-      </p:sp>
-      <p:sp>
-        <p:nvSpPr>
-          <p:cNvPr id="3" name="コンテンツ プレースホルダー 2"/>
+            <a:endParaRPr lang="en-US" dirty="0"/>
+          </a:p>
+        </p:txBody>
+      </p:sp>
+      <p:sp>
+        <p:nvSpPr>
+          <p:cNvPr id="3" name="Content Placeholder 2"/>
           <p:cNvSpPr>
             <a:spLocks noGrp="1"/>
           </p:cNvSpPr>
@@ -2164,8 +2555,8 @@
         </p:nvSpPr>
         <p:spPr>
           <a:xfrm>
-            <a:off x="5183188" y="987425"/>
-            <a:ext cx="6172200" cy="4873625"/>
+            <a:off x="3887391" y="987426"/>
+            <a:ext cx="4629150" cy="4873625"/>
           </a:xfrm>
         </p:spPr>
         <p:txBody>
@@ -2202,76 +2593,76 @@
           <a:p>
             <a:pPr lvl="0"/>
             <a:r>
-              <a:rPr kumimoji="1" lang="ja-JP" altLang="en-US" smtClean="0"/>
+              <a:rPr lang="ja-JP" altLang="en-US" smtClean="0"/>
               <a:t>マスター テキストの書式設定</a:t>
             </a:r>
           </a:p>
           <a:p>
             <a:pPr lvl="1"/>
             <a:r>
-              <a:rPr kumimoji="1" lang="ja-JP" altLang="en-US" smtClean="0"/>
+              <a:rPr lang="ja-JP" altLang="en-US" smtClean="0"/>
               <a:t>第 </a:t>
             </a:r>
             <a:r>
-              <a:rPr kumimoji="1" lang="en-US" altLang="ja-JP" smtClean="0"/>
+              <a:rPr lang="en-US" altLang="ja-JP" smtClean="0"/>
               <a:t>2 </a:t>
             </a:r>
             <a:r>
-              <a:rPr kumimoji="1" lang="ja-JP" altLang="en-US" smtClean="0"/>
+              <a:rPr lang="ja-JP" altLang="en-US" smtClean="0"/>
               <a:t>レベル</a:t>
             </a:r>
           </a:p>
           <a:p>
             <a:pPr lvl="2"/>
             <a:r>
-              <a:rPr kumimoji="1" lang="ja-JP" altLang="en-US" smtClean="0"/>
+              <a:rPr lang="ja-JP" altLang="en-US" smtClean="0"/>
               <a:t>第 </a:t>
             </a:r>
             <a:r>
-              <a:rPr kumimoji="1" lang="en-US" altLang="ja-JP" smtClean="0"/>
+              <a:rPr lang="en-US" altLang="ja-JP" smtClean="0"/>
               <a:t>3 </a:t>
             </a:r>
             <a:r>
-              <a:rPr kumimoji="1" lang="ja-JP" altLang="en-US" smtClean="0"/>
+              <a:rPr lang="ja-JP" altLang="en-US" smtClean="0"/>
               <a:t>レベル</a:t>
             </a:r>
           </a:p>
           <a:p>
             <a:pPr lvl="3"/>
             <a:r>
-              <a:rPr kumimoji="1" lang="ja-JP" altLang="en-US" smtClean="0"/>
+              <a:rPr lang="ja-JP" altLang="en-US" smtClean="0"/>
               <a:t>第 </a:t>
             </a:r>
             <a:r>
-              <a:rPr kumimoji="1" lang="en-US" altLang="ja-JP" smtClean="0"/>
+              <a:rPr lang="en-US" altLang="ja-JP" smtClean="0"/>
               <a:t>4 </a:t>
             </a:r>
             <a:r>
-              <a:rPr kumimoji="1" lang="ja-JP" altLang="en-US" smtClean="0"/>
+              <a:rPr lang="ja-JP" altLang="en-US" smtClean="0"/>
               <a:t>レベル</a:t>
             </a:r>
           </a:p>
           <a:p>
             <a:pPr lvl="4"/>
             <a:r>
-              <a:rPr kumimoji="1" lang="ja-JP" altLang="en-US" smtClean="0"/>
+              <a:rPr lang="ja-JP" altLang="en-US" smtClean="0"/>
               <a:t>第 </a:t>
             </a:r>
             <a:r>
-              <a:rPr kumimoji="1" lang="en-US" altLang="ja-JP" smtClean="0"/>
+              <a:rPr lang="en-US" altLang="ja-JP" smtClean="0"/>
               <a:t>5 </a:t>
             </a:r>
             <a:r>
-              <a:rPr kumimoji="1" lang="ja-JP" altLang="en-US" smtClean="0"/>
+              <a:rPr lang="ja-JP" altLang="en-US" smtClean="0"/>
               <a:t>レベル</a:t>
             </a:r>
-            <a:endParaRPr kumimoji="1" lang="ja-JP" altLang="en-US"/>
-          </a:p>
-        </p:txBody>
-      </p:sp>
-      <p:sp>
-        <p:nvSpPr>
-          <p:cNvPr id="4" name="テキスト プレースホルダー 3"/>
+            <a:endParaRPr lang="en-US" dirty="0"/>
+          </a:p>
+        </p:txBody>
+      </p:sp>
+      <p:sp>
+        <p:nvSpPr>
+          <p:cNvPr id="4" name="Text Placeholder 3"/>
           <p:cNvSpPr>
             <a:spLocks noGrp="1"/>
           </p:cNvSpPr>
@@ -2281,8 +2672,8 @@
         </p:nvSpPr>
         <p:spPr>
           <a:xfrm>
-            <a:off x="839788" y="2057400"/>
-            <a:ext cx="3932237" cy="3811588"/>
+            <a:off x="629841" y="2057400"/>
+            <a:ext cx="2949178" cy="3811588"/>
           </a:xfrm>
         </p:spPr>
         <p:txBody>
@@ -2328,30 +2719,30 @@
           <a:p>
             <a:pPr lvl="0"/>
             <a:r>
+              <a:rPr lang="ja-JP" altLang="en-US" smtClean="0"/>
+              <a:t>マスター テキストの書式設定</a:t>
+            </a:r>
+          </a:p>
+        </p:txBody>
+      </p:sp>
+      <p:sp>
+        <p:nvSpPr>
+          <p:cNvPr id="5" name="Date Placeholder 4"/>
+          <p:cNvSpPr>
+            <a:spLocks noGrp="1"/>
+          </p:cNvSpPr>
+          <p:nvPr>
+            <p:ph type="dt" sz="half" idx="10"/>
+          </p:nvPr>
+        </p:nvSpPr>
+        <p:spPr/>
+        <p:txBody>
+          <a:bodyPr/>
+          <a:lstStyle/>
+          <a:p>
+            <a:fld id="{2CE8BC5D-8696-4761-A671-A859DD02E086}" type="datetime1">
               <a:rPr kumimoji="1" lang="ja-JP" altLang="en-US" smtClean="0"/>
-              <a:t>マスター テキストの書式設定</a:t>
-            </a:r>
-          </a:p>
-        </p:txBody>
-      </p:sp>
-      <p:sp>
-        <p:nvSpPr>
-          <p:cNvPr id="5" name="日付プレースホルダー 4"/>
-          <p:cNvSpPr>
-            <a:spLocks noGrp="1"/>
-          </p:cNvSpPr>
-          <p:nvPr>
-            <p:ph type="dt" sz="half" idx="10"/>
-          </p:nvPr>
-        </p:nvSpPr>
-        <p:spPr/>
-        <p:txBody>
-          <a:bodyPr/>
-          <a:lstStyle/>
-          <a:p>
-            <a:fld id="{80D73B06-1F8F-4F1F-A43F-36245BD6E61F}" type="datetimeFigureOut">
-              <a:rPr kumimoji="1" lang="ja-JP" altLang="en-US" smtClean="0"/>
-              <a:t>2021/5/12</a:t>
+              <a:t>2021/6/4</a:t>
             </a:fld>
             <a:endParaRPr kumimoji="1" lang="ja-JP" altLang="en-US"/>
           </a:p>
@@ -2359,7 +2750,7 @@
       </p:sp>
       <p:sp>
         <p:nvSpPr>
-          <p:cNvPr id="6" name="フッター プレースホルダー 5"/>
+          <p:cNvPr id="6" name="Footer Placeholder 5"/>
           <p:cNvSpPr>
             <a:spLocks noGrp="1"/>
           </p:cNvSpPr>
@@ -2378,7 +2769,7 @@
       </p:sp>
       <p:sp>
         <p:nvSpPr>
-          <p:cNvPr id="7" name="スライド番号プレースホルダー 6"/>
+          <p:cNvPr id="7" name="Slide Number Placeholder 6"/>
           <p:cNvSpPr>
             <a:spLocks noGrp="1"/>
           </p:cNvSpPr>
@@ -2402,7 +2793,7 @@
     </p:spTree>
     <p:extLst>
       <p:ext uri="{BB962C8B-B14F-4D97-AF65-F5344CB8AC3E}">
-        <p14:creationId xmlns:p14="http://schemas.microsoft.com/office/powerpoint/2010/main" val="1424781727"/>
+        <p14:creationId xmlns:p14="http://schemas.microsoft.com/office/powerpoint/2010/main" val="714777475"/>
       </p:ext>
     </p:extLst>
   </p:cSld>
@@ -2431,7 +2822,7 @@
       </p:grpSpPr>
       <p:sp>
         <p:nvSpPr>
-          <p:cNvPr id="2" name="タイトル 1"/>
+          <p:cNvPr id="2" name="Title 1"/>
           <p:cNvSpPr>
             <a:spLocks noGrp="1"/>
           </p:cNvSpPr>
@@ -2441,8 +2832,8 @@
         </p:nvSpPr>
         <p:spPr>
           <a:xfrm>
-            <a:off x="839788" y="457200"/>
-            <a:ext cx="3932237" cy="1600200"/>
+            <a:off x="629841" y="457200"/>
+            <a:ext cx="2949178" cy="1600200"/>
           </a:xfrm>
         </p:spPr>
         <p:txBody>
@@ -2454,18 +2845,18 @@
           </a:lstStyle>
           <a:p>
             <a:r>
-              <a:rPr kumimoji="1" lang="ja-JP" altLang="en-US" smtClean="0"/>
+              <a:rPr lang="ja-JP" altLang="en-US" smtClean="0"/>
               <a:t>マスター タイトルの書式設定</a:t>
             </a:r>
-            <a:endParaRPr kumimoji="1" lang="ja-JP" altLang="en-US"/>
-          </a:p>
-        </p:txBody>
-      </p:sp>
-      <p:sp>
-        <p:nvSpPr>
-          <p:cNvPr id="3" name="図プレースホルダー 2"/>
-          <p:cNvSpPr>
-            <a:spLocks noGrp="1"/>
+            <a:endParaRPr lang="en-US" dirty="0"/>
+          </a:p>
+        </p:txBody>
+      </p:sp>
+      <p:sp>
+        <p:nvSpPr>
+          <p:cNvPr id="3" name="Picture Placeholder 2"/>
+          <p:cNvSpPr>
+            <a:spLocks noGrp="1" noChangeAspect="1"/>
           </p:cNvSpPr>
           <p:nvPr>
             <p:ph type="pic" idx="1"/>
@@ -2473,12 +2864,12 @@
         </p:nvSpPr>
         <p:spPr>
           <a:xfrm>
-            <a:off x="5183188" y="987425"/>
-            <a:ext cx="6172200" cy="4873625"/>
+            <a:off x="3887391" y="987426"/>
+            <a:ext cx="4629150" cy="4873625"/>
           </a:xfrm>
         </p:spPr>
         <p:txBody>
-          <a:bodyPr/>
+          <a:bodyPr anchor="t"/>
           <a:lstStyle>
             <a:lvl1pPr marL="0" indent="0">
               <a:buNone/>
@@ -2518,13 +2909,17 @@
             </a:lvl9pPr>
           </a:lstStyle>
           <a:p>
-            <a:endParaRPr kumimoji="1" lang="ja-JP" altLang="en-US"/>
-          </a:p>
-        </p:txBody>
-      </p:sp>
-      <p:sp>
-        <p:nvSpPr>
-          <p:cNvPr id="4" name="テキスト プレースホルダー 3"/>
+            <a:r>
+              <a:rPr lang="ja-JP" altLang="en-US" smtClean="0"/>
+              <a:t>図を追加</a:t>
+            </a:r>
+            <a:endParaRPr lang="en-US" dirty="0"/>
+          </a:p>
+        </p:txBody>
+      </p:sp>
+      <p:sp>
+        <p:nvSpPr>
+          <p:cNvPr id="4" name="Text Placeholder 3"/>
           <p:cNvSpPr>
             <a:spLocks noGrp="1"/>
           </p:cNvSpPr>
@@ -2534,8 +2929,8 @@
         </p:nvSpPr>
         <p:spPr>
           <a:xfrm>
-            <a:off x="839788" y="2057400"/>
-            <a:ext cx="3932237" cy="3811588"/>
+            <a:off x="629841" y="2057400"/>
+            <a:ext cx="2949178" cy="3811588"/>
           </a:xfrm>
         </p:spPr>
         <p:txBody>
@@ -2581,30 +2976,30 @@
           <a:p>
             <a:pPr lvl="0"/>
             <a:r>
+              <a:rPr lang="ja-JP" altLang="en-US" smtClean="0"/>
+              <a:t>マスター テキストの書式設定</a:t>
+            </a:r>
+          </a:p>
+        </p:txBody>
+      </p:sp>
+      <p:sp>
+        <p:nvSpPr>
+          <p:cNvPr id="5" name="Date Placeholder 4"/>
+          <p:cNvSpPr>
+            <a:spLocks noGrp="1"/>
+          </p:cNvSpPr>
+          <p:nvPr>
+            <p:ph type="dt" sz="half" idx="10"/>
+          </p:nvPr>
+        </p:nvSpPr>
+        <p:spPr/>
+        <p:txBody>
+          <a:bodyPr/>
+          <a:lstStyle/>
+          <a:p>
+            <a:fld id="{82735B9C-9FB4-4E9A-9540-F617C773E17B}" type="datetime1">
               <a:rPr kumimoji="1" lang="ja-JP" altLang="en-US" smtClean="0"/>
-              <a:t>マスター テキストの書式設定</a:t>
-            </a:r>
-          </a:p>
-        </p:txBody>
-      </p:sp>
-      <p:sp>
-        <p:nvSpPr>
-          <p:cNvPr id="5" name="日付プレースホルダー 4"/>
-          <p:cNvSpPr>
-            <a:spLocks noGrp="1"/>
-          </p:cNvSpPr>
-          <p:nvPr>
-            <p:ph type="dt" sz="half" idx="10"/>
-          </p:nvPr>
-        </p:nvSpPr>
-        <p:spPr/>
-        <p:txBody>
-          <a:bodyPr/>
-          <a:lstStyle/>
-          <a:p>
-            <a:fld id="{80D73B06-1F8F-4F1F-A43F-36245BD6E61F}" type="datetimeFigureOut">
-              <a:rPr kumimoji="1" lang="ja-JP" altLang="en-US" smtClean="0"/>
-              <a:t>2021/5/12</a:t>
+              <a:t>2021/6/4</a:t>
             </a:fld>
             <a:endParaRPr kumimoji="1" lang="ja-JP" altLang="en-US"/>
           </a:p>
@@ -2612,7 +3007,7 @@
       </p:sp>
       <p:sp>
         <p:nvSpPr>
-          <p:cNvPr id="6" name="フッター プレースホルダー 5"/>
+          <p:cNvPr id="6" name="Footer Placeholder 5"/>
           <p:cNvSpPr>
             <a:spLocks noGrp="1"/>
           </p:cNvSpPr>
@@ -2631,7 +3026,7 @@
       </p:sp>
       <p:sp>
         <p:nvSpPr>
-          <p:cNvPr id="7" name="スライド番号プレースホルダー 6"/>
+          <p:cNvPr id="7" name="Slide Number Placeholder 6"/>
           <p:cNvSpPr>
             <a:spLocks noGrp="1"/>
           </p:cNvSpPr>
@@ -2655,7 +3050,7 @@
     </p:spTree>
     <p:extLst>
       <p:ext uri="{BB962C8B-B14F-4D97-AF65-F5344CB8AC3E}">
-        <p14:creationId xmlns:p14="http://schemas.microsoft.com/office/powerpoint/2010/main" val="3660666925"/>
+        <p14:creationId xmlns:p14="http://schemas.microsoft.com/office/powerpoint/2010/main" val="1076083380"/>
       </p:ext>
     </p:extLst>
   </p:cSld>
@@ -2689,7 +3084,7 @@
       </p:grpSpPr>
       <p:sp>
         <p:nvSpPr>
-          <p:cNvPr id="2" name="タイトル プレースホルダー 1"/>
+          <p:cNvPr id="2" name="Title Placeholder 1"/>
           <p:cNvSpPr>
             <a:spLocks noGrp="1"/>
           </p:cNvSpPr>
@@ -2699,8 +3094,8 @@
         </p:nvSpPr>
         <p:spPr>
           <a:xfrm>
-            <a:off x="838200" y="365125"/>
-            <a:ext cx="10515600" cy="1325563"/>
+            <a:off x="628650" y="365126"/>
+            <a:ext cx="7886700" cy="1325563"/>
           </a:xfrm>
           <a:prstGeom prst="rect">
             <a:avLst/>
@@ -2713,16 +3108,16 @@
           <a:lstStyle/>
           <a:p>
             <a:r>
-              <a:rPr kumimoji="1" lang="ja-JP" altLang="en-US" smtClean="0"/>
+              <a:rPr lang="ja-JP" altLang="en-US" smtClean="0"/>
               <a:t>マスター タイトルの書式設定</a:t>
             </a:r>
-            <a:endParaRPr kumimoji="1" lang="ja-JP" altLang="en-US"/>
-          </a:p>
-        </p:txBody>
-      </p:sp>
-      <p:sp>
-        <p:nvSpPr>
-          <p:cNvPr id="3" name="テキスト プレースホルダー 2"/>
+            <a:endParaRPr lang="en-US" dirty="0"/>
+          </a:p>
+        </p:txBody>
+      </p:sp>
+      <p:sp>
+        <p:nvSpPr>
+          <p:cNvPr id="3" name="Text Placeholder 2"/>
           <p:cNvSpPr>
             <a:spLocks noGrp="1"/>
           </p:cNvSpPr>
@@ -2732,8 +3127,8 @@
         </p:nvSpPr>
         <p:spPr>
           <a:xfrm>
-            <a:off x="838200" y="1825625"/>
-            <a:ext cx="10515600" cy="4351338"/>
+            <a:off x="628650" y="1825625"/>
+            <a:ext cx="7886700" cy="4351338"/>
           </a:xfrm>
           <a:prstGeom prst="rect">
             <a:avLst/>
@@ -2747,76 +3142,76 @@
           <a:p>
             <a:pPr lvl="0"/>
             <a:r>
-              <a:rPr kumimoji="1" lang="ja-JP" altLang="en-US" smtClean="0"/>
+              <a:rPr lang="ja-JP" altLang="en-US" smtClean="0"/>
               <a:t>マスター テキストの書式設定</a:t>
             </a:r>
           </a:p>
           <a:p>
             <a:pPr lvl="1"/>
             <a:r>
-              <a:rPr kumimoji="1" lang="ja-JP" altLang="en-US" smtClean="0"/>
+              <a:rPr lang="ja-JP" altLang="en-US" smtClean="0"/>
               <a:t>第 </a:t>
             </a:r>
             <a:r>
-              <a:rPr kumimoji="1" lang="en-US" altLang="ja-JP" smtClean="0"/>
+              <a:rPr lang="en-US" altLang="ja-JP" smtClean="0"/>
               <a:t>2 </a:t>
             </a:r>
             <a:r>
-              <a:rPr kumimoji="1" lang="ja-JP" altLang="en-US" smtClean="0"/>
+              <a:rPr lang="ja-JP" altLang="en-US" smtClean="0"/>
               <a:t>レベル</a:t>
             </a:r>
           </a:p>
           <a:p>
             <a:pPr lvl="2"/>
             <a:r>
-              <a:rPr kumimoji="1" lang="ja-JP" altLang="en-US" smtClean="0"/>
+              <a:rPr lang="ja-JP" altLang="en-US" smtClean="0"/>
               <a:t>第 </a:t>
             </a:r>
             <a:r>
-              <a:rPr kumimoji="1" lang="en-US" altLang="ja-JP" smtClean="0"/>
+              <a:rPr lang="en-US" altLang="ja-JP" smtClean="0"/>
               <a:t>3 </a:t>
             </a:r>
             <a:r>
-              <a:rPr kumimoji="1" lang="ja-JP" altLang="en-US" smtClean="0"/>
+              <a:rPr lang="ja-JP" altLang="en-US" smtClean="0"/>
               <a:t>レベル</a:t>
             </a:r>
           </a:p>
           <a:p>
             <a:pPr lvl="3"/>
             <a:r>
-              <a:rPr kumimoji="1" lang="ja-JP" altLang="en-US" smtClean="0"/>
+              <a:rPr lang="ja-JP" altLang="en-US" smtClean="0"/>
               <a:t>第 </a:t>
             </a:r>
             <a:r>
-              <a:rPr kumimoji="1" lang="en-US" altLang="ja-JP" smtClean="0"/>
+              <a:rPr lang="en-US" altLang="ja-JP" smtClean="0"/>
               <a:t>4 </a:t>
             </a:r>
             <a:r>
-              <a:rPr kumimoji="1" lang="ja-JP" altLang="en-US" smtClean="0"/>
+              <a:rPr lang="ja-JP" altLang="en-US" smtClean="0"/>
               <a:t>レベル</a:t>
             </a:r>
           </a:p>
           <a:p>
             <a:pPr lvl="4"/>
             <a:r>
-              <a:rPr kumimoji="1" lang="ja-JP" altLang="en-US" smtClean="0"/>
+              <a:rPr lang="ja-JP" altLang="en-US" smtClean="0"/>
               <a:t>第 </a:t>
             </a:r>
             <a:r>
-              <a:rPr kumimoji="1" lang="en-US" altLang="ja-JP" smtClean="0"/>
+              <a:rPr lang="en-US" altLang="ja-JP" smtClean="0"/>
               <a:t>5 </a:t>
             </a:r>
             <a:r>
-              <a:rPr kumimoji="1" lang="ja-JP" altLang="en-US" smtClean="0"/>
+              <a:rPr lang="ja-JP" altLang="en-US" smtClean="0"/>
               <a:t>レベル</a:t>
             </a:r>
-            <a:endParaRPr kumimoji="1" lang="ja-JP" altLang="en-US"/>
-          </a:p>
-        </p:txBody>
-      </p:sp>
-      <p:sp>
-        <p:nvSpPr>
-          <p:cNvPr id="4" name="日付プレースホルダー 3"/>
+            <a:endParaRPr lang="en-US" dirty="0"/>
+          </a:p>
+        </p:txBody>
+      </p:sp>
+      <p:sp>
+        <p:nvSpPr>
+          <p:cNvPr id="4" name="Date Placeholder 3"/>
           <p:cNvSpPr>
             <a:spLocks noGrp="1"/>
           </p:cNvSpPr>
@@ -2826,8 +3221,8 @@
         </p:nvSpPr>
         <p:spPr>
           <a:xfrm>
-            <a:off x="838200" y="6356350"/>
-            <a:ext cx="2743200" cy="365125"/>
+            <a:off x="628650" y="6356351"/>
+            <a:ext cx="2057400" cy="365125"/>
           </a:xfrm>
           <a:prstGeom prst="rect">
             <a:avLst/>
@@ -2847,9 +3242,9 @@
             </a:lvl1pPr>
           </a:lstStyle>
           <a:p>
-            <a:fld id="{80D73B06-1F8F-4F1F-A43F-36245BD6E61F}" type="datetimeFigureOut">
+            <a:fld id="{11B88BD9-34AC-4954-9FD5-D852B338DEC1}" type="datetime1">
               <a:rPr kumimoji="1" lang="ja-JP" altLang="en-US" smtClean="0"/>
-              <a:t>2021/5/12</a:t>
+              <a:t>2021/6/4</a:t>
             </a:fld>
             <a:endParaRPr kumimoji="1" lang="ja-JP" altLang="en-US"/>
           </a:p>
@@ -2857,7 +3252,7 @@
       </p:sp>
       <p:sp>
         <p:nvSpPr>
-          <p:cNvPr id="5" name="フッター プレースホルダー 4"/>
+          <p:cNvPr id="5" name="Footer Placeholder 4"/>
           <p:cNvSpPr>
             <a:spLocks noGrp="1"/>
           </p:cNvSpPr>
@@ -2867,8 +3262,8 @@
         </p:nvSpPr>
         <p:spPr>
           <a:xfrm>
-            <a:off x="4038600" y="6356350"/>
-            <a:ext cx="4114800" cy="365125"/>
+            <a:off x="3028950" y="6356351"/>
+            <a:ext cx="3086100" cy="365125"/>
           </a:xfrm>
           <a:prstGeom prst="rect">
             <a:avLst/>
@@ -2894,7 +3289,7 @@
       </p:sp>
       <p:sp>
         <p:nvSpPr>
-          <p:cNvPr id="6" name="スライド番号プレースホルダー 5"/>
+          <p:cNvPr id="6" name="Slide Number Placeholder 5"/>
           <p:cNvSpPr>
             <a:spLocks noGrp="1"/>
           </p:cNvSpPr>
@@ -2904,8 +3299,8 @@
         </p:nvSpPr>
         <p:spPr>
           <a:xfrm>
-            <a:off x="8610600" y="6356350"/>
-            <a:ext cx="2743200" cy="365125"/>
+            <a:off x="6457950" y="6356351"/>
+            <a:ext cx="2057400" cy="365125"/>
           </a:xfrm>
           <a:prstGeom prst="rect">
             <a:avLst/>
@@ -2936,24 +3331,25 @@
     </p:spTree>
     <p:extLst>
       <p:ext uri="{BB962C8B-B14F-4D97-AF65-F5344CB8AC3E}">
-        <p14:creationId xmlns:p14="http://schemas.microsoft.com/office/powerpoint/2010/main" val="1760873208"/>
+        <p14:creationId xmlns:p14="http://schemas.microsoft.com/office/powerpoint/2010/main" val="3822521066"/>
       </p:ext>
     </p:extLst>
   </p:cSld>
   <p:clrMap bg1="lt1" tx1="dk1" bg2="lt2" tx2="dk2" accent1="accent1" accent2="accent2" accent3="accent3" accent4="accent4" accent5="accent5" accent6="accent6" hlink="hlink" folHlink="folHlink"/>
   <p:sldLayoutIdLst>
-    <p:sldLayoutId id="2147483649" r:id="rId1"/>
-    <p:sldLayoutId id="2147483650" r:id="rId2"/>
-    <p:sldLayoutId id="2147483651" r:id="rId3"/>
-    <p:sldLayoutId id="2147483652" r:id="rId4"/>
-    <p:sldLayoutId id="2147483653" r:id="rId5"/>
-    <p:sldLayoutId id="2147483654" r:id="rId6"/>
-    <p:sldLayoutId id="2147483655" r:id="rId7"/>
-    <p:sldLayoutId id="2147483656" r:id="rId8"/>
-    <p:sldLayoutId id="2147483657" r:id="rId9"/>
-    <p:sldLayoutId id="2147483658" r:id="rId10"/>
-    <p:sldLayoutId id="2147483659" r:id="rId11"/>
+    <p:sldLayoutId id="2147483661" r:id="rId1"/>
+    <p:sldLayoutId id="2147483662" r:id="rId2"/>
+    <p:sldLayoutId id="2147483663" r:id="rId3"/>
+    <p:sldLayoutId id="2147483664" r:id="rId4"/>
+    <p:sldLayoutId id="2147483665" r:id="rId5"/>
+    <p:sldLayoutId id="2147483666" r:id="rId6"/>
+    <p:sldLayoutId id="2147483667" r:id="rId7"/>
+    <p:sldLayoutId id="2147483668" r:id="rId8"/>
+    <p:sldLayoutId id="2147483669" r:id="rId9"/>
+    <p:sldLayoutId id="2147483670" r:id="rId10"/>
+    <p:sldLayoutId id="2147483671" r:id="rId11"/>
   </p:sldLayoutIdLst>
+  <p:hf hdr="0" ftr="0" dt="0"/>
   <p:txStyles>
     <p:titleStyle>
       <a:lvl1pPr algn="l" defTabSz="914400" rtl="0" eaLnBrk="1" latinLnBrk="0" hangingPunct="1">
@@ -3140,7 +3536,7 @@
     </p:bodyStyle>
     <p:otherStyle>
       <a:defPPr>
-        <a:defRPr lang="ja-JP"/>
+        <a:defRPr lang="en-US"/>
       </a:defPPr>
       <a:lvl1pPr marL="0" algn="l" defTabSz="914400" rtl="0" eaLnBrk="1" latinLnBrk="0" hangingPunct="1">
         <a:defRPr kumimoji="1" sz="1800" kern="1200">
@@ -3273,18 +3669,6 @@
               <a:rPr kumimoji="1" lang="ja-JP" altLang="en-US" dirty="0" smtClean="0"/>
               <a:t>卒研テーマ</a:t>
             </a:r>
-            <a:r>
-              <a:rPr kumimoji="1" lang="en-US" altLang="ja-JP" dirty="0" smtClean="0"/>
-              <a:t>(</a:t>
-            </a:r>
-            <a:r>
-              <a:rPr kumimoji="1" lang="ja-JP" altLang="en-US" dirty="0" smtClean="0"/>
-              <a:t>案</a:t>
-            </a:r>
-            <a:r>
-              <a:rPr kumimoji="1" lang="en-US" altLang="ja-JP" dirty="0" smtClean="0"/>
-              <a:t>)</a:t>
-            </a:r>
             <a:endParaRPr kumimoji="1" lang="ja-JP" altLang="en-US" dirty="0"/>
           </a:p>
         </p:txBody>
@@ -3318,6 +3702,29 @@
           </a:p>
           <a:p>
             <a:endParaRPr kumimoji="1" lang="ja-JP" altLang="en-US" dirty="0"/>
+          </a:p>
+        </p:txBody>
+      </p:sp>
+      <p:sp>
+        <p:nvSpPr>
+          <p:cNvPr id="4" name="スライド番号プレースホルダー 3"/>
+          <p:cNvSpPr>
+            <a:spLocks noGrp="1"/>
+          </p:cNvSpPr>
+          <p:nvPr>
+            <p:ph type="sldNum" sz="quarter" idx="12"/>
+          </p:nvPr>
+        </p:nvSpPr>
+        <p:spPr/>
+        <p:txBody>
+          <a:bodyPr/>
+          <a:lstStyle/>
+          <a:p>
+            <a:fld id="{BCFEE6ED-AA2C-49EB-A172-8063C2D7D298}" type="slidenum">
+              <a:rPr kumimoji="1" lang="ja-JP" altLang="en-US" smtClean="0"/>
+              <a:t>1</a:t>
+            </a:fld>
+            <a:endParaRPr kumimoji="1" lang="ja-JP" altLang="en-US"/>
           </a:p>
         </p:txBody>
       </p:sp>
@@ -3474,6 +3881,29 @@
           </a:p>
         </p:txBody>
       </p:sp>
+      <p:sp>
+        <p:nvSpPr>
+          <p:cNvPr id="4" name="スライド番号プレースホルダー 3"/>
+          <p:cNvSpPr>
+            <a:spLocks noGrp="1"/>
+          </p:cNvSpPr>
+          <p:nvPr>
+            <p:ph type="sldNum" sz="quarter" idx="12"/>
+          </p:nvPr>
+        </p:nvSpPr>
+        <p:spPr/>
+        <p:txBody>
+          <a:bodyPr/>
+          <a:lstStyle/>
+          <a:p>
+            <a:fld id="{BCFEE6ED-AA2C-49EB-A172-8063C2D7D298}" type="slidenum">
+              <a:rPr kumimoji="1" lang="ja-JP" altLang="en-US" smtClean="0"/>
+              <a:t>2</a:t>
+            </a:fld>
+            <a:endParaRPr kumimoji="1" lang="ja-JP" altLang="en-US"/>
+          </a:p>
+        </p:txBody>
+      </p:sp>
     </p:spTree>
     <p:extLst>
       <p:ext uri="{BB962C8B-B14F-4D97-AF65-F5344CB8AC3E}">
@@ -3580,6 +4010,29 @@
           </a:p>
         </p:txBody>
       </p:sp>
+      <p:sp>
+        <p:nvSpPr>
+          <p:cNvPr id="4" name="スライド番号プレースホルダー 3"/>
+          <p:cNvSpPr>
+            <a:spLocks noGrp="1"/>
+          </p:cNvSpPr>
+          <p:nvPr>
+            <p:ph type="sldNum" sz="quarter" idx="12"/>
+          </p:nvPr>
+        </p:nvSpPr>
+        <p:spPr/>
+        <p:txBody>
+          <a:bodyPr/>
+          <a:lstStyle/>
+          <a:p>
+            <a:fld id="{BCFEE6ED-AA2C-49EB-A172-8063C2D7D298}" type="slidenum">
+              <a:rPr kumimoji="1" lang="ja-JP" altLang="en-US" smtClean="0"/>
+              <a:t>3</a:t>
+            </a:fld>
+            <a:endParaRPr kumimoji="1" lang="ja-JP" altLang="en-US"/>
+          </a:p>
+        </p:txBody>
+      </p:sp>
     </p:spTree>
     <p:extLst>
       <p:ext uri="{BB962C8B-B14F-4D97-AF65-F5344CB8AC3E}">
@@ -3593,7 +4046,628 @@
 </p:sld>
 </file>
 
+<file path=ppt/slides/slide4.xml><?xml version="1.0" encoding="utf-8"?>
+<p:sld xmlns:a="http://schemas.openxmlformats.org/drawingml/2006/main" xmlns:r="http://schemas.openxmlformats.org/officeDocument/2006/relationships" xmlns:p="http://schemas.openxmlformats.org/presentationml/2006/main">
+  <p:cSld>
+    <p:spTree>
+      <p:nvGrpSpPr>
+        <p:cNvPr id="1" name=""/>
+        <p:cNvGrpSpPr/>
+        <p:nvPr/>
+      </p:nvGrpSpPr>
+      <p:grpSpPr>
+        <a:xfrm>
+          <a:off x="0" y="0"/>
+          <a:ext cx="0" cy="0"/>
+          <a:chOff x="0" y="0"/>
+          <a:chExt cx="0" cy="0"/>
+        </a:xfrm>
+      </p:grpSpPr>
+      <p:sp>
+        <p:nvSpPr>
+          <p:cNvPr id="2" name="タイトル 1"/>
+          <p:cNvSpPr>
+            <a:spLocks noGrp="1"/>
+          </p:cNvSpPr>
+          <p:nvPr>
+            <p:ph type="title"/>
+          </p:nvPr>
+        </p:nvSpPr>
+        <p:spPr/>
+        <p:txBody>
+          <a:bodyPr/>
+          <a:lstStyle/>
+          <a:p>
+            <a:r>
+              <a:rPr kumimoji="1" lang="ja-JP" altLang="en-US" dirty="0" smtClean="0"/>
+              <a:t>テーマ</a:t>
+            </a:r>
+            <a:endParaRPr kumimoji="1" lang="ja-JP" altLang="en-US" dirty="0"/>
+          </a:p>
+        </p:txBody>
+      </p:sp>
+      <p:sp>
+        <p:nvSpPr>
+          <p:cNvPr id="3" name="コンテンツ プレースホルダー 2"/>
+          <p:cNvSpPr>
+            <a:spLocks noGrp="1"/>
+          </p:cNvSpPr>
+          <p:nvPr>
+            <p:ph idx="1"/>
+          </p:nvPr>
+        </p:nvSpPr>
+        <p:spPr/>
+        <p:txBody>
+          <a:bodyPr/>
+          <a:lstStyle/>
+          <a:p>
+            <a:r>
+              <a:rPr lang="ja-JP" altLang="en-US" dirty="0" smtClean="0"/>
+              <a:t>次元数と計算コストを考慮したパラメータの計算方法</a:t>
+            </a:r>
+            <a:endParaRPr lang="en-US" altLang="ja-JP" dirty="0" smtClean="0"/>
+          </a:p>
+          <a:p>
+            <a:endParaRPr lang="en-US" altLang="ja-JP" dirty="0" smtClean="0"/>
+          </a:p>
+          <a:p>
+            <a:endParaRPr lang="en-US" altLang="ja-JP" dirty="0" smtClean="0"/>
+          </a:p>
+          <a:p>
+            <a:pPr marL="0" indent="0">
+              <a:buNone/>
+            </a:pPr>
+            <a:endParaRPr kumimoji="1" lang="en-US" altLang="ja-JP" dirty="0"/>
+          </a:p>
+          <a:p>
+            <a:pPr marL="0" indent="0">
+              <a:buNone/>
+            </a:pPr>
+            <a:endParaRPr kumimoji="1" lang="ja-JP" altLang="en-US" dirty="0"/>
+          </a:p>
+        </p:txBody>
+      </p:sp>
+      <p:sp>
+        <p:nvSpPr>
+          <p:cNvPr id="4" name="スライド番号プレースホルダー 3"/>
+          <p:cNvSpPr>
+            <a:spLocks noGrp="1"/>
+          </p:cNvSpPr>
+          <p:nvPr>
+            <p:ph type="sldNum" sz="quarter" idx="12"/>
+          </p:nvPr>
+        </p:nvSpPr>
+        <p:spPr/>
+        <p:txBody>
+          <a:bodyPr/>
+          <a:lstStyle/>
+          <a:p>
+            <a:fld id="{BCFEE6ED-AA2C-49EB-A172-8063C2D7D298}" type="slidenum">
+              <a:rPr kumimoji="1" lang="ja-JP" altLang="en-US" smtClean="0"/>
+              <a:t>4</a:t>
+            </a:fld>
+            <a:endParaRPr kumimoji="1" lang="ja-JP" altLang="en-US"/>
+          </a:p>
+        </p:txBody>
+      </p:sp>
+    </p:spTree>
+    <p:extLst>
+      <p:ext uri="{BB962C8B-B14F-4D97-AF65-F5344CB8AC3E}">
+        <p14:creationId xmlns:p14="http://schemas.microsoft.com/office/powerpoint/2010/main" val="2085403890"/>
+      </p:ext>
+    </p:extLst>
+  </p:cSld>
+  <p:clrMapOvr>
+    <a:masterClrMapping/>
+  </p:clrMapOvr>
+</p:sld>
+</file>
+
+<file path=ppt/slides/slide5.xml><?xml version="1.0" encoding="utf-8"?>
+<p:sld xmlns:a="http://schemas.openxmlformats.org/drawingml/2006/main" xmlns:r="http://schemas.openxmlformats.org/officeDocument/2006/relationships" xmlns:p="http://schemas.openxmlformats.org/presentationml/2006/main">
+  <p:cSld>
+    <p:spTree>
+      <p:nvGrpSpPr>
+        <p:cNvPr id="1" name=""/>
+        <p:cNvGrpSpPr/>
+        <p:nvPr/>
+      </p:nvGrpSpPr>
+      <p:grpSpPr>
+        <a:xfrm>
+          <a:off x="0" y="0"/>
+          <a:ext cx="0" cy="0"/>
+          <a:chOff x="0" y="0"/>
+          <a:chExt cx="0" cy="0"/>
+        </a:xfrm>
+      </p:grpSpPr>
+      <p:sp>
+        <p:nvSpPr>
+          <p:cNvPr id="2" name="タイトル 1"/>
+          <p:cNvSpPr>
+            <a:spLocks noGrp="1"/>
+          </p:cNvSpPr>
+          <p:nvPr>
+            <p:ph type="title"/>
+          </p:nvPr>
+        </p:nvSpPr>
+        <p:spPr/>
+        <p:txBody>
+          <a:bodyPr/>
+          <a:lstStyle/>
+          <a:p>
+            <a:r>
+              <a:rPr lang="ja-JP" altLang="en-US" dirty="0"/>
+              <a:t>問題定義</a:t>
+            </a:r>
+            <a:endParaRPr kumimoji="1" lang="ja-JP" altLang="en-US" dirty="0"/>
+          </a:p>
+        </p:txBody>
+      </p:sp>
+      <p:sp>
+        <p:nvSpPr>
+          <p:cNvPr id="3" name="コンテンツ プレースホルダー 2"/>
+          <p:cNvSpPr>
+            <a:spLocks noGrp="1"/>
+          </p:cNvSpPr>
+          <p:nvPr>
+            <p:ph idx="1"/>
+          </p:nvPr>
+        </p:nvSpPr>
+        <p:spPr/>
+        <p:txBody>
+          <a:bodyPr/>
+          <a:lstStyle/>
+          <a:p>
+            <a:r>
+              <a:rPr lang="ja-JP" altLang="en-US" dirty="0" smtClean="0"/>
+              <a:t>高次元データを扱うと、情報の取得に時間がかかるなどの障害がある</a:t>
+            </a:r>
+            <a:endParaRPr lang="en-US" altLang="ja-JP" dirty="0" smtClean="0"/>
+          </a:p>
+          <a:p>
+            <a:endParaRPr lang="en-US" altLang="ja-JP" dirty="0"/>
+          </a:p>
+          <a:p>
+            <a:r>
+              <a:rPr lang="ja-JP" altLang="en-US" dirty="0" smtClean="0"/>
+              <a:t>次元数に応じて、どれくらい時間がかかるか調査する。</a:t>
+            </a:r>
+            <a:endParaRPr lang="en-US" altLang="ja-JP" dirty="0" smtClean="0"/>
+          </a:p>
+          <a:p>
+            <a:endParaRPr kumimoji="1" lang="en-US" altLang="ja-JP" dirty="0" smtClean="0"/>
+          </a:p>
+        </p:txBody>
+      </p:sp>
+      <p:sp>
+        <p:nvSpPr>
+          <p:cNvPr id="4" name="スライド番号プレースホルダー 3"/>
+          <p:cNvSpPr>
+            <a:spLocks noGrp="1"/>
+          </p:cNvSpPr>
+          <p:nvPr>
+            <p:ph type="sldNum" sz="quarter" idx="12"/>
+          </p:nvPr>
+        </p:nvSpPr>
+        <p:spPr/>
+        <p:txBody>
+          <a:bodyPr/>
+          <a:lstStyle/>
+          <a:p>
+            <a:fld id="{BCFEE6ED-AA2C-49EB-A172-8063C2D7D298}" type="slidenum">
+              <a:rPr kumimoji="1" lang="ja-JP" altLang="en-US" smtClean="0"/>
+              <a:t>5</a:t>
+            </a:fld>
+            <a:endParaRPr kumimoji="1" lang="ja-JP" altLang="en-US"/>
+          </a:p>
+        </p:txBody>
+      </p:sp>
+    </p:spTree>
+    <p:extLst>
+      <p:ext uri="{BB962C8B-B14F-4D97-AF65-F5344CB8AC3E}">
+        <p14:creationId xmlns:p14="http://schemas.microsoft.com/office/powerpoint/2010/main" val="2980075032"/>
+      </p:ext>
+    </p:extLst>
+  </p:cSld>
+  <p:clrMapOvr>
+    <a:masterClrMapping/>
+  </p:clrMapOvr>
+</p:sld>
+</file>
+
+<file path=ppt/slides/slide6.xml><?xml version="1.0" encoding="utf-8"?>
+<p:sld xmlns:a="http://schemas.openxmlformats.org/drawingml/2006/main" xmlns:r="http://schemas.openxmlformats.org/officeDocument/2006/relationships" xmlns:p="http://schemas.openxmlformats.org/presentationml/2006/main">
+  <p:cSld>
+    <p:spTree>
+      <p:nvGrpSpPr>
+        <p:cNvPr id="1" name=""/>
+        <p:cNvGrpSpPr/>
+        <p:nvPr/>
+      </p:nvGrpSpPr>
+      <p:grpSpPr>
+        <a:xfrm>
+          <a:off x="0" y="0"/>
+          <a:ext cx="0" cy="0"/>
+          <a:chOff x="0" y="0"/>
+          <a:chExt cx="0" cy="0"/>
+        </a:xfrm>
+      </p:grpSpPr>
+      <p:sp>
+        <p:nvSpPr>
+          <p:cNvPr id="2" name="タイトル 1"/>
+          <p:cNvSpPr>
+            <a:spLocks noGrp="1"/>
+          </p:cNvSpPr>
+          <p:nvPr>
+            <p:ph type="title"/>
+          </p:nvPr>
+        </p:nvSpPr>
+        <p:spPr/>
+        <p:txBody>
+          <a:bodyPr/>
+          <a:lstStyle/>
+          <a:p>
+            <a:r>
+              <a:rPr lang="ja-JP" altLang="en-US" dirty="0"/>
+              <a:t>学習</a:t>
+            </a:r>
+            <a:endParaRPr kumimoji="1" lang="ja-JP" altLang="en-US" dirty="0"/>
+          </a:p>
+        </p:txBody>
+      </p:sp>
+      <p:sp>
+        <p:nvSpPr>
+          <p:cNvPr id="3" name="コンテンツ プレースホルダー 2"/>
+          <p:cNvSpPr>
+            <a:spLocks noGrp="1"/>
+          </p:cNvSpPr>
+          <p:nvPr>
+            <p:ph idx="1"/>
+          </p:nvPr>
+        </p:nvSpPr>
+        <p:spPr/>
+        <p:txBody>
+          <a:bodyPr/>
+          <a:lstStyle/>
+          <a:p>
+            <a:r>
+              <a:rPr kumimoji="1" lang="ja-JP" altLang="en-US" dirty="0" smtClean="0"/>
+              <a:t>機械学習を使う可能性が高い</a:t>
+            </a:r>
+            <a:endParaRPr kumimoji="1" lang="en-US" altLang="ja-JP" dirty="0" smtClean="0"/>
+          </a:p>
+          <a:p>
+            <a:pPr lvl="1"/>
+            <a:r>
+              <a:rPr lang="ja-JP" altLang="en-US" dirty="0"/>
+              <a:t>そのための</a:t>
+            </a:r>
+            <a:r>
+              <a:rPr lang="ja-JP" altLang="en-US" dirty="0" smtClean="0"/>
+              <a:t>学習として、</a:t>
+            </a:r>
+            <a:r>
+              <a:rPr kumimoji="1" lang="en-US" altLang="ja-JP" dirty="0" smtClean="0"/>
+              <a:t>Python</a:t>
+            </a:r>
+            <a:r>
+              <a:rPr kumimoji="1" lang="ja-JP" altLang="en-US" dirty="0" smtClean="0"/>
+              <a:t>のプログラミング</a:t>
+            </a:r>
+            <a:r>
+              <a:rPr lang="ja-JP" altLang="en-US" dirty="0"/>
+              <a:t>の</a:t>
+            </a:r>
+            <a:r>
+              <a:rPr lang="ja-JP" altLang="en-US" dirty="0" smtClean="0"/>
+              <a:t>学習</a:t>
+            </a:r>
+            <a:endParaRPr lang="en-US" altLang="ja-JP" dirty="0" smtClean="0"/>
+          </a:p>
+          <a:p>
+            <a:pPr lvl="1"/>
+            <a:endParaRPr lang="en-US" altLang="ja-JP" dirty="0" smtClean="0"/>
+          </a:p>
+        </p:txBody>
+      </p:sp>
+      <p:sp>
+        <p:nvSpPr>
+          <p:cNvPr id="4" name="スライド番号プレースホルダー 3"/>
+          <p:cNvSpPr>
+            <a:spLocks noGrp="1"/>
+          </p:cNvSpPr>
+          <p:nvPr>
+            <p:ph type="sldNum" sz="quarter" idx="12"/>
+          </p:nvPr>
+        </p:nvSpPr>
+        <p:spPr/>
+        <p:txBody>
+          <a:bodyPr/>
+          <a:lstStyle/>
+          <a:p>
+            <a:fld id="{BCFEE6ED-AA2C-49EB-A172-8063C2D7D298}" type="slidenum">
+              <a:rPr kumimoji="1" lang="ja-JP" altLang="en-US" smtClean="0"/>
+              <a:t>6</a:t>
+            </a:fld>
+            <a:endParaRPr kumimoji="1" lang="ja-JP" altLang="en-US"/>
+          </a:p>
+        </p:txBody>
+      </p:sp>
+    </p:spTree>
+    <p:extLst>
+      <p:ext uri="{BB962C8B-B14F-4D97-AF65-F5344CB8AC3E}">
+        <p14:creationId xmlns:p14="http://schemas.microsoft.com/office/powerpoint/2010/main" val="2180319456"/>
+      </p:ext>
+    </p:extLst>
+  </p:cSld>
+  <p:clrMapOvr>
+    <a:masterClrMapping/>
+  </p:clrMapOvr>
+</p:sld>
+</file>
+
 <file path=ppt/theme/theme1.xml><?xml version="1.0" encoding="utf-8"?>
+<a:theme xmlns:a="http://schemas.openxmlformats.org/drawingml/2006/main" name="Office テーマ">
+  <a:themeElements>
+    <a:clrScheme name="Office テーマ">
+      <a:dk1>
+        <a:sysClr val="windowText" lastClr="000000"/>
+      </a:dk1>
+      <a:lt1>
+        <a:sysClr val="window" lastClr="FFFFFF"/>
+      </a:lt1>
+      <a:dk2>
+        <a:srgbClr val="44546A"/>
+      </a:dk2>
+      <a:lt2>
+        <a:srgbClr val="E7E6E6"/>
+      </a:lt2>
+      <a:accent1>
+        <a:srgbClr val="5B9BD5"/>
+      </a:accent1>
+      <a:accent2>
+        <a:srgbClr val="ED7D31"/>
+      </a:accent2>
+      <a:accent3>
+        <a:srgbClr val="A5A5A5"/>
+      </a:accent3>
+      <a:accent4>
+        <a:srgbClr val="FFC000"/>
+      </a:accent4>
+      <a:accent5>
+        <a:srgbClr val="4472C4"/>
+      </a:accent5>
+      <a:accent6>
+        <a:srgbClr val="70AD47"/>
+      </a:accent6>
+      <a:hlink>
+        <a:srgbClr val="0563C1"/>
+      </a:hlink>
+      <a:folHlink>
+        <a:srgbClr val="954F72"/>
+      </a:folHlink>
+    </a:clrScheme>
+    <a:fontScheme name="Office テーマ">
+      <a:majorFont>
+        <a:latin typeface="Calibri Light" panose="020F0302020204030204"/>
+        <a:ea typeface=""/>
+        <a:cs typeface=""/>
+        <a:font script="Jpan" typeface="游ゴシック Light"/>
+        <a:font script="Hang" typeface="맑은 고딕"/>
+        <a:font script="Hans" typeface="等线 Light"/>
+        <a:font script="Hant" typeface="新細明體"/>
+        <a:font script="Arab" typeface="Times New Roman"/>
+        <a:font script="Hebr" typeface="Times New Roman"/>
+        <a:font script="Thai" typeface="Angsana New"/>
+        <a:font script="Ethi" typeface="Nyala"/>
+        <a:font script="Beng" typeface="Vrinda"/>
+        <a:font script="Gujr" typeface="Shruti"/>
+        <a:font script="Khmr" typeface="MoolBoran"/>
+        <a:font script="Knda" typeface="Tunga"/>
+        <a:font script="Guru" typeface="Raavi"/>
+        <a:font script="Cans" typeface="Euphemia"/>
+        <a:font script="Cher" typeface="Plantagenet Cherokee"/>
+        <a:font script="Yiii" typeface="Microsoft Yi Baiti"/>
+        <a:font script="Tibt" typeface="Microsoft Himalaya"/>
+        <a:font script="Thaa" typeface="MV Boli"/>
+        <a:font script="Deva" typeface="Mangal"/>
+        <a:font script="Telu" typeface="Gautami"/>
+        <a:font script="Taml" typeface="Latha"/>
+        <a:font script="Syrc" typeface="Estrangelo Edessa"/>
+        <a:font script="Orya" typeface="Kalinga"/>
+        <a:font script="Mlym" typeface="Kartika"/>
+        <a:font script="Laoo" typeface="DokChampa"/>
+        <a:font script="Sinh" typeface="Iskoola Pota"/>
+        <a:font script="Mong" typeface="Mongolian Baiti"/>
+        <a:font script="Viet" typeface="Times New Roman"/>
+        <a:font script="Uigh" typeface="Microsoft Uighur"/>
+        <a:font script="Geor" typeface="Sylfaen"/>
+      </a:majorFont>
+      <a:minorFont>
+        <a:latin typeface="Calibri" panose="020F0502020204030204"/>
+        <a:ea typeface=""/>
+        <a:cs typeface=""/>
+        <a:font script="Jpan" typeface="游ゴシック"/>
+        <a:font script="Hang" typeface="맑은 고딕"/>
+        <a:font script="Hans" typeface="等线"/>
+        <a:font script="Hant" typeface="新細明體"/>
+        <a:font script="Arab" typeface="Arial"/>
+        <a:font script="Hebr" typeface="Arial"/>
+        <a:font script="Thai" typeface="Cordia New"/>
+        <a:font script="Ethi" typeface="Nyala"/>
+        <a:font script="Beng" typeface="Vrinda"/>
+        <a:font script="Gujr" typeface="Shruti"/>
+        <a:font script="Khmr" typeface="DaunPenh"/>
+        <a:font script="Knda" typeface="Tunga"/>
+        <a:font script="Guru" typeface="Raavi"/>
+        <a:font script="Cans" typeface="Euphemia"/>
+        <a:font script="Cher" typeface="Plantagenet Cherokee"/>
+        <a:font script="Yiii" typeface="Microsoft Yi Baiti"/>
+        <a:font script="Tibt" typeface="Microsoft Himalaya"/>
+        <a:font script="Thaa" typeface="MV Boli"/>
+        <a:font script="Deva" typeface="Mangal"/>
+        <a:font script="Telu" typeface="Gautami"/>
+        <a:font script="Taml" typeface="Latha"/>
+        <a:font script="Syrc" typeface="Estrangelo Edessa"/>
+        <a:font script="Orya" typeface="Kalinga"/>
+        <a:font script="Mlym" typeface="Kartika"/>
+        <a:font script="Laoo" typeface="DokChampa"/>
+        <a:font script="Sinh" typeface="Iskoola Pota"/>
+        <a:font script="Mong" typeface="Mongolian Baiti"/>
+        <a:font script="Viet" typeface="Arial"/>
+        <a:font script="Uigh" typeface="Microsoft Uighur"/>
+        <a:font script="Geor" typeface="Sylfaen"/>
+      </a:minorFont>
+    </a:fontScheme>
+    <a:fmtScheme name="Office テーマ">
+      <a:fillStyleLst>
+        <a:solidFill>
+          <a:schemeClr val="phClr"/>
+        </a:solidFill>
+        <a:gradFill rotWithShape="1">
+          <a:gsLst>
+            <a:gs pos="0">
+              <a:schemeClr val="phClr">
+                <a:lumMod val="110000"/>
+                <a:satMod val="105000"/>
+                <a:tint val="67000"/>
+              </a:schemeClr>
+            </a:gs>
+            <a:gs pos="50000">
+              <a:schemeClr val="phClr">
+                <a:lumMod val="105000"/>
+                <a:satMod val="103000"/>
+                <a:tint val="73000"/>
+              </a:schemeClr>
+            </a:gs>
+            <a:gs pos="100000">
+              <a:schemeClr val="phClr">
+                <a:lumMod val="105000"/>
+                <a:satMod val="109000"/>
+                <a:tint val="81000"/>
+              </a:schemeClr>
+            </a:gs>
+          </a:gsLst>
+          <a:lin ang="5400000" scaled="0"/>
+        </a:gradFill>
+        <a:gradFill rotWithShape="1">
+          <a:gsLst>
+            <a:gs pos="0">
+              <a:schemeClr val="phClr">
+                <a:satMod val="103000"/>
+                <a:lumMod val="102000"/>
+                <a:tint val="94000"/>
+              </a:schemeClr>
+            </a:gs>
+            <a:gs pos="50000">
+              <a:schemeClr val="phClr">
+                <a:satMod val="110000"/>
+                <a:lumMod val="100000"/>
+                <a:shade val="100000"/>
+              </a:schemeClr>
+            </a:gs>
+            <a:gs pos="100000">
+              <a:schemeClr val="phClr">
+                <a:lumMod val="99000"/>
+                <a:satMod val="120000"/>
+                <a:shade val="78000"/>
+              </a:schemeClr>
+            </a:gs>
+          </a:gsLst>
+          <a:lin ang="5400000" scaled="0"/>
+        </a:gradFill>
+      </a:fillStyleLst>
+      <a:lnStyleLst>
+        <a:ln w="6350" cap="flat" cmpd="sng" algn="ctr">
+          <a:solidFill>
+            <a:schemeClr val="phClr"/>
+          </a:solidFill>
+          <a:prstDash val="solid"/>
+          <a:miter lim="800000"/>
+        </a:ln>
+        <a:ln w="12700" cap="flat" cmpd="sng" algn="ctr">
+          <a:solidFill>
+            <a:schemeClr val="phClr"/>
+          </a:solidFill>
+          <a:prstDash val="solid"/>
+          <a:miter lim="800000"/>
+        </a:ln>
+        <a:ln w="19050" cap="flat" cmpd="sng" algn="ctr">
+          <a:solidFill>
+            <a:schemeClr val="phClr"/>
+          </a:solidFill>
+          <a:prstDash val="solid"/>
+          <a:miter lim="800000"/>
+        </a:ln>
+      </a:lnStyleLst>
+      <a:effectStyleLst>
+        <a:effectStyle>
+          <a:effectLst/>
+        </a:effectStyle>
+        <a:effectStyle>
+          <a:effectLst/>
+        </a:effectStyle>
+        <a:effectStyle>
+          <a:effectLst>
+            <a:outerShdw blurRad="57150" dist="19050" dir="5400000" algn="ctr" rotWithShape="0">
+              <a:srgbClr val="000000">
+                <a:alpha val="63000"/>
+              </a:srgbClr>
+            </a:outerShdw>
+          </a:effectLst>
+        </a:effectStyle>
+      </a:effectStyleLst>
+      <a:bgFillStyleLst>
+        <a:solidFill>
+          <a:schemeClr val="phClr"/>
+        </a:solidFill>
+        <a:solidFill>
+          <a:schemeClr val="phClr">
+            <a:tint val="95000"/>
+            <a:satMod val="170000"/>
+          </a:schemeClr>
+        </a:solidFill>
+        <a:gradFill rotWithShape="1">
+          <a:gsLst>
+            <a:gs pos="0">
+              <a:schemeClr val="phClr">
+                <a:tint val="93000"/>
+                <a:satMod val="150000"/>
+                <a:shade val="98000"/>
+                <a:lumMod val="102000"/>
+              </a:schemeClr>
+            </a:gs>
+            <a:gs pos="50000">
+              <a:schemeClr val="phClr">
+                <a:tint val="98000"/>
+                <a:satMod val="130000"/>
+                <a:shade val="90000"/>
+                <a:lumMod val="103000"/>
+              </a:schemeClr>
+            </a:gs>
+            <a:gs pos="100000">
+              <a:schemeClr val="phClr">
+                <a:shade val="63000"/>
+                <a:satMod val="120000"/>
+              </a:schemeClr>
+            </a:gs>
+          </a:gsLst>
+          <a:lin ang="5400000" scaled="0"/>
+        </a:gradFill>
+      </a:bgFillStyleLst>
+    </a:fmtScheme>
+  </a:themeElements>
+  <a:objectDefaults/>
+  <a:extraClrSchemeLst/>
+  <a:extLst>
+    <a:ext uri="{05A4C25C-085E-4340-85A3-A5531E510DB2}">
+      <thm15:themeFamily xmlns:thm15="http://schemas.microsoft.com/office/thememl/2012/main" name="Office Theme" id="{62F939B6-93AF-4DB8-9C6B-D6C7DFDC589F}" vid="{4A3C46E8-61CC-4603-A589-7422A47A8E4A}"/>
+    </a:ext>
+  </a:extLst>
+</a:theme>
+</file>
+
+<file path=ppt/theme/theme2.xml><?xml version="1.0" encoding="utf-8"?>
 <a:theme xmlns:a="http://schemas.openxmlformats.org/drawingml/2006/main" name="Office テーマ">
   <a:themeElements>
     <a:clrScheme name="Office">

--- a/1821005_yoshioka_sotuken.pptx
+++ b/1821005_yoshioka_sotuken.pptx
@@ -9,11 +9,11 @@
   </p:notesMasterIdLst>
   <p:sldIdLst>
     <p:sldId id="256" r:id="rId2"/>
-    <p:sldId id="257" r:id="rId3"/>
-    <p:sldId id="258" r:id="rId4"/>
-    <p:sldId id="260" r:id="rId5"/>
-    <p:sldId id="262" r:id="rId6"/>
-    <p:sldId id="261" r:id="rId7"/>
+    <p:sldId id="264" r:id="rId3"/>
+    <p:sldId id="265" r:id="rId4"/>
+    <p:sldId id="266" r:id="rId5"/>
+    <p:sldId id="261" r:id="rId6"/>
+    <p:sldId id="267" r:id="rId7"/>
   </p:sldIdLst>
   <p:sldSz cx="9144000" cy="6858000" type="screen4x3"/>
   <p:notesSz cx="6858000" cy="9144000"/>
@@ -202,7 +202,7 @@
           <a:p>
             <a:fld id="{53E08A37-27B0-48AE-881C-B823B94E0A37}" type="datetimeFigureOut">
               <a:rPr kumimoji="1" lang="ja-JP" altLang="en-US" smtClean="0"/>
-              <a:t>2021/6/4</a:t>
+              <a:t>2021/6/25</a:t>
             </a:fld>
             <a:endParaRPr kumimoji="1" lang="ja-JP" altLang="en-US"/>
           </a:p>
@@ -633,7 +633,7 @@
           <a:p>
             <a:fld id="{777BCA22-9404-4EAD-B600-E5D0D5F14758}" type="datetime1">
               <a:rPr kumimoji="1" lang="ja-JP" altLang="en-US" smtClean="0"/>
-              <a:t>2021/6/4</a:t>
+              <a:t>2021/6/25</a:t>
             </a:fld>
             <a:endParaRPr kumimoji="1" lang="ja-JP" altLang="en-US"/>
           </a:p>
@@ -835,7 +835,7 @@
           <a:p>
             <a:fld id="{65B3E365-8942-46AE-8EB0-09708B58B06E}" type="datetime1">
               <a:rPr kumimoji="1" lang="ja-JP" altLang="en-US" smtClean="0"/>
-              <a:t>2021/6/4</a:t>
+              <a:t>2021/6/25</a:t>
             </a:fld>
             <a:endParaRPr kumimoji="1" lang="ja-JP" altLang="en-US"/>
           </a:p>
@@ -1047,7 +1047,7 @@
           <a:p>
             <a:fld id="{FFD1B8DB-7476-41E6-A4D2-B8CC263F7ACE}" type="datetime1">
               <a:rPr kumimoji="1" lang="ja-JP" altLang="en-US" smtClean="0"/>
-              <a:t>2021/6/4</a:t>
+              <a:t>2021/6/25</a:t>
             </a:fld>
             <a:endParaRPr kumimoji="1" lang="ja-JP" altLang="en-US"/>
           </a:p>
@@ -1249,7 +1249,7 @@
           <a:p>
             <a:fld id="{C1775DBA-A6B2-4F32-815E-884FBB6D7804}" type="datetime1">
               <a:rPr kumimoji="1" lang="ja-JP" altLang="en-US" smtClean="0"/>
-              <a:t>2021/6/4</a:t>
+              <a:t>2021/6/25</a:t>
             </a:fld>
             <a:endParaRPr kumimoji="1" lang="ja-JP" altLang="en-US"/>
           </a:p>
@@ -1493,7 +1493,7 @@
           <a:p>
             <a:fld id="{9174E00D-6DCB-4D4E-87A0-FE20DA5F0465}" type="datetime1">
               <a:rPr kumimoji="1" lang="ja-JP" altLang="en-US" smtClean="0"/>
-              <a:t>2021/6/4</a:t>
+              <a:t>2021/6/25</a:t>
             </a:fld>
             <a:endParaRPr kumimoji="1" lang="ja-JP" altLang="en-US"/>
           </a:p>
@@ -1789,7 +1789,7 @@
           <a:p>
             <a:fld id="{1E35631C-BEBB-4154-876E-7690D34F1DC8}" type="datetime1">
               <a:rPr kumimoji="1" lang="ja-JP" altLang="en-US" smtClean="0"/>
-              <a:t>2021/6/4</a:t>
+              <a:t>2021/6/25</a:t>
             </a:fld>
             <a:endParaRPr kumimoji="1" lang="ja-JP" altLang="en-US"/>
           </a:p>
@@ -2220,7 +2220,7 @@
           <a:p>
             <a:fld id="{61CCA7E4-DD06-47A6-A9BF-5514CFA3738D}" type="datetime1">
               <a:rPr kumimoji="1" lang="ja-JP" altLang="en-US" smtClean="0"/>
-              <a:t>2021/6/4</a:t>
+              <a:t>2021/6/25</a:t>
             </a:fld>
             <a:endParaRPr kumimoji="1" lang="ja-JP" altLang="en-US"/>
           </a:p>
@@ -2338,7 +2338,7 @@
           <a:p>
             <a:fld id="{C2D7ACD4-93BF-456B-9C65-6572D2D89EFB}" type="datetime1">
               <a:rPr kumimoji="1" lang="ja-JP" altLang="en-US" smtClean="0"/>
-              <a:t>2021/6/4</a:t>
+              <a:t>2021/6/25</a:t>
             </a:fld>
             <a:endParaRPr kumimoji="1" lang="ja-JP" altLang="en-US"/>
           </a:p>
@@ -2433,7 +2433,7 @@
           <a:p>
             <a:fld id="{E6E063D4-91D8-4B21-9A43-6932836FF006}" type="datetime1">
               <a:rPr kumimoji="1" lang="ja-JP" altLang="en-US" smtClean="0"/>
-              <a:t>2021/6/4</a:t>
+              <a:t>2021/6/25</a:t>
             </a:fld>
             <a:endParaRPr kumimoji="1" lang="ja-JP" altLang="en-US"/>
           </a:p>
@@ -2742,7 +2742,7 @@
           <a:p>
             <a:fld id="{2CE8BC5D-8696-4761-A671-A859DD02E086}" type="datetime1">
               <a:rPr kumimoji="1" lang="ja-JP" altLang="en-US" smtClean="0"/>
-              <a:t>2021/6/4</a:t>
+              <a:t>2021/6/25</a:t>
             </a:fld>
             <a:endParaRPr kumimoji="1" lang="ja-JP" altLang="en-US"/>
           </a:p>
@@ -2999,7 +2999,7 @@
           <a:p>
             <a:fld id="{82735B9C-9FB4-4E9A-9540-F617C773E17B}" type="datetime1">
               <a:rPr kumimoji="1" lang="ja-JP" altLang="en-US" smtClean="0"/>
-              <a:t>2021/6/4</a:t>
+              <a:t>2021/6/25</a:t>
             </a:fld>
             <a:endParaRPr kumimoji="1" lang="ja-JP" altLang="en-US"/>
           </a:p>
@@ -3244,7 +3244,7 @@
           <a:p>
             <a:fld id="{11B88BD9-34AC-4954-9FD5-D852B338DEC1}" type="datetime1">
               <a:rPr kumimoji="1" lang="ja-JP" altLang="en-US" smtClean="0"/>
-              <a:t>2021/6/4</a:t>
+              <a:t>2021/6/25</a:t>
             </a:fld>
             <a:endParaRPr kumimoji="1" lang="ja-JP" altLang="en-US"/>
           </a:p>
@@ -3662,14 +3662,16 @@
         </p:nvSpPr>
         <p:spPr/>
         <p:txBody>
-          <a:bodyPr/>
-          <a:lstStyle/>
-          <a:p>
-            <a:r>
-              <a:rPr kumimoji="1" lang="ja-JP" altLang="en-US" dirty="0" smtClean="0"/>
-              <a:t>卒研テーマ</a:t>
-            </a:r>
-            <a:endParaRPr kumimoji="1" lang="ja-JP" altLang="en-US" dirty="0"/>
+          <a:bodyPr>
+            <a:normAutofit fontScale="90000"/>
+          </a:bodyPr>
+          <a:lstStyle/>
+          <a:p>
+            <a:r>
+              <a:rPr lang="ja-JP" altLang="en-US" dirty="0"/>
+              <a:t>次元数と計算コストを考慮した特徴量の計算方法の調査</a:t>
+            </a:r>
+            <a:endParaRPr lang="en-US" altLang="ja-JP" dirty="0"/>
           </a:p>
         </p:txBody>
       </p:sp>
@@ -3738,6 +3740,13 @@
   <p:clrMapOvr>
     <a:masterClrMapping/>
   </p:clrMapOvr>
+  <p:timing>
+    <p:tnLst>
+      <p:par>
+        <p:cTn id="1" dur="indefinite" restart="never" nodeType="tmRoot"/>
+      </p:par>
+    </p:tnLst>
+  </p:timing>
 </p:sld>
 </file>
 
@@ -3774,110 +3783,118 @@
           <a:lstStyle/>
           <a:p>
             <a:r>
+              <a:rPr kumimoji="1" lang="ja-JP" altLang="en-US" dirty="0" smtClean="0"/>
+              <a:t>背景</a:t>
+            </a:r>
+            <a:endParaRPr kumimoji="1" lang="ja-JP" altLang="en-US" dirty="0"/>
+          </a:p>
+        </p:txBody>
+      </p:sp>
+      <p:sp>
+        <p:nvSpPr>
+          <p:cNvPr id="3" name="コンテンツ プレースホルダー 2"/>
+          <p:cNvSpPr>
+            <a:spLocks noGrp="1"/>
+          </p:cNvSpPr>
+          <p:nvPr>
+            <p:ph idx="1"/>
+          </p:nvPr>
+        </p:nvSpPr>
+        <p:spPr/>
+        <p:txBody>
+          <a:bodyPr>
+            <a:normAutofit/>
+          </a:bodyPr>
+          <a:lstStyle/>
+          <a:p>
+            <a:r>
+              <a:rPr lang="ja-JP" altLang="ja-JP" dirty="0" smtClean="0"/>
+              <a:t>近年</a:t>
+            </a:r>
+            <a:r>
+              <a:rPr lang="ja-JP" altLang="en-US" dirty="0" smtClean="0"/>
+              <a:t>、</a:t>
+            </a:r>
+            <a:r>
+              <a:rPr lang="en-US" altLang="ja-JP" dirty="0" smtClean="0"/>
+              <a:t>Twitter </a:t>
+            </a:r>
+            <a:r>
+              <a:rPr lang="ja-JP" altLang="ja-JP" dirty="0"/>
+              <a:t>や </a:t>
+            </a:r>
+            <a:r>
+              <a:rPr lang="en-US" altLang="ja-JP" dirty="0"/>
+              <a:t>Instagram</a:t>
+            </a:r>
+            <a:r>
+              <a:rPr lang="ja-JP" altLang="ja-JP" dirty="0"/>
+              <a:t>などのソーシャルネットワーキングサービスの普及に</a:t>
+            </a:r>
+            <a:r>
+              <a:rPr lang="ja-JP" altLang="ja-JP" dirty="0" smtClean="0"/>
+              <a:t>伴い</a:t>
+            </a:r>
+            <a:r>
+              <a:rPr lang="ja-JP" altLang="en-US" dirty="0" smtClean="0"/>
+              <a:t>、</a:t>
+            </a:r>
+            <a:r>
+              <a:rPr lang="ja-JP" altLang="ja-JP" dirty="0" smtClean="0"/>
+              <a:t>我々</a:t>
+            </a:r>
+            <a:r>
+              <a:rPr lang="ja-JP" altLang="ja-JP" dirty="0"/>
+              <a:t>のアクセスすることができる画像が急激に増加して</a:t>
+            </a:r>
+            <a:r>
+              <a:rPr lang="ja-JP" altLang="ja-JP" dirty="0" smtClean="0"/>
+              <a:t>いる</a:t>
+            </a:r>
+            <a:r>
+              <a:rPr lang="ja-JP" altLang="en-US" dirty="0" smtClean="0"/>
+              <a:t>。</a:t>
+            </a:r>
+            <a:r>
+              <a:rPr lang="ja-JP" altLang="ja-JP" dirty="0" smtClean="0"/>
+              <a:t>その</a:t>
+            </a:r>
+            <a:r>
+              <a:rPr lang="ja-JP" altLang="ja-JP" dirty="0"/>
+              <a:t>ような大量の画像を用いること</a:t>
+            </a:r>
+            <a:r>
+              <a:rPr lang="ja-JP" altLang="ja-JP" dirty="0" smtClean="0"/>
+              <a:t>で</a:t>
+            </a:r>
+            <a:r>
+              <a:rPr lang="ja-JP" altLang="en-US" dirty="0" smtClean="0"/>
+              <a:t>、</a:t>
+            </a:r>
+            <a:r>
+              <a:rPr lang="ja-JP" altLang="ja-JP" dirty="0" smtClean="0"/>
+              <a:t>画像</a:t>
+            </a:r>
+            <a:r>
+              <a:rPr lang="ja-JP" altLang="ja-JP" dirty="0"/>
+              <a:t>認識の性能を向上させる研究が盛んに行われている</a:t>
+            </a:r>
+            <a:r>
+              <a:rPr lang="ja-JP" altLang="ja-JP" dirty="0" smtClean="0"/>
+              <a:t>。</a:t>
+            </a:r>
+            <a:endParaRPr lang="en-US" altLang="ja-JP" dirty="0" smtClean="0"/>
+          </a:p>
+          <a:p>
+            <a:r>
               <a:rPr lang="ja-JP" altLang="en-US" dirty="0"/>
-              <a:t>ロードバランサを用いた</a:t>
-            </a:r>
-            <a:r>
-              <a:rPr kumimoji="1" lang="ja-JP" altLang="en-US" dirty="0" smtClean="0"/>
-              <a:t>観光地推薦</a:t>
-            </a:r>
-            <a:endParaRPr kumimoji="1" lang="ja-JP" altLang="en-US" dirty="0"/>
-          </a:p>
-        </p:txBody>
-      </p:sp>
-      <p:sp>
-        <p:nvSpPr>
-          <p:cNvPr id="3" name="コンテンツ プレースホルダー 2"/>
-          <p:cNvSpPr>
-            <a:spLocks noGrp="1"/>
-          </p:cNvSpPr>
-          <p:nvPr>
-            <p:ph idx="1"/>
-          </p:nvPr>
-        </p:nvSpPr>
-        <p:spPr/>
-        <p:txBody>
-          <a:bodyPr/>
-          <a:lstStyle/>
-          <a:p>
-            <a:r>
-              <a:rPr kumimoji="1" lang="ja-JP" altLang="en-US" dirty="0" smtClean="0"/>
-              <a:t>写真の場所へナビ</a:t>
-            </a:r>
-            <a:endParaRPr kumimoji="1" lang="en-US" altLang="ja-JP" dirty="0" smtClean="0"/>
-          </a:p>
-          <a:p>
-            <a:pPr lvl="1"/>
-            <a:r>
-              <a:rPr lang="ja-JP" altLang="en-US" dirty="0"/>
-              <a:t>最短</a:t>
+              <a:t>そこで</a:t>
             </a:r>
             <a:r>
               <a:rPr lang="ja-JP" altLang="en-US" dirty="0" smtClean="0"/>
-              <a:t>経路</a:t>
-            </a:r>
-            <a:endParaRPr lang="en-US" altLang="ja-JP" dirty="0" smtClean="0"/>
-          </a:p>
-          <a:p>
-            <a:pPr lvl="1"/>
-            <a:endParaRPr lang="en-US" altLang="ja-JP" dirty="0"/>
-          </a:p>
-          <a:p>
-            <a:r>
-              <a:rPr lang="ja-JP" altLang="en-US" dirty="0" smtClean="0"/>
-              <a:t>行きたい場所を選択</a:t>
-            </a:r>
-            <a:r>
-              <a:rPr lang="ja-JP" altLang="en-US" dirty="0" err="1" smtClean="0"/>
-              <a:t>ー</a:t>
-            </a:r>
-            <a:r>
-              <a:rPr lang="ja-JP" altLang="en-US" dirty="0" smtClean="0"/>
-              <a:t>＞写真を選択</a:t>
-            </a:r>
-            <a:endParaRPr lang="en-US" altLang="ja-JP" dirty="0" smtClean="0"/>
-          </a:p>
-          <a:p>
-            <a:pPr marL="0" indent="0">
-              <a:buNone/>
-            </a:pPr>
-            <a:r>
-              <a:rPr lang="ja-JP" altLang="en-US" dirty="0"/>
-              <a:t>　</a:t>
-            </a:r>
-            <a:r>
-              <a:rPr lang="ja-JP" altLang="en-US" dirty="0" err="1" smtClean="0"/>
-              <a:t>ー</a:t>
-            </a:r>
-            <a:r>
-              <a:rPr lang="ja-JP" altLang="en-US" dirty="0" smtClean="0"/>
-              <a:t>＞その場所の情報＆周辺のおすすめスポットを推薦</a:t>
-            </a:r>
-            <a:endParaRPr lang="en-US" altLang="ja-JP" dirty="0" smtClean="0"/>
-          </a:p>
-          <a:p>
-            <a:pPr marL="0" indent="0">
-              <a:buNone/>
-            </a:pPr>
-            <a:endParaRPr lang="en-US" altLang="ja-JP" dirty="0"/>
-          </a:p>
-          <a:p>
-            <a:r>
-              <a:rPr lang="ja-JP" altLang="en-US" dirty="0" smtClean="0"/>
-              <a:t>ユーザが選んだ写真と似たような</a:t>
-            </a:r>
-            <a:r>
-              <a:rPr lang="ja-JP" altLang="en-US" dirty="0"/>
-              <a:t>場所を推薦</a:t>
-            </a:r>
-            <a:r>
-              <a:rPr lang="ja-JP" altLang="en-US" dirty="0" smtClean="0"/>
-              <a:t>する</a:t>
-            </a:r>
-            <a:endParaRPr lang="en-US" altLang="ja-JP" dirty="0" smtClean="0"/>
-          </a:p>
-          <a:p>
-            <a:endParaRPr lang="en-US" altLang="ja-JP" dirty="0" smtClean="0"/>
+              <a:t>、画像認識に有効な特徴量とどれくらいの計算コストで処理できるのか調査していく。</a:t>
+            </a:r>
+            <a:endParaRPr lang="ja-JP" altLang="ja-JP" dirty="0"/>
           </a:p>
         </p:txBody>
       </p:sp>
@@ -3891,7 +3908,12 @@
             <p:ph type="sldNum" sz="quarter" idx="12"/>
           </p:nvPr>
         </p:nvSpPr>
-        <p:spPr/>
+        <p:spPr>
+          <a:xfrm>
+            <a:off x="6388100" y="6311899"/>
+            <a:ext cx="2127250" cy="409577"/>
+          </a:xfrm>
+        </p:spPr>
         <p:txBody>
           <a:bodyPr/>
           <a:lstStyle/>
@@ -3900,20 +3922,27 @@
               <a:rPr kumimoji="1" lang="ja-JP" altLang="en-US" smtClean="0"/>
               <a:t>2</a:t>
             </a:fld>
-            <a:endParaRPr kumimoji="1" lang="ja-JP" altLang="en-US"/>
+            <a:endParaRPr kumimoji="1" lang="ja-JP" altLang="en-US" dirty="0"/>
           </a:p>
         </p:txBody>
       </p:sp>
     </p:spTree>
     <p:extLst>
       <p:ext uri="{BB962C8B-B14F-4D97-AF65-F5344CB8AC3E}">
-        <p14:creationId xmlns:p14="http://schemas.microsoft.com/office/powerpoint/2010/main" val="1900657431"/>
+        <p14:creationId xmlns:p14="http://schemas.microsoft.com/office/powerpoint/2010/main" val="1521146610"/>
       </p:ext>
     </p:extLst>
   </p:cSld>
   <p:clrMapOvr>
     <a:masterClrMapping/>
   </p:clrMapOvr>
+  <p:timing>
+    <p:tnLst>
+      <p:par>
+        <p:cTn id="1" dur="indefinite" restart="never" nodeType="tmRoot"/>
+      </p:par>
+    </p:tnLst>
+  </p:timing>
 </p:sld>
 </file>
 
@@ -3951,7 +3980,7 @@
           <a:p>
             <a:r>
               <a:rPr kumimoji="1" lang="ja-JP" altLang="en-US" dirty="0" smtClean="0"/>
-              <a:t>ユーザの趣味嗜好を考慮した観光地推薦</a:t>
+              <a:t>課題</a:t>
             </a:r>
             <a:endParaRPr kumimoji="1" lang="ja-JP" altLang="en-US" dirty="0"/>
           </a:p>
@@ -3972,40 +4001,51 @@
           <a:bodyPr/>
           <a:lstStyle/>
           <a:p>
+            <a:pPr marL="0" indent="0">
+              <a:buNone/>
+            </a:pPr>
+            <a:r>
+              <a:rPr kumimoji="1" lang="ja-JP" altLang="en-US" dirty="0" smtClean="0"/>
+              <a:t>画像認識において、特徴量がより高次元になるほど、認識性能が高くなる。</a:t>
+            </a:r>
+            <a:endParaRPr kumimoji="1" lang="en-US" altLang="ja-JP" dirty="0" smtClean="0"/>
+          </a:p>
+          <a:p>
+            <a:pPr marL="0" indent="0">
+              <a:buNone/>
+            </a:pPr>
             <a:r>
               <a:rPr lang="ja-JP" altLang="en-US" dirty="0" smtClean="0"/>
-              <a:t>＜概要＞</a:t>
+              <a:t>しかし、特徴量が高次元になると特徴量の算出コスト、認識処理の計算コストが大きく増加してしまい、解析が困難になってしまうといった課題がある。</a:t>
             </a:r>
             <a:endParaRPr lang="en-US" altLang="ja-JP" dirty="0" smtClean="0"/>
           </a:p>
           <a:p>
-            <a:pPr lvl="1"/>
-            <a:r>
-              <a:rPr lang="ja-JP" altLang="en-US" dirty="0" smtClean="0"/>
-              <a:t>ユーザが選んだ写真と似たような場所を推薦する</a:t>
-            </a:r>
+            <a:pPr marL="0" indent="0">
+              <a:buNone/>
+            </a:pPr>
             <a:endParaRPr lang="en-US" altLang="ja-JP" dirty="0" smtClean="0"/>
           </a:p>
           <a:p>
-            <a:endParaRPr kumimoji="1" lang="en-US" altLang="ja-JP" dirty="0"/>
-          </a:p>
-          <a:p>
-            <a:r>
-              <a:rPr lang="ja-JP" altLang="en-US" dirty="0" smtClean="0"/>
-              <a:t>＜技術的課題＞</a:t>
-            </a:r>
-            <a:endParaRPr lang="en-US" altLang="ja-JP" dirty="0" smtClean="0"/>
-          </a:p>
-          <a:p>
-            <a:pPr lvl="1"/>
-            <a:r>
-              <a:rPr kumimoji="1" lang="ja-JP" altLang="en-US" dirty="0"/>
-              <a:t>観光地同士</a:t>
-            </a:r>
-            <a:r>
-              <a:rPr kumimoji="1" lang="ja-JP" altLang="en-US" dirty="0" smtClean="0"/>
-              <a:t>の共通する要因をどのように見つけ出すか。</a:t>
-            </a:r>
+            <a:pPr lvl="0"/>
+            <a:r>
+              <a:rPr lang="ja-JP" altLang="en-US" dirty="0">
+                <a:solidFill>
+                  <a:prstClr val="black"/>
+                </a:solidFill>
+              </a:rPr>
+              <a:t>そのために、高次元の画像を低次元に落とす必要がある。</a:t>
+            </a:r>
+            <a:endParaRPr lang="en-US" altLang="ja-JP" dirty="0">
+              <a:solidFill>
+                <a:prstClr val="black"/>
+              </a:solidFill>
+            </a:endParaRPr>
+          </a:p>
+          <a:p>
+            <a:pPr marL="0" indent="0">
+              <a:buNone/>
+            </a:pPr>
             <a:endParaRPr kumimoji="1" lang="ja-JP" altLang="en-US" dirty="0"/>
           </a:p>
         </p:txBody>
@@ -4036,13 +4076,20 @@
     </p:spTree>
     <p:extLst>
       <p:ext uri="{BB962C8B-B14F-4D97-AF65-F5344CB8AC3E}">
-        <p14:creationId xmlns:p14="http://schemas.microsoft.com/office/powerpoint/2010/main" val="4094317005"/>
+        <p14:creationId xmlns:p14="http://schemas.microsoft.com/office/powerpoint/2010/main" val="3682786824"/>
       </p:ext>
     </p:extLst>
   </p:cSld>
   <p:clrMapOvr>
     <a:masterClrMapping/>
   </p:clrMapOvr>
+  <p:timing>
+    <p:tnLst>
+      <p:par>
+        <p:cTn id="1" dur="indefinite" restart="never" nodeType="tmRoot"/>
+      </p:par>
+    </p:tnLst>
+  </p:timing>
 </p:sld>
 </file>
 
@@ -4080,7 +4127,7 @@
           <a:p>
             <a:r>
               <a:rPr kumimoji="1" lang="ja-JP" altLang="en-US" dirty="0" smtClean="0"/>
-              <a:t>テーマ</a:t>
+              <a:t>特徴量の検出方法</a:t>
             </a:r>
             <a:endParaRPr kumimoji="1" lang="ja-JP" altLang="en-US" dirty="0"/>
           </a:p>
@@ -4101,27 +4148,57 @@
           <a:bodyPr/>
           <a:lstStyle/>
           <a:p>
+            <a:pPr marL="514350" indent="-514350">
+              <a:buFont typeface="+mj-lt"/>
+              <a:buAutoNum type="arabicPeriod"/>
+            </a:pPr>
+            <a:r>
+              <a:rPr kumimoji="1" lang="en-US" altLang="ja-JP" dirty="0" smtClean="0"/>
+              <a:t>SIFT</a:t>
+            </a:r>
+            <a:r>
+              <a:rPr kumimoji="1" lang="ja-JP" altLang="en-US" dirty="0" smtClean="0"/>
+              <a:t>による特徴点検</a:t>
+            </a:r>
+            <a:r>
+              <a:rPr kumimoji="1" lang="ja-JP" altLang="en-US" dirty="0" smtClean="0"/>
+              <a:t>出</a:t>
+            </a:r>
+            <a:endParaRPr lang="en-US" altLang="ja-JP" dirty="0"/>
+          </a:p>
+          <a:p>
+            <a:pPr marL="514350" indent="-514350">
+              <a:buFont typeface="+mj-lt"/>
+              <a:buAutoNum type="arabicPeriod"/>
+            </a:pPr>
+            <a:endParaRPr kumimoji="1" lang="en-US" altLang="ja-JP" dirty="0" smtClean="0"/>
+          </a:p>
+          <a:p>
+            <a:pPr marL="514350" indent="-514350">
+              <a:buFont typeface="+mj-lt"/>
+              <a:buAutoNum type="arabicPeriod"/>
+            </a:pPr>
+            <a:r>
+              <a:rPr lang="en-US" altLang="ja-JP" dirty="0" smtClean="0"/>
+              <a:t>BERT</a:t>
+            </a:r>
             <a:r>
               <a:rPr lang="ja-JP" altLang="en-US" dirty="0" smtClean="0"/>
-              <a:t>次元数と計算コストを考慮したパラメータの計算方法</a:t>
-            </a:r>
-            <a:endParaRPr lang="en-US" altLang="ja-JP" dirty="0" smtClean="0"/>
-          </a:p>
-          <a:p>
-            <a:endParaRPr lang="en-US" altLang="ja-JP" dirty="0" smtClean="0"/>
-          </a:p>
-          <a:p>
-            <a:endParaRPr lang="en-US" altLang="ja-JP" dirty="0" smtClean="0"/>
-          </a:p>
-          <a:p>
-            <a:pPr marL="0" indent="0">
-              <a:buNone/>
+              <a:t>による特徴量抽出</a:t>
+            </a:r>
+            <a:endParaRPr kumimoji="1" lang="en-US" altLang="ja-JP" dirty="0" smtClean="0"/>
+          </a:p>
+          <a:p>
+            <a:pPr marL="514350" indent="-514350">
+              <a:buFont typeface="+mj-lt"/>
+              <a:buAutoNum type="arabicPeriod"/>
             </a:pPr>
-            <a:endParaRPr kumimoji="1" lang="en-US" altLang="ja-JP" dirty="0"/>
-          </a:p>
-          <a:p>
-            <a:pPr marL="0" indent="0">
-              <a:buNone/>
+            <a:endParaRPr lang="en-US" altLang="ja-JP" dirty="0"/>
+          </a:p>
+          <a:p>
+            <a:pPr marL="514350" indent="-514350">
+              <a:buFont typeface="+mj-lt"/>
+              <a:buAutoNum type="arabicPeriod"/>
             </a:pPr>
             <a:endParaRPr kumimoji="1" lang="ja-JP" altLang="en-US" dirty="0"/>
           </a:p>
@@ -4153,13 +4230,20 @@
     </p:spTree>
     <p:extLst>
       <p:ext uri="{BB962C8B-B14F-4D97-AF65-F5344CB8AC3E}">
-        <p14:creationId xmlns:p14="http://schemas.microsoft.com/office/powerpoint/2010/main" val="2085403890"/>
+        <p14:creationId xmlns:p14="http://schemas.microsoft.com/office/powerpoint/2010/main" val="3884025411"/>
       </p:ext>
     </p:extLst>
   </p:cSld>
   <p:clrMapOvr>
     <a:masterClrMapping/>
   </p:clrMapOvr>
+  <p:timing>
+    <p:tnLst>
+      <p:par>
+        <p:cTn id="1" dur="indefinite" restart="never" nodeType="tmRoot"/>
+      </p:par>
+    </p:tnLst>
+  </p:timing>
 </p:sld>
 </file>
 
@@ -4197,7 +4281,7 @@
           <a:p>
             <a:r>
               <a:rPr lang="ja-JP" altLang="en-US" dirty="0"/>
-              <a:t>問題定義</a:t>
+              <a:t>学習</a:t>
             </a:r>
             <a:endParaRPr kumimoji="1" lang="ja-JP" altLang="en-US" dirty="0"/>
           </a:p>
@@ -4218,24 +4302,76 @@
           <a:bodyPr/>
           <a:lstStyle/>
           <a:p>
+            <a:pPr marL="457200" lvl="1" indent="0">
+              <a:buNone/>
+            </a:pPr>
+            <a:r>
+              <a:rPr kumimoji="1" lang="en-US" altLang="ja-JP" dirty="0" smtClean="0"/>
+              <a:t>Python</a:t>
+            </a:r>
+            <a:r>
+              <a:rPr kumimoji="1" lang="ja-JP" altLang="en-US" dirty="0" smtClean="0"/>
+              <a:t>のプログラミング</a:t>
+            </a:r>
+            <a:r>
+              <a:rPr lang="ja-JP" altLang="en-US" dirty="0"/>
+              <a:t>の</a:t>
+            </a:r>
             <a:r>
               <a:rPr lang="ja-JP" altLang="en-US" dirty="0" smtClean="0"/>
-              <a:t>高次元データを扱うと、情報の取得に時間がかかるなどの障害がある</a:t>
+              <a:t>学習</a:t>
             </a:r>
             <a:endParaRPr lang="en-US" altLang="ja-JP" dirty="0" smtClean="0"/>
           </a:p>
           <a:p>
+            <a:pPr marL="457200" lvl="1" indent="0">
+              <a:buNone/>
+            </a:pPr>
             <a:endParaRPr lang="en-US" altLang="ja-JP" dirty="0"/>
           </a:p>
           <a:p>
+            <a:pPr marL="457200" lvl="1" indent="0">
+              <a:buNone/>
+            </a:pPr>
+            <a:r>
+              <a:rPr lang="en-US" altLang="ja-JP" dirty="0" smtClean="0"/>
+              <a:t>Python</a:t>
+            </a:r>
             <a:r>
               <a:rPr lang="ja-JP" altLang="en-US" dirty="0" smtClean="0"/>
-              <a:t>次元数に応じて、どれくらい時間がかかるか調査する。</a:t>
+              <a:t>と</a:t>
+            </a:r>
+            <a:r>
+              <a:rPr lang="en-US" altLang="ja-JP" dirty="0" err="1" smtClean="0"/>
+              <a:t>Keras</a:t>
+            </a:r>
+            <a:r>
+              <a:rPr lang="ja-JP" altLang="en-US" dirty="0" smtClean="0"/>
+              <a:t>によるディープラーニング</a:t>
             </a:r>
             <a:endParaRPr lang="en-US" altLang="ja-JP" dirty="0" smtClean="0"/>
           </a:p>
           <a:p>
-            <a:endParaRPr kumimoji="1" lang="en-US" altLang="ja-JP" dirty="0" smtClean="0"/>
+            <a:pPr marL="457200" lvl="1" indent="0">
+              <a:buNone/>
+            </a:pPr>
+            <a:r>
+              <a:rPr lang="ja-JP" altLang="en-US" dirty="0"/>
+              <a:t>を</a:t>
+            </a:r>
+            <a:r>
+              <a:rPr lang="ja-JP" altLang="en-US" dirty="0" smtClean="0"/>
+              <a:t>読んで、勉強中</a:t>
+            </a:r>
+            <a:endParaRPr lang="en-US" altLang="ja-JP" dirty="0" smtClean="0"/>
+          </a:p>
+          <a:p>
+            <a:pPr lvl="1"/>
+            <a:endParaRPr lang="en-US" altLang="ja-JP" dirty="0" smtClean="0"/>
+          </a:p>
+          <a:p>
+            <a:pPr lvl="1"/>
+            <a:endParaRPr lang="en-US" altLang="ja-JP" dirty="0" smtClean="0"/>
           </a:p>
         </p:txBody>
       </p:sp>
@@ -4265,13 +4401,20 @@
     </p:spTree>
     <p:extLst>
       <p:ext uri="{BB962C8B-B14F-4D97-AF65-F5344CB8AC3E}">
-        <p14:creationId xmlns:p14="http://schemas.microsoft.com/office/powerpoint/2010/main" val="2980075032"/>
+        <p14:creationId xmlns:p14="http://schemas.microsoft.com/office/powerpoint/2010/main" val="2180319456"/>
       </p:ext>
     </p:extLst>
   </p:cSld>
   <p:clrMapOvr>
     <a:masterClrMapping/>
   </p:clrMapOvr>
+  <p:timing>
+    <p:tnLst>
+      <p:par>
+        <p:cTn id="1" dur="indefinite" restart="never" nodeType="tmRoot"/>
+      </p:par>
+    </p:tnLst>
+  </p:timing>
 </p:sld>
 </file>
 
@@ -4307,11 +4450,7 @@
           <a:bodyPr/>
           <a:lstStyle/>
           <a:p>
-            <a:r>
-              <a:rPr lang="ja-JP" altLang="en-US" dirty="0"/>
-              <a:t>学習</a:t>
-            </a:r>
-            <a:endParaRPr kumimoji="1" lang="ja-JP" altLang="en-US" dirty="0"/>
+            <a:endParaRPr kumimoji="1" lang="ja-JP" altLang="en-US"/>
           </a:p>
         </p:txBody>
       </p:sp>
@@ -4330,43 +4469,7 @@
           <a:bodyPr/>
           <a:lstStyle/>
           <a:p>
-            <a:r>
-              <a:rPr kumimoji="1" lang="ja-JP" altLang="en-US" dirty="0" smtClean="0"/>
-              <a:t>機械学習を使う可能性が高い</a:t>
-            </a:r>
-            <a:endParaRPr kumimoji="1" lang="en-US" altLang="ja-JP" dirty="0" smtClean="0"/>
-          </a:p>
-          <a:p>
-            <a:pPr lvl="1"/>
-            <a:r>
-              <a:rPr lang="ja-JP" altLang="en-US" dirty="0"/>
-              <a:t>そのための</a:t>
-            </a:r>
-            <a:r>
-              <a:rPr lang="ja-JP" altLang="en-US" dirty="0" smtClean="0"/>
-              <a:t>学習として、</a:t>
-            </a:r>
-            <a:r>
-              <a:rPr kumimoji="1" lang="en-US" altLang="ja-JP" dirty="0" smtClean="0"/>
-              <a:t>Python</a:t>
-            </a:r>
-            <a:r>
-              <a:rPr kumimoji="1" lang="ja-JP" altLang="en-US" dirty="0" smtClean="0"/>
-              <a:t>のプログラミング</a:t>
-            </a:r>
-            <a:r>
-              <a:rPr lang="ja-JP" altLang="en-US" dirty="0"/>
-              <a:t>の</a:t>
-            </a:r>
-            <a:r>
-              <a:rPr lang="ja-JP" altLang="en-US" dirty="0" smtClean="0"/>
-              <a:t>学習</a:t>
-            </a:r>
-            <a:endParaRPr lang="en-US" altLang="ja-JP" dirty="0" smtClean="0"/>
-          </a:p>
-          <a:p>
-            <a:pPr lvl="1"/>
-            <a:endParaRPr lang="en-US" altLang="ja-JP" dirty="0" smtClean="0"/>
+            <a:endParaRPr kumimoji="1" lang="ja-JP" altLang="en-US"/>
           </a:p>
         </p:txBody>
       </p:sp>
@@ -4396,13 +4499,20 @@
     </p:spTree>
     <p:extLst>
       <p:ext uri="{BB962C8B-B14F-4D97-AF65-F5344CB8AC3E}">
-        <p14:creationId xmlns:p14="http://schemas.microsoft.com/office/powerpoint/2010/main" val="2180319456"/>
+        <p14:creationId xmlns:p14="http://schemas.microsoft.com/office/powerpoint/2010/main" val="3741261500"/>
       </p:ext>
     </p:extLst>
   </p:cSld>
   <p:clrMapOvr>
     <a:masterClrMapping/>
   </p:clrMapOvr>
+  <p:timing>
+    <p:tnLst>
+      <p:par>
+        <p:cTn id="1" dur="indefinite" restart="never" nodeType="tmRoot"/>
+      </p:par>
+    </p:tnLst>
+  </p:timing>
 </p:sld>
 </file>
 
